--- a/Sharing Session.pptx
+++ b/Sharing Session.pptx
@@ -21,6 +21,7 @@
     <p:sldId id="269" r:id="rId15"/>
     <p:sldId id="270" r:id="rId16"/>
     <p:sldId id="264" r:id="rId17"/>
+    <p:sldId id="272" r:id="rId18"/>
   </p:sldIdLst>
   <p:sldSz cx="12192000" cy="6858000"/>
   <p:notesSz cx="6858000" cy="9144000"/>
@@ -3964,7 +3965,7 @@
           <a:p>
             <a:fld id="{39D5B9D2-73A3-43B1-A424-B21C38AD2865}" type="datetimeFigureOut">
               <a:rPr lang="en-US" smtClean="0"/>
-              <a:t>2/9/2021</a:t>
+              <a:t>2/10/2021</a:t>
             </a:fld>
             <a:endParaRPr lang="en-US"/>
           </a:p>
@@ -4162,7 +4163,7 @@
           <a:p>
             <a:fld id="{39D5B9D2-73A3-43B1-A424-B21C38AD2865}" type="datetimeFigureOut">
               <a:rPr lang="en-US" smtClean="0"/>
-              <a:t>2/9/2021</a:t>
+              <a:t>2/10/2021</a:t>
             </a:fld>
             <a:endParaRPr lang="en-US"/>
           </a:p>
@@ -4370,7 +4371,7 @@
           <a:p>
             <a:fld id="{39D5B9D2-73A3-43B1-A424-B21C38AD2865}" type="datetimeFigureOut">
               <a:rPr lang="en-US" smtClean="0"/>
-              <a:t>2/9/2021</a:t>
+              <a:t>2/10/2021</a:t>
             </a:fld>
             <a:endParaRPr lang="en-US"/>
           </a:p>
@@ -4568,7 +4569,7 @@
           <a:p>
             <a:fld id="{39D5B9D2-73A3-43B1-A424-B21C38AD2865}" type="datetimeFigureOut">
               <a:rPr lang="en-US" smtClean="0"/>
-              <a:t>2/9/2021</a:t>
+              <a:t>2/10/2021</a:t>
             </a:fld>
             <a:endParaRPr lang="en-US"/>
           </a:p>
@@ -4843,7 +4844,7 @@
           <a:p>
             <a:fld id="{39D5B9D2-73A3-43B1-A424-B21C38AD2865}" type="datetimeFigureOut">
               <a:rPr lang="en-US" smtClean="0"/>
-              <a:t>2/9/2021</a:t>
+              <a:t>2/10/2021</a:t>
             </a:fld>
             <a:endParaRPr lang="en-US"/>
           </a:p>
@@ -5108,7 +5109,7 @@
           <a:p>
             <a:fld id="{39D5B9D2-73A3-43B1-A424-B21C38AD2865}" type="datetimeFigureOut">
               <a:rPr lang="en-US" smtClean="0"/>
-              <a:t>2/9/2021</a:t>
+              <a:t>2/10/2021</a:t>
             </a:fld>
             <a:endParaRPr lang="en-US"/>
           </a:p>
@@ -5520,7 +5521,7 @@
           <a:p>
             <a:fld id="{39D5B9D2-73A3-43B1-A424-B21C38AD2865}" type="datetimeFigureOut">
               <a:rPr lang="en-US" smtClean="0"/>
-              <a:t>2/9/2021</a:t>
+              <a:t>2/10/2021</a:t>
             </a:fld>
             <a:endParaRPr lang="en-US"/>
           </a:p>
@@ -5661,7 +5662,7 @@
           <a:p>
             <a:fld id="{39D5B9D2-73A3-43B1-A424-B21C38AD2865}" type="datetimeFigureOut">
               <a:rPr lang="en-US" smtClean="0"/>
-              <a:t>2/9/2021</a:t>
+              <a:t>2/10/2021</a:t>
             </a:fld>
             <a:endParaRPr lang="en-US"/>
           </a:p>
@@ -5774,7 +5775,7 @@
           <a:p>
             <a:fld id="{39D5B9D2-73A3-43B1-A424-B21C38AD2865}" type="datetimeFigureOut">
               <a:rPr lang="en-US" smtClean="0"/>
-              <a:t>2/9/2021</a:t>
+              <a:t>2/10/2021</a:t>
             </a:fld>
             <a:endParaRPr lang="en-US"/>
           </a:p>
@@ -6085,7 +6086,7 @@
           <a:p>
             <a:fld id="{39D5B9D2-73A3-43B1-A424-B21C38AD2865}" type="datetimeFigureOut">
               <a:rPr lang="en-US" smtClean="0"/>
-              <a:t>2/9/2021</a:t>
+              <a:t>2/10/2021</a:t>
             </a:fld>
             <a:endParaRPr lang="en-US"/>
           </a:p>
@@ -6373,7 +6374,7 @@
           <a:p>
             <a:fld id="{39D5B9D2-73A3-43B1-A424-B21C38AD2865}" type="datetimeFigureOut">
               <a:rPr lang="en-US" smtClean="0"/>
-              <a:t>2/9/2021</a:t>
+              <a:t>2/10/2021</a:t>
             </a:fld>
             <a:endParaRPr lang="en-US"/>
           </a:p>
@@ -6614,7 +6615,7 @@
           <a:p>
             <a:fld id="{39D5B9D2-73A3-43B1-A424-B21C38AD2865}" type="datetimeFigureOut">
               <a:rPr lang="en-US" smtClean="0"/>
-              <a:t>2/9/2021</a:t>
+              <a:t>2/10/2021</a:t>
             </a:fld>
             <a:endParaRPr lang="en-US"/>
           </a:p>
@@ -11269,6 +11270,1241 @@
 </p:sld>
 </file>
 
+<file path=ppt/slides/slide17.xml><?xml version="1.0" encoding="utf-8"?>
+<p:sld xmlns:a="http://schemas.openxmlformats.org/drawingml/2006/main" xmlns:r="http://schemas.openxmlformats.org/officeDocument/2006/relationships" xmlns:p="http://schemas.openxmlformats.org/presentationml/2006/main">
+  <p:cSld>
+    <p:bg>
+      <p:bgPr>
+        <a:solidFill>
+          <a:schemeClr val="bg1"/>
+        </a:solidFill>
+        <a:effectLst/>
+      </p:bgPr>
+    </p:bg>
+    <p:spTree>
+      <p:nvGrpSpPr>
+        <p:cNvPr id="1" name=""/>
+        <p:cNvGrpSpPr/>
+        <p:nvPr/>
+      </p:nvGrpSpPr>
+      <p:grpSpPr>
+        <a:xfrm>
+          <a:off x="0" y="0"/>
+          <a:ext cx="0" cy="0"/>
+          <a:chOff x="0" y="0"/>
+          <a:chExt cx="0" cy="0"/>
+        </a:xfrm>
+      </p:grpSpPr>
+      <p:sp>
+        <p:nvSpPr>
+          <p:cNvPr id="7" name="Rectangle 6">
+            <a:extLst>
+              <a:ext uri="{FF2B5EF4-FFF2-40B4-BE49-F238E27FC236}">
+                <a16:creationId xmlns:a16="http://schemas.microsoft.com/office/drawing/2014/main" id="{88294908-8B00-4F58-BBBA-20F71A40AA9E}"/>
+              </a:ext>
+              <a:ext uri="{C183D7F6-B498-43B3-948B-1728B52AA6E4}">
+                <adec:decorative xmlns:adec="http://schemas.microsoft.com/office/drawing/2017/decorative" val="1"/>
+              </a:ext>
+            </a:extLst>
+          </p:cNvPr>
+          <p:cNvSpPr>
+            <a:spLocks noGrp="1" noRot="1" noChangeAspect="1" noMove="1" noResize="1" noEditPoints="1" noAdjustHandles="1" noChangeArrowheads="1" noChangeShapeType="1" noTextEdit="1"/>
+          </p:cNvSpPr>
+          <p:nvPr>
+            <p:extLst>
+              <p:ext uri="{386F3935-93C4-4BCD-93E2-E3B085C9AB24}">
+                <p16:designElem xmlns:p16="http://schemas.microsoft.com/office/powerpoint/2015/main" val="1"/>
+              </p:ext>
+            </p:extLst>
+          </p:nvPr>
+        </p:nvSpPr>
+        <p:spPr>
+          <a:xfrm>
+            <a:off x="0" y="0"/>
+            <a:ext cx="12192000" cy="6858000"/>
+          </a:xfrm>
+          <a:prstGeom prst="rect">
+            <a:avLst/>
+          </a:prstGeom>
+          <a:solidFill>
+            <a:schemeClr val="bg2"/>
+          </a:solidFill>
+          <a:ln>
+            <a:noFill/>
+          </a:ln>
+        </p:spPr>
+        <p:style>
+          <a:lnRef idx="2">
+            <a:schemeClr val="accent1">
+              <a:shade val="50000"/>
+            </a:schemeClr>
+          </a:lnRef>
+          <a:fillRef idx="1">
+            <a:schemeClr val="accent1"/>
+          </a:fillRef>
+          <a:effectRef idx="0">
+            <a:schemeClr val="accent1"/>
+          </a:effectRef>
+          <a:fontRef idx="minor">
+            <a:schemeClr val="lt1"/>
+          </a:fontRef>
+        </p:style>
+        <p:txBody>
+          <a:bodyPr rtlCol="0" anchor="ctr"/>
+          <a:lstStyle/>
+          <a:p>
+            <a:pPr algn="ctr"/>
+            <a:endParaRPr lang="en-US" dirty="0"/>
+          </a:p>
+        </p:txBody>
+      </p:sp>
+      <p:sp>
+        <p:nvSpPr>
+          <p:cNvPr id="9" name="Freeform: Shape 8">
+            <a:extLst>
+              <a:ext uri="{FF2B5EF4-FFF2-40B4-BE49-F238E27FC236}">
+                <a16:creationId xmlns:a16="http://schemas.microsoft.com/office/drawing/2014/main" id="{4364C879-1404-4203-8E9D-CC5DE0A621A2}"/>
+              </a:ext>
+              <a:ext uri="{C183D7F6-B498-43B3-948B-1728B52AA6E4}">
+                <adec:decorative xmlns:adec="http://schemas.microsoft.com/office/drawing/2017/decorative" val="1"/>
+              </a:ext>
+            </a:extLst>
+          </p:cNvPr>
+          <p:cNvSpPr>
+            <a:spLocks noGrp="1" noRot="1" noChangeAspect="1" noMove="1" noResize="1" noEditPoints="1" noAdjustHandles="1" noChangeArrowheads="1" noChangeShapeType="1" noTextEdit="1"/>
+          </p:cNvSpPr>
+          <p:nvPr>
+            <p:extLst>
+              <p:ext uri="{386F3935-93C4-4BCD-93E2-E3B085C9AB24}">
+                <p16:designElem xmlns:p16="http://schemas.microsoft.com/office/powerpoint/2015/main" val="1"/>
+              </p:ext>
+            </p:extLst>
+          </p:nvPr>
+        </p:nvSpPr>
+        <p:spPr>
+          <a:xfrm rot="2700000">
+            <a:off x="82782" y="-1386168"/>
+            <a:ext cx="2424873" cy="3611191"/>
+          </a:xfrm>
+          <a:custGeom>
+            <a:avLst/>
+            <a:gdLst>
+              <a:gd name="connsiteX0" fmla="*/ 0 w 2424873"/>
+              <a:gd name="connsiteY0" fmla="*/ 2424874 h 3611191"/>
+              <a:gd name="connsiteX1" fmla="*/ 2424873 w 2424873"/>
+              <a:gd name="connsiteY1" fmla="*/ 0 h 3611191"/>
+              <a:gd name="connsiteX2" fmla="*/ 2424873 w 2424873"/>
+              <a:gd name="connsiteY2" fmla="*/ 3611191 h 3611191"/>
+              <a:gd name="connsiteX3" fmla="*/ 1186317 w 2424873"/>
+              <a:gd name="connsiteY3" fmla="*/ 3611191 h 3611191"/>
+            </a:gdLst>
+            <a:ahLst/>
+            <a:cxnLst>
+              <a:cxn ang="0">
+                <a:pos x="connsiteX0" y="connsiteY0"/>
+              </a:cxn>
+              <a:cxn ang="0">
+                <a:pos x="connsiteX1" y="connsiteY1"/>
+              </a:cxn>
+              <a:cxn ang="0">
+                <a:pos x="connsiteX2" y="connsiteY2"/>
+              </a:cxn>
+              <a:cxn ang="0">
+                <a:pos x="connsiteX3" y="connsiteY3"/>
+              </a:cxn>
+            </a:cxnLst>
+            <a:rect l="l" t="t" r="r" b="b"/>
+            <a:pathLst>
+              <a:path w="2424873" h="3611191">
+                <a:moveTo>
+                  <a:pt x="0" y="2424874"/>
+                </a:moveTo>
+                <a:lnTo>
+                  <a:pt x="2424873" y="0"/>
+                </a:lnTo>
+                <a:lnTo>
+                  <a:pt x="2424873" y="3611191"/>
+                </a:lnTo>
+                <a:lnTo>
+                  <a:pt x="1186317" y="3611191"/>
+                </a:lnTo>
+                <a:close/>
+              </a:path>
+            </a:pathLst>
+          </a:custGeom>
+          <a:solidFill>
+            <a:schemeClr val="accent4">
+              <a:alpha val="40000"/>
+            </a:schemeClr>
+          </a:solidFill>
+          <a:ln>
+            <a:noFill/>
+          </a:ln>
+        </p:spPr>
+        <p:style>
+          <a:lnRef idx="2">
+            <a:schemeClr val="accent1">
+              <a:shade val="50000"/>
+            </a:schemeClr>
+          </a:lnRef>
+          <a:fillRef idx="1">
+            <a:schemeClr val="accent1"/>
+          </a:fillRef>
+          <a:effectRef idx="0">
+            <a:schemeClr val="accent1"/>
+          </a:effectRef>
+          <a:fontRef idx="minor">
+            <a:schemeClr val="lt1"/>
+          </a:fontRef>
+        </p:style>
+        <p:txBody>
+          <a:bodyPr wrap="square" rtlCol="0" anchor="ctr">
+            <a:noAutofit/>
+          </a:bodyPr>
+          <a:lstStyle/>
+          <a:p>
+            <a:pPr algn="ctr"/>
+            <a:endParaRPr lang="en-US"/>
+          </a:p>
+        </p:txBody>
+      </p:sp>
+      <p:sp>
+        <p:nvSpPr>
+          <p:cNvPr id="11" name="Freeform: Shape 10">
+            <a:extLst>
+              <a:ext uri="{FF2B5EF4-FFF2-40B4-BE49-F238E27FC236}">
+                <a16:creationId xmlns:a16="http://schemas.microsoft.com/office/drawing/2014/main" id="{84617302-4B0D-4351-A6BB-6F0930D943AC}"/>
+              </a:ext>
+              <a:ext uri="{C183D7F6-B498-43B3-948B-1728B52AA6E4}">
+                <adec:decorative xmlns:adec="http://schemas.microsoft.com/office/drawing/2017/decorative" val="1"/>
+              </a:ext>
+            </a:extLst>
+          </p:cNvPr>
+          <p:cNvSpPr>
+            <a:spLocks noGrp="1" noRot="1" noChangeAspect="1" noMove="1" noResize="1" noEditPoints="1" noAdjustHandles="1" noChangeArrowheads="1" noChangeShapeType="1" noTextEdit="1"/>
+          </p:cNvSpPr>
+          <p:nvPr>
+            <p:extLst>
+              <p:ext uri="{386F3935-93C4-4BCD-93E2-E3B085C9AB24}">
+                <p16:designElem xmlns:p16="http://schemas.microsoft.com/office/powerpoint/2015/main" val="1"/>
+              </p:ext>
+            </p:extLst>
+          </p:nvPr>
+        </p:nvSpPr>
+        <p:spPr>
+          <a:xfrm rot="2700000">
+            <a:off x="1571000" y="-338582"/>
+            <a:ext cx="1635955" cy="1635955"/>
+          </a:xfrm>
+          <a:custGeom>
+            <a:avLst/>
+            <a:gdLst>
+              <a:gd name="connsiteX0" fmla="*/ 0 w 1635955"/>
+              <a:gd name="connsiteY0" fmla="*/ 957987 h 1635955"/>
+              <a:gd name="connsiteX1" fmla="*/ 957987 w 1635955"/>
+              <a:gd name="connsiteY1" fmla="*/ 0 h 1635955"/>
+              <a:gd name="connsiteX2" fmla="*/ 1635955 w 1635955"/>
+              <a:gd name="connsiteY2" fmla="*/ 0 h 1635955"/>
+              <a:gd name="connsiteX3" fmla="*/ 1635955 w 1635955"/>
+              <a:gd name="connsiteY3" fmla="*/ 1635955 h 1635955"/>
+              <a:gd name="connsiteX4" fmla="*/ 0 w 1635955"/>
+              <a:gd name="connsiteY4" fmla="*/ 1635955 h 1635955"/>
+            </a:gdLst>
+            <a:ahLst/>
+            <a:cxnLst>
+              <a:cxn ang="0">
+                <a:pos x="connsiteX0" y="connsiteY0"/>
+              </a:cxn>
+              <a:cxn ang="0">
+                <a:pos x="connsiteX1" y="connsiteY1"/>
+              </a:cxn>
+              <a:cxn ang="0">
+                <a:pos x="connsiteX2" y="connsiteY2"/>
+              </a:cxn>
+              <a:cxn ang="0">
+                <a:pos x="connsiteX3" y="connsiteY3"/>
+              </a:cxn>
+              <a:cxn ang="0">
+                <a:pos x="connsiteX4" y="connsiteY4"/>
+              </a:cxn>
+            </a:cxnLst>
+            <a:rect l="l" t="t" r="r" b="b"/>
+            <a:pathLst>
+              <a:path w="1635955" h="1635955">
+                <a:moveTo>
+                  <a:pt x="0" y="957987"/>
+                </a:moveTo>
+                <a:lnTo>
+                  <a:pt x="957987" y="0"/>
+                </a:lnTo>
+                <a:lnTo>
+                  <a:pt x="1635955" y="0"/>
+                </a:lnTo>
+                <a:lnTo>
+                  <a:pt x="1635955" y="1635955"/>
+                </a:lnTo>
+                <a:lnTo>
+                  <a:pt x="0" y="1635955"/>
+                </a:lnTo>
+                <a:close/>
+              </a:path>
+            </a:pathLst>
+          </a:custGeom>
+          <a:solidFill>
+            <a:schemeClr val="accent4">
+              <a:alpha val="40000"/>
+            </a:schemeClr>
+          </a:solidFill>
+          <a:ln>
+            <a:noFill/>
+          </a:ln>
+        </p:spPr>
+        <p:style>
+          <a:lnRef idx="2">
+            <a:schemeClr val="accent1">
+              <a:shade val="50000"/>
+            </a:schemeClr>
+          </a:lnRef>
+          <a:fillRef idx="1">
+            <a:schemeClr val="accent1"/>
+          </a:fillRef>
+          <a:effectRef idx="0">
+            <a:schemeClr val="accent1"/>
+          </a:effectRef>
+          <a:fontRef idx="minor">
+            <a:schemeClr val="lt1"/>
+          </a:fontRef>
+        </p:style>
+        <p:txBody>
+          <a:bodyPr wrap="square" rtlCol="0" anchor="ctr">
+            <a:noAutofit/>
+          </a:bodyPr>
+          <a:lstStyle/>
+          <a:p>
+            <a:pPr algn="ctr"/>
+            <a:endParaRPr lang="en-US"/>
+          </a:p>
+        </p:txBody>
+      </p:sp>
+      <p:sp>
+        <p:nvSpPr>
+          <p:cNvPr id="13" name="Freeform: Shape 12">
+            <a:extLst>
+              <a:ext uri="{FF2B5EF4-FFF2-40B4-BE49-F238E27FC236}">
+                <a16:creationId xmlns:a16="http://schemas.microsoft.com/office/drawing/2014/main" id="{DA2C7802-C2E0-4218-8F89-8DD7CCD2CD1C}"/>
+              </a:ext>
+              <a:ext uri="{C183D7F6-B498-43B3-948B-1728B52AA6E4}">
+                <adec:decorative xmlns:adec="http://schemas.microsoft.com/office/drawing/2017/decorative" val="1"/>
+              </a:ext>
+            </a:extLst>
+          </p:cNvPr>
+          <p:cNvSpPr>
+            <a:spLocks noGrp="1" noRot="1" noChangeAspect="1" noMove="1" noResize="1" noEditPoints="1" noAdjustHandles="1" noChangeArrowheads="1" noChangeShapeType="1" noTextEdit="1"/>
+          </p:cNvSpPr>
+          <p:nvPr>
+            <p:extLst>
+              <p:ext uri="{386F3935-93C4-4BCD-93E2-E3B085C9AB24}">
+                <p16:designElem xmlns:p16="http://schemas.microsoft.com/office/powerpoint/2015/main" val="1"/>
+              </p:ext>
+            </p:extLst>
+          </p:nvPr>
+        </p:nvSpPr>
+        <p:spPr>
+          <a:xfrm rot="2700000">
+            <a:off x="9627985" y="-6588"/>
+            <a:ext cx="4059393" cy="2548110"/>
+          </a:xfrm>
+          <a:custGeom>
+            <a:avLst/>
+            <a:gdLst>
+              <a:gd name="connsiteX0" fmla="*/ 0 w 4059393"/>
+              <a:gd name="connsiteY0" fmla="*/ 1511282 h 2548110"/>
+              <a:gd name="connsiteX1" fmla="*/ 1511282 w 4059393"/>
+              <a:gd name="connsiteY1" fmla="*/ 0 h 2548110"/>
+              <a:gd name="connsiteX2" fmla="*/ 4059393 w 4059393"/>
+              <a:gd name="connsiteY2" fmla="*/ 2548110 h 2548110"/>
+              <a:gd name="connsiteX3" fmla="*/ 0 w 4059393"/>
+              <a:gd name="connsiteY3" fmla="*/ 2548110 h 2548110"/>
+            </a:gdLst>
+            <a:ahLst/>
+            <a:cxnLst>
+              <a:cxn ang="0">
+                <a:pos x="connsiteX0" y="connsiteY0"/>
+              </a:cxn>
+              <a:cxn ang="0">
+                <a:pos x="connsiteX1" y="connsiteY1"/>
+              </a:cxn>
+              <a:cxn ang="0">
+                <a:pos x="connsiteX2" y="connsiteY2"/>
+              </a:cxn>
+              <a:cxn ang="0">
+                <a:pos x="connsiteX3" y="connsiteY3"/>
+              </a:cxn>
+            </a:cxnLst>
+            <a:rect l="l" t="t" r="r" b="b"/>
+            <a:pathLst>
+              <a:path w="4059393" h="2548110">
+                <a:moveTo>
+                  <a:pt x="0" y="1511282"/>
+                </a:moveTo>
+                <a:lnTo>
+                  <a:pt x="1511282" y="0"/>
+                </a:lnTo>
+                <a:lnTo>
+                  <a:pt x="4059393" y="2548110"/>
+                </a:lnTo>
+                <a:lnTo>
+                  <a:pt x="0" y="2548110"/>
+                </a:lnTo>
+                <a:close/>
+              </a:path>
+            </a:pathLst>
+          </a:custGeom>
+          <a:solidFill>
+            <a:schemeClr val="accent1">
+              <a:alpha val="30000"/>
+            </a:schemeClr>
+          </a:solidFill>
+          <a:ln>
+            <a:noFill/>
+          </a:ln>
+        </p:spPr>
+        <p:style>
+          <a:lnRef idx="2">
+            <a:schemeClr val="accent1">
+              <a:shade val="50000"/>
+            </a:schemeClr>
+          </a:lnRef>
+          <a:fillRef idx="1">
+            <a:schemeClr val="accent1"/>
+          </a:fillRef>
+          <a:effectRef idx="0">
+            <a:schemeClr val="accent1"/>
+          </a:effectRef>
+          <a:fontRef idx="minor">
+            <a:schemeClr val="lt1"/>
+          </a:fontRef>
+        </p:style>
+        <p:txBody>
+          <a:bodyPr wrap="square" rtlCol="0" anchor="ctr">
+            <a:noAutofit/>
+          </a:bodyPr>
+          <a:lstStyle/>
+          <a:p>
+            <a:pPr algn="ctr"/>
+            <a:endParaRPr lang="en-US"/>
+          </a:p>
+        </p:txBody>
+      </p:sp>
+      <p:sp>
+        <p:nvSpPr>
+          <p:cNvPr id="15" name="Rectangle 14">
+            <a:extLst>
+              <a:ext uri="{FF2B5EF4-FFF2-40B4-BE49-F238E27FC236}">
+                <a16:creationId xmlns:a16="http://schemas.microsoft.com/office/drawing/2014/main" id="{A6D7111A-21E5-4EE9-8A78-10E5530F0116}"/>
+              </a:ext>
+              <a:ext uri="{C183D7F6-B498-43B3-948B-1728B52AA6E4}">
+                <adec:decorative xmlns:adec="http://schemas.microsoft.com/office/drawing/2017/decorative" val="1"/>
+              </a:ext>
+            </a:extLst>
+          </p:cNvPr>
+          <p:cNvSpPr>
+            <a:spLocks noGrp="1" noRot="1" noChangeAspect="1" noMove="1" noResize="1" noEditPoints="1" noAdjustHandles="1" noChangeArrowheads="1" noChangeShapeType="1" noTextEdit="1"/>
+          </p:cNvSpPr>
+          <p:nvPr>
+            <p:extLst>
+              <p:ext uri="{386F3935-93C4-4BCD-93E2-E3B085C9AB24}">
+                <p16:designElem xmlns:p16="http://schemas.microsoft.com/office/powerpoint/2015/main" val="1"/>
+              </p:ext>
+            </p:extLst>
+          </p:nvPr>
+        </p:nvSpPr>
+        <p:spPr>
+          <a:xfrm rot="2700000">
+            <a:off x="10262924" y="1465780"/>
+            <a:ext cx="1185708" cy="1185708"/>
+          </a:xfrm>
+          <a:prstGeom prst="rect">
+            <a:avLst/>
+          </a:prstGeom>
+          <a:solidFill>
+            <a:schemeClr val="accent1">
+              <a:alpha val="30000"/>
+            </a:schemeClr>
+          </a:solidFill>
+          <a:ln>
+            <a:noFill/>
+          </a:ln>
+        </p:spPr>
+        <p:style>
+          <a:lnRef idx="2">
+            <a:schemeClr val="accent1">
+              <a:shade val="50000"/>
+            </a:schemeClr>
+          </a:lnRef>
+          <a:fillRef idx="1">
+            <a:schemeClr val="accent1"/>
+          </a:fillRef>
+          <a:effectRef idx="0">
+            <a:schemeClr val="accent1"/>
+          </a:effectRef>
+          <a:fontRef idx="minor">
+            <a:schemeClr val="lt1"/>
+          </a:fontRef>
+        </p:style>
+        <p:txBody>
+          <a:bodyPr wrap="square" rtlCol="0" anchor="ctr">
+            <a:noAutofit/>
+          </a:bodyPr>
+          <a:lstStyle/>
+          <a:p>
+            <a:pPr algn="ctr"/>
+            <a:endParaRPr lang="en-US"/>
+          </a:p>
+        </p:txBody>
+      </p:sp>
+      <p:sp>
+        <p:nvSpPr>
+          <p:cNvPr id="17" name="Freeform: Shape 16">
+            <a:extLst>
+              <a:ext uri="{FF2B5EF4-FFF2-40B4-BE49-F238E27FC236}">
+                <a16:creationId xmlns:a16="http://schemas.microsoft.com/office/drawing/2014/main" id="{A3969E80-A77B-49FC-9122-D89AFD5EE118}"/>
+              </a:ext>
+              <a:ext uri="{C183D7F6-B498-43B3-948B-1728B52AA6E4}">
+                <adec:decorative xmlns:adec="http://schemas.microsoft.com/office/drawing/2017/decorative" val="1"/>
+              </a:ext>
+            </a:extLst>
+          </p:cNvPr>
+          <p:cNvSpPr>
+            <a:spLocks noGrp="1" noRot="1" noChangeAspect="1" noMove="1" noResize="1" noEditPoints="1" noAdjustHandles="1" noChangeArrowheads="1" noChangeShapeType="1" noTextEdit="1"/>
+          </p:cNvSpPr>
+          <p:nvPr>
+            <p:extLst>
+              <p:ext uri="{386F3935-93C4-4BCD-93E2-E3B085C9AB24}">
+                <p16:designElem xmlns:p16="http://schemas.microsoft.com/office/powerpoint/2015/main" val="1"/>
+              </p:ext>
+            </p:extLst>
+          </p:nvPr>
+        </p:nvSpPr>
+        <p:spPr>
+          <a:xfrm rot="2700000">
+            <a:off x="-29557" y="5198743"/>
+            <a:ext cx="2444907" cy="2366116"/>
+          </a:xfrm>
+          <a:custGeom>
+            <a:avLst/>
+            <a:gdLst>
+              <a:gd name="connsiteX0" fmla="*/ 0 w 2203753"/>
+              <a:gd name="connsiteY0" fmla="*/ 0 h 2132734"/>
+              <a:gd name="connsiteX1" fmla="*/ 2203753 w 2203753"/>
+              <a:gd name="connsiteY1" fmla="*/ 0 h 2132734"/>
+              <a:gd name="connsiteX2" fmla="*/ 2203753 w 2203753"/>
+              <a:gd name="connsiteY2" fmla="*/ 576461 h 2132734"/>
+              <a:gd name="connsiteX3" fmla="*/ 647480 w 2203753"/>
+              <a:gd name="connsiteY3" fmla="*/ 2132734 h 2132734"/>
+              <a:gd name="connsiteX4" fmla="*/ 0 w 2203753"/>
+              <a:gd name="connsiteY4" fmla="*/ 1485255 h 2132734"/>
+            </a:gdLst>
+            <a:ahLst/>
+            <a:cxnLst>
+              <a:cxn ang="0">
+                <a:pos x="connsiteX0" y="connsiteY0"/>
+              </a:cxn>
+              <a:cxn ang="0">
+                <a:pos x="connsiteX1" y="connsiteY1"/>
+              </a:cxn>
+              <a:cxn ang="0">
+                <a:pos x="connsiteX2" y="connsiteY2"/>
+              </a:cxn>
+              <a:cxn ang="0">
+                <a:pos x="connsiteX3" y="connsiteY3"/>
+              </a:cxn>
+              <a:cxn ang="0">
+                <a:pos x="connsiteX4" y="connsiteY4"/>
+              </a:cxn>
+            </a:cxnLst>
+            <a:rect l="l" t="t" r="r" b="b"/>
+            <a:pathLst>
+              <a:path w="2203753" h="2132734">
+                <a:moveTo>
+                  <a:pt x="0" y="0"/>
+                </a:moveTo>
+                <a:lnTo>
+                  <a:pt x="2203753" y="0"/>
+                </a:lnTo>
+                <a:lnTo>
+                  <a:pt x="2203753" y="576461"/>
+                </a:lnTo>
+                <a:lnTo>
+                  <a:pt x="647480" y="2132734"/>
+                </a:lnTo>
+                <a:lnTo>
+                  <a:pt x="0" y="1485255"/>
+                </a:lnTo>
+                <a:close/>
+              </a:path>
+            </a:pathLst>
+          </a:custGeom>
+          <a:solidFill>
+            <a:schemeClr val="accent1">
+              <a:alpha val="30000"/>
+            </a:schemeClr>
+          </a:solidFill>
+          <a:ln>
+            <a:noFill/>
+          </a:ln>
+        </p:spPr>
+        <p:style>
+          <a:lnRef idx="2">
+            <a:schemeClr val="accent1">
+              <a:shade val="50000"/>
+            </a:schemeClr>
+          </a:lnRef>
+          <a:fillRef idx="1">
+            <a:schemeClr val="accent1"/>
+          </a:fillRef>
+          <a:effectRef idx="0">
+            <a:schemeClr val="accent1"/>
+          </a:effectRef>
+          <a:fontRef idx="minor">
+            <a:schemeClr val="lt1"/>
+          </a:fontRef>
+        </p:style>
+        <p:txBody>
+          <a:bodyPr wrap="square" rtlCol="0" anchor="ctr">
+            <a:noAutofit/>
+          </a:bodyPr>
+          <a:lstStyle/>
+          <a:p>
+            <a:pPr algn="ctr"/>
+            <a:endParaRPr lang="en-US"/>
+          </a:p>
+        </p:txBody>
+      </p:sp>
+      <p:sp>
+        <p:nvSpPr>
+          <p:cNvPr id="19" name="Rectangle 18">
+            <a:extLst>
+              <a:ext uri="{FF2B5EF4-FFF2-40B4-BE49-F238E27FC236}">
+                <a16:creationId xmlns:a16="http://schemas.microsoft.com/office/drawing/2014/main" id="{1849CA57-76BD-4CF2-80BA-D7A46A01B7B1}"/>
+              </a:ext>
+              <a:ext uri="{C183D7F6-B498-43B3-948B-1728B52AA6E4}">
+                <adec:decorative xmlns:adec="http://schemas.microsoft.com/office/drawing/2017/decorative" val="1"/>
+              </a:ext>
+            </a:extLst>
+          </p:cNvPr>
+          <p:cNvSpPr>
+            <a:spLocks noGrp="1" noRot="1" noChangeAspect="1" noMove="1" noResize="1" noEditPoints="1" noAdjustHandles="1" noChangeArrowheads="1" noChangeShapeType="1" noTextEdit="1"/>
+          </p:cNvSpPr>
+          <p:nvPr>
+            <p:extLst>
+              <p:ext uri="{386F3935-93C4-4BCD-93E2-E3B085C9AB24}">
+                <p16:designElem xmlns:p16="http://schemas.microsoft.com/office/powerpoint/2015/main" val="1"/>
+              </p:ext>
+            </p:extLst>
+          </p:nvPr>
+        </p:nvSpPr>
+        <p:spPr>
+          <a:xfrm rot="2700000">
+            <a:off x="1769787" y="5439893"/>
+            <a:ext cx="928467" cy="928467"/>
+          </a:xfrm>
+          <a:prstGeom prst="rect">
+            <a:avLst/>
+          </a:prstGeom>
+          <a:solidFill>
+            <a:schemeClr val="accent1">
+              <a:alpha val="30000"/>
+            </a:schemeClr>
+          </a:solidFill>
+          <a:ln>
+            <a:noFill/>
+          </a:ln>
+        </p:spPr>
+        <p:style>
+          <a:lnRef idx="2">
+            <a:schemeClr val="accent1">
+              <a:shade val="50000"/>
+            </a:schemeClr>
+          </a:lnRef>
+          <a:fillRef idx="1">
+            <a:schemeClr val="accent1"/>
+          </a:fillRef>
+          <a:effectRef idx="0">
+            <a:schemeClr val="accent1"/>
+          </a:effectRef>
+          <a:fontRef idx="minor">
+            <a:schemeClr val="lt1"/>
+          </a:fontRef>
+        </p:style>
+        <p:txBody>
+          <a:bodyPr wrap="square" rtlCol="0" anchor="ctr">
+            <a:noAutofit/>
+          </a:bodyPr>
+          <a:lstStyle/>
+          <a:p>
+            <a:pPr algn="ctr"/>
+            <a:endParaRPr lang="en-US">
+              <a:solidFill>
+                <a:srgbClr val="FFFFFF"/>
+              </a:solidFill>
+              <a:effectLst>
+                <a:outerShdw blurRad="38100" dist="38100" dir="2700000" algn="tl">
+                  <a:srgbClr val="000000">
+                    <a:alpha val="43137"/>
+                  </a:srgbClr>
+                </a:outerShdw>
+              </a:effectLst>
+            </a:endParaRPr>
+          </a:p>
+        </p:txBody>
+      </p:sp>
+      <p:sp>
+        <p:nvSpPr>
+          <p:cNvPr id="21" name="Freeform: Shape 20">
+            <a:extLst>
+              <a:ext uri="{FF2B5EF4-FFF2-40B4-BE49-F238E27FC236}">
+                <a16:creationId xmlns:a16="http://schemas.microsoft.com/office/drawing/2014/main" id="{35E9085E-E730-4768-83D4-6CB7E9897153}"/>
+              </a:ext>
+              <a:ext uri="{C183D7F6-B498-43B3-948B-1728B52AA6E4}">
+                <adec:decorative xmlns:adec="http://schemas.microsoft.com/office/drawing/2017/decorative" val="1"/>
+              </a:ext>
+            </a:extLst>
+          </p:cNvPr>
+          <p:cNvSpPr>
+            <a:spLocks noGrp="1" noRot="1" noChangeAspect="1" noMove="1" noResize="1" noEditPoints="1" noAdjustHandles="1" noChangeArrowheads="1" noChangeShapeType="1" noTextEdit="1"/>
+          </p:cNvSpPr>
+          <p:nvPr>
+            <p:extLst>
+              <p:ext uri="{386F3935-93C4-4BCD-93E2-E3B085C9AB24}">
+                <p16:designElem xmlns:p16="http://schemas.microsoft.com/office/powerpoint/2015/main" val="1"/>
+              </p:ext>
+            </p:extLst>
+          </p:nvPr>
+        </p:nvSpPr>
+        <p:spPr>
+          <a:xfrm rot="2700000">
+            <a:off x="3401311" y="734311"/>
+            <a:ext cx="5389379" cy="5389379"/>
+          </a:xfrm>
+          <a:custGeom>
+            <a:avLst/>
+            <a:gdLst>
+              <a:gd name="connsiteX0" fmla="*/ 0 w 5389379"/>
+              <a:gd name="connsiteY0" fmla="*/ 540040 h 5389379"/>
+              <a:gd name="connsiteX1" fmla="*/ 540040 w 5389379"/>
+              <a:gd name="connsiteY1" fmla="*/ 0 h 5389379"/>
+              <a:gd name="connsiteX2" fmla="*/ 5389379 w 5389379"/>
+              <a:gd name="connsiteY2" fmla="*/ 0 h 5389379"/>
+              <a:gd name="connsiteX3" fmla="*/ 5389379 w 5389379"/>
+              <a:gd name="connsiteY3" fmla="*/ 4838655 h 5389379"/>
+              <a:gd name="connsiteX4" fmla="*/ 4838655 w 5389379"/>
+              <a:gd name="connsiteY4" fmla="*/ 5389379 h 5389379"/>
+              <a:gd name="connsiteX5" fmla="*/ 0 w 5389379"/>
+              <a:gd name="connsiteY5" fmla="*/ 5389379 h 5389379"/>
+            </a:gdLst>
+            <a:ahLst/>
+            <a:cxnLst>
+              <a:cxn ang="0">
+                <a:pos x="connsiteX0" y="connsiteY0"/>
+              </a:cxn>
+              <a:cxn ang="0">
+                <a:pos x="connsiteX1" y="connsiteY1"/>
+              </a:cxn>
+              <a:cxn ang="0">
+                <a:pos x="connsiteX2" y="connsiteY2"/>
+              </a:cxn>
+              <a:cxn ang="0">
+                <a:pos x="connsiteX3" y="connsiteY3"/>
+              </a:cxn>
+              <a:cxn ang="0">
+                <a:pos x="connsiteX4" y="connsiteY4"/>
+              </a:cxn>
+              <a:cxn ang="0">
+                <a:pos x="connsiteX5" y="connsiteY5"/>
+              </a:cxn>
+            </a:cxnLst>
+            <a:rect l="l" t="t" r="r" b="b"/>
+            <a:pathLst>
+              <a:path w="5389379" h="5389379">
+                <a:moveTo>
+                  <a:pt x="0" y="540040"/>
+                </a:moveTo>
+                <a:lnTo>
+                  <a:pt x="540040" y="0"/>
+                </a:lnTo>
+                <a:lnTo>
+                  <a:pt x="5389379" y="0"/>
+                </a:lnTo>
+                <a:lnTo>
+                  <a:pt x="5389379" y="4838655"/>
+                </a:lnTo>
+                <a:lnTo>
+                  <a:pt x="4838655" y="5389379"/>
+                </a:lnTo>
+                <a:lnTo>
+                  <a:pt x="0" y="5389379"/>
+                </a:lnTo>
+                <a:close/>
+              </a:path>
+            </a:pathLst>
+          </a:custGeom>
+          <a:solidFill>
+            <a:srgbClr val="FFFFFF"/>
+          </a:solidFill>
+          <a:ln>
+            <a:noFill/>
+          </a:ln>
+        </p:spPr>
+        <p:style>
+          <a:lnRef idx="2">
+            <a:schemeClr val="accent1">
+              <a:shade val="50000"/>
+            </a:schemeClr>
+          </a:lnRef>
+          <a:fillRef idx="1">
+            <a:schemeClr val="accent1"/>
+          </a:fillRef>
+          <a:effectRef idx="0">
+            <a:schemeClr val="accent1"/>
+          </a:effectRef>
+          <a:fontRef idx="minor">
+            <a:schemeClr val="lt1"/>
+          </a:fontRef>
+        </p:style>
+        <p:txBody>
+          <a:bodyPr wrap="square" rtlCol="0" anchor="ctr">
+            <a:noAutofit/>
+          </a:bodyPr>
+          <a:lstStyle/>
+          <a:p>
+            <a:pPr algn="ctr"/>
+            <a:endParaRPr lang="en-US"/>
+          </a:p>
+        </p:txBody>
+      </p:sp>
+      <p:sp>
+        <p:nvSpPr>
+          <p:cNvPr id="2" name="TextBox 1">
+            <a:extLst>
+              <a:ext uri="{FF2B5EF4-FFF2-40B4-BE49-F238E27FC236}">
+                <a16:creationId xmlns:a16="http://schemas.microsoft.com/office/drawing/2014/main" id="{63A32583-8C4A-4B12-B008-9A90FCFCEC9F}"/>
+              </a:ext>
+            </a:extLst>
+          </p:cNvPr>
+          <p:cNvSpPr txBox="1"/>
+          <p:nvPr/>
+        </p:nvSpPr>
+        <p:spPr>
+          <a:xfrm>
+            <a:off x="3204642" y="2353641"/>
+            <a:ext cx="5782716" cy="2150719"/>
+          </a:xfrm>
+          <a:prstGeom prst="rect">
+            <a:avLst/>
+          </a:prstGeom>
+          <a:noFill/>
+        </p:spPr>
+        <p:txBody>
+          <a:bodyPr vert="horz" lIns="91440" tIns="45720" rIns="91440" bIns="45720" rtlCol="0" anchor="ctr">
+            <a:normAutofit/>
+          </a:bodyPr>
+          <a:lstStyle/>
+          <a:p>
+            <a:pPr algn="ctr">
+              <a:lnSpc>
+                <a:spcPct val="90000"/>
+              </a:lnSpc>
+              <a:spcBef>
+                <a:spcPct val="0"/>
+              </a:spcBef>
+              <a:spcAft>
+                <a:spcPts val="600"/>
+              </a:spcAft>
+            </a:pPr>
+            <a:r>
+              <a:rPr lang="en-US" sz="4800" kern="1200" dirty="0">
+                <a:solidFill>
+                  <a:srgbClr val="080808"/>
+                </a:solidFill>
+                <a:latin typeface="+mj-lt"/>
+                <a:ea typeface="+mj-ea"/>
+                <a:cs typeface="+mj-cs"/>
+              </a:rPr>
+              <a:t>TERIMAKASIH</a:t>
+            </a:r>
+          </a:p>
+        </p:txBody>
+      </p:sp>
+      <p:sp>
+        <p:nvSpPr>
+          <p:cNvPr id="23" name="Freeform: Shape 22">
+            <a:extLst>
+              <a:ext uri="{FF2B5EF4-FFF2-40B4-BE49-F238E27FC236}">
+                <a16:creationId xmlns:a16="http://schemas.microsoft.com/office/drawing/2014/main" id="{973272FE-A474-4CAE-8CA2-BCC8B476C3F4}"/>
+              </a:ext>
+              <a:ext uri="{C183D7F6-B498-43B3-948B-1728B52AA6E4}">
+                <adec:decorative xmlns:adec="http://schemas.microsoft.com/office/drawing/2017/decorative" val="1"/>
+              </a:ext>
+            </a:extLst>
+          </p:cNvPr>
+          <p:cNvSpPr>
+            <a:spLocks noGrp="1" noRot="1" noChangeAspect="1" noMove="1" noResize="1" noEditPoints="1" noAdjustHandles="1" noChangeArrowheads="1" noChangeShapeType="1" noTextEdit="1"/>
+          </p:cNvSpPr>
+          <p:nvPr>
+            <p:extLst>
+              <p:ext uri="{386F3935-93C4-4BCD-93E2-E3B085C9AB24}">
+                <p16:designElem xmlns:p16="http://schemas.microsoft.com/office/powerpoint/2015/main" val="1"/>
+              </p:ext>
+            </p:extLst>
+          </p:nvPr>
+        </p:nvSpPr>
+        <p:spPr>
+          <a:xfrm rot="2700000">
+            <a:off x="2700283" y="33283"/>
+            <a:ext cx="6791435" cy="6791435"/>
+          </a:xfrm>
+          <a:custGeom>
+            <a:avLst/>
+            <a:gdLst>
+              <a:gd name="connsiteX0" fmla="*/ 1860938 w 6791435"/>
+              <a:gd name="connsiteY0" fmla="*/ 81158 h 6791435"/>
+              <a:gd name="connsiteX1" fmla="*/ 1942096 w 6791435"/>
+              <a:gd name="connsiteY1" fmla="*/ 0 h 6791435"/>
+              <a:gd name="connsiteX2" fmla="*/ 6791435 w 6791435"/>
+              <a:gd name="connsiteY2" fmla="*/ 0 h 6791435"/>
+              <a:gd name="connsiteX3" fmla="*/ 6791435 w 6791435"/>
+              <a:gd name="connsiteY3" fmla="*/ 4838655 h 6791435"/>
+              <a:gd name="connsiteX4" fmla="*/ 6710277 w 6791435"/>
+              <a:gd name="connsiteY4" fmla="*/ 4919813 h 6791435"/>
+              <a:gd name="connsiteX5" fmla="*/ 6710277 w 6791435"/>
+              <a:gd name="connsiteY5" fmla="*/ 81158 h 6791435"/>
+              <a:gd name="connsiteX6" fmla="*/ 0 w 6791435"/>
+              <a:gd name="connsiteY6" fmla="*/ 1942096 h 6791435"/>
+              <a:gd name="connsiteX7" fmla="*/ 81158 w 6791435"/>
+              <a:gd name="connsiteY7" fmla="*/ 1860938 h 6791435"/>
+              <a:gd name="connsiteX8" fmla="*/ 81158 w 6791435"/>
+              <a:gd name="connsiteY8" fmla="*/ 6710277 h 6791435"/>
+              <a:gd name="connsiteX9" fmla="*/ 4919813 w 6791435"/>
+              <a:gd name="connsiteY9" fmla="*/ 6710277 h 6791435"/>
+              <a:gd name="connsiteX10" fmla="*/ 4838655 w 6791435"/>
+              <a:gd name="connsiteY10" fmla="*/ 6791435 h 6791435"/>
+              <a:gd name="connsiteX11" fmla="*/ 0 w 6791435"/>
+              <a:gd name="connsiteY11" fmla="*/ 6791435 h 6791435"/>
+            </a:gdLst>
+            <a:ahLst/>
+            <a:cxnLst>
+              <a:cxn ang="0">
+                <a:pos x="connsiteX0" y="connsiteY0"/>
+              </a:cxn>
+              <a:cxn ang="0">
+                <a:pos x="connsiteX1" y="connsiteY1"/>
+              </a:cxn>
+              <a:cxn ang="0">
+                <a:pos x="connsiteX2" y="connsiteY2"/>
+              </a:cxn>
+              <a:cxn ang="0">
+                <a:pos x="connsiteX3" y="connsiteY3"/>
+              </a:cxn>
+              <a:cxn ang="0">
+                <a:pos x="connsiteX4" y="connsiteY4"/>
+              </a:cxn>
+              <a:cxn ang="0">
+                <a:pos x="connsiteX5" y="connsiteY5"/>
+              </a:cxn>
+              <a:cxn ang="0">
+                <a:pos x="connsiteX6" y="connsiteY6"/>
+              </a:cxn>
+              <a:cxn ang="0">
+                <a:pos x="connsiteX7" y="connsiteY7"/>
+              </a:cxn>
+              <a:cxn ang="0">
+                <a:pos x="connsiteX8" y="connsiteY8"/>
+              </a:cxn>
+              <a:cxn ang="0">
+                <a:pos x="connsiteX9" y="connsiteY9"/>
+              </a:cxn>
+              <a:cxn ang="0">
+                <a:pos x="connsiteX10" y="connsiteY10"/>
+              </a:cxn>
+              <a:cxn ang="0">
+                <a:pos x="connsiteX11" y="connsiteY11"/>
+              </a:cxn>
+            </a:cxnLst>
+            <a:rect l="l" t="t" r="r" b="b"/>
+            <a:pathLst>
+              <a:path w="6791435" h="6791435">
+                <a:moveTo>
+                  <a:pt x="1860938" y="81158"/>
+                </a:moveTo>
+                <a:lnTo>
+                  <a:pt x="1942096" y="0"/>
+                </a:lnTo>
+                <a:lnTo>
+                  <a:pt x="6791435" y="0"/>
+                </a:lnTo>
+                <a:lnTo>
+                  <a:pt x="6791435" y="4838655"/>
+                </a:lnTo>
+                <a:lnTo>
+                  <a:pt x="6710277" y="4919813"/>
+                </a:lnTo>
+                <a:lnTo>
+                  <a:pt x="6710277" y="81158"/>
+                </a:lnTo>
+                <a:close/>
+                <a:moveTo>
+                  <a:pt x="0" y="1942096"/>
+                </a:moveTo>
+                <a:lnTo>
+                  <a:pt x="81158" y="1860938"/>
+                </a:lnTo>
+                <a:lnTo>
+                  <a:pt x="81158" y="6710277"/>
+                </a:lnTo>
+                <a:lnTo>
+                  <a:pt x="4919813" y="6710277"/>
+                </a:lnTo>
+                <a:lnTo>
+                  <a:pt x="4838655" y="6791435"/>
+                </a:lnTo>
+                <a:lnTo>
+                  <a:pt x="0" y="6791435"/>
+                </a:lnTo>
+                <a:close/>
+              </a:path>
+            </a:pathLst>
+          </a:custGeom>
+          <a:solidFill>
+            <a:srgbClr val="FFFFFF">
+              <a:alpha val="60000"/>
+            </a:srgbClr>
+          </a:solidFill>
+          <a:ln>
+            <a:noFill/>
+          </a:ln>
+        </p:spPr>
+        <p:style>
+          <a:lnRef idx="2">
+            <a:schemeClr val="accent1">
+              <a:shade val="50000"/>
+            </a:schemeClr>
+          </a:lnRef>
+          <a:fillRef idx="1">
+            <a:schemeClr val="accent1"/>
+          </a:fillRef>
+          <a:effectRef idx="0">
+            <a:schemeClr val="accent1"/>
+          </a:effectRef>
+          <a:fontRef idx="minor">
+            <a:schemeClr val="lt1"/>
+          </a:fontRef>
+        </p:style>
+        <p:txBody>
+          <a:bodyPr wrap="square" rtlCol="0" anchor="ctr">
+            <a:noAutofit/>
+          </a:bodyPr>
+          <a:lstStyle/>
+          <a:p>
+            <a:pPr algn="ctr"/>
+            <a:endParaRPr lang="en-US">
+              <a:solidFill>
+                <a:schemeClr val="tx1"/>
+              </a:solidFill>
+            </a:endParaRPr>
+          </a:p>
+        </p:txBody>
+      </p:sp>
+      <p:sp>
+        <p:nvSpPr>
+          <p:cNvPr id="25" name="Freeform: Shape 24">
+            <a:extLst>
+              <a:ext uri="{FF2B5EF4-FFF2-40B4-BE49-F238E27FC236}">
+                <a16:creationId xmlns:a16="http://schemas.microsoft.com/office/drawing/2014/main" id="{E07981EA-05A6-437C-88D7-B377B92B031D}"/>
+              </a:ext>
+              <a:ext uri="{C183D7F6-B498-43B3-948B-1728B52AA6E4}">
+                <adec:decorative xmlns:adec="http://schemas.microsoft.com/office/drawing/2017/decorative" val="1"/>
+              </a:ext>
+            </a:extLst>
+          </p:cNvPr>
+          <p:cNvSpPr>
+            <a:spLocks noGrp="1" noRot="1" noChangeAspect="1" noMove="1" noResize="1" noEditPoints="1" noAdjustHandles="1" noChangeArrowheads="1" noChangeShapeType="1" noTextEdit="1"/>
+          </p:cNvSpPr>
+          <p:nvPr>
+            <p:extLst>
+              <p:ext uri="{386F3935-93C4-4BCD-93E2-E3B085C9AB24}">
+                <p16:designElem xmlns:p16="http://schemas.microsoft.com/office/powerpoint/2015/main" val="1"/>
+              </p:ext>
+            </p:extLst>
+          </p:nvPr>
+        </p:nvSpPr>
+        <p:spPr>
+          <a:xfrm rot="2700000">
+            <a:off x="9629823" y="5457591"/>
+            <a:ext cx="2231794" cy="2568811"/>
+          </a:xfrm>
+          <a:custGeom>
+            <a:avLst/>
+            <a:gdLst>
+              <a:gd name="connsiteX0" fmla="*/ 0 w 2940086"/>
+              <a:gd name="connsiteY0" fmla="*/ 0 h 3384061"/>
+              <a:gd name="connsiteX1" fmla="*/ 2496112 w 2940086"/>
+              <a:gd name="connsiteY1" fmla="*/ 0 h 3384061"/>
+              <a:gd name="connsiteX2" fmla="*/ 2940086 w 2940086"/>
+              <a:gd name="connsiteY2" fmla="*/ 443975 h 3384061"/>
+              <a:gd name="connsiteX3" fmla="*/ 0 w 2940086"/>
+              <a:gd name="connsiteY3" fmla="*/ 3384061 h 3384061"/>
+            </a:gdLst>
+            <a:ahLst/>
+            <a:cxnLst>
+              <a:cxn ang="0">
+                <a:pos x="connsiteX0" y="connsiteY0"/>
+              </a:cxn>
+              <a:cxn ang="0">
+                <a:pos x="connsiteX1" y="connsiteY1"/>
+              </a:cxn>
+              <a:cxn ang="0">
+                <a:pos x="connsiteX2" y="connsiteY2"/>
+              </a:cxn>
+              <a:cxn ang="0">
+                <a:pos x="connsiteX3" y="connsiteY3"/>
+              </a:cxn>
+            </a:cxnLst>
+            <a:rect l="l" t="t" r="r" b="b"/>
+            <a:pathLst>
+              <a:path w="2940086" h="3384061">
+                <a:moveTo>
+                  <a:pt x="0" y="0"/>
+                </a:moveTo>
+                <a:lnTo>
+                  <a:pt x="2496112" y="0"/>
+                </a:lnTo>
+                <a:lnTo>
+                  <a:pt x="2940086" y="443975"/>
+                </a:lnTo>
+                <a:lnTo>
+                  <a:pt x="0" y="3384061"/>
+                </a:lnTo>
+                <a:close/>
+              </a:path>
+            </a:pathLst>
+          </a:custGeom>
+          <a:solidFill>
+            <a:schemeClr val="accent4">
+              <a:alpha val="40000"/>
+            </a:schemeClr>
+          </a:solidFill>
+          <a:ln>
+            <a:noFill/>
+          </a:ln>
+        </p:spPr>
+        <p:style>
+          <a:lnRef idx="2">
+            <a:schemeClr val="accent1">
+              <a:shade val="50000"/>
+            </a:schemeClr>
+          </a:lnRef>
+          <a:fillRef idx="1">
+            <a:schemeClr val="accent1"/>
+          </a:fillRef>
+          <a:effectRef idx="0">
+            <a:schemeClr val="accent1"/>
+          </a:effectRef>
+          <a:fontRef idx="minor">
+            <a:schemeClr val="lt1"/>
+          </a:fontRef>
+        </p:style>
+        <p:txBody>
+          <a:bodyPr wrap="square" rtlCol="0" anchor="ctr">
+            <a:noAutofit/>
+          </a:bodyPr>
+          <a:lstStyle/>
+          <a:p>
+            <a:pPr algn="ctr"/>
+            <a:endParaRPr lang="en-US"/>
+          </a:p>
+        </p:txBody>
+      </p:sp>
+      <p:sp>
+        <p:nvSpPr>
+          <p:cNvPr id="27" name="Rectangle 26">
+            <a:extLst>
+              <a:ext uri="{FF2B5EF4-FFF2-40B4-BE49-F238E27FC236}">
+                <a16:creationId xmlns:a16="http://schemas.microsoft.com/office/drawing/2014/main" id="{15E3C750-986E-4769-B1AE-49289FBEE757}"/>
+              </a:ext>
+              <a:ext uri="{C183D7F6-B498-43B3-948B-1728B52AA6E4}">
+                <adec:decorative xmlns:adec="http://schemas.microsoft.com/office/drawing/2017/decorative" val="1"/>
+              </a:ext>
+            </a:extLst>
+          </p:cNvPr>
+          <p:cNvSpPr>
+            <a:spLocks noGrp="1" noRot="1" noChangeAspect="1" noMove="1" noResize="1" noEditPoints="1" noAdjustHandles="1" noChangeArrowheads="1" noChangeShapeType="1" noTextEdit="1"/>
+          </p:cNvSpPr>
+          <p:nvPr>
+            <p:extLst>
+              <p:ext uri="{386F3935-93C4-4BCD-93E2-E3B085C9AB24}">
+                <p16:designElem xmlns:p16="http://schemas.microsoft.com/office/powerpoint/2015/main" val="1"/>
+              </p:ext>
+            </p:extLst>
+          </p:nvPr>
+        </p:nvSpPr>
+        <p:spPr>
+          <a:xfrm rot="2700000">
+            <a:off x="9720059" y="5243545"/>
+            <a:ext cx="959985" cy="959985"/>
+          </a:xfrm>
+          <a:prstGeom prst="rect">
+            <a:avLst/>
+          </a:prstGeom>
+          <a:solidFill>
+            <a:schemeClr val="accent4">
+              <a:alpha val="40000"/>
+            </a:schemeClr>
+          </a:solidFill>
+          <a:ln>
+            <a:noFill/>
+          </a:ln>
+        </p:spPr>
+        <p:style>
+          <a:lnRef idx="2">
+            <a:schemeClr val="accent1">
+              <a:shade val="50000"/>
+            </a:schemeClr>
+          </a:lnRef>
+          <a:fillRef idx="1">
+            <a:schemeClr val="accent1"/>
+          </a:fillRef>
+          <a:effectRef idx="0">
+            <a:schemeClr val="accent1"/>
+          </a:effectRef>
+          <a:fontRef idx="minor">
+            <a:schemeClr val="lt1"/>
+          </a:fontRef>
+        </p:style>
+        <p:txBody>
+          <a:bodyPr wrap="square" rtlCol="0" anchor="ctr">
+            <a:noAutofit/>
+          </a:bodyPr>
+          <a:lstStyle/>
+          <a:p>
+            <a:pPr algn="ctr"/>
+            <a:endParaRPr lang="en-US"/>
+          </a:p>
+        </p:txBody>
+      </p:sp>
+    </p:spTree>
+    <p:extLst>
+      <p:ext uri="{BB962C8B-B14F-4D97-AF65-F5344CB8AC3E}">
+        <p14:creationId xmlns:p14="http://schemas.microsoft.com/office/powerpoint/2010/main" val="1665447023"/>
+      </p:ext>
+    </p:extLst>
+  </p:cSld>
+  <p:clrMapOvr>
+    <a:masterClrMapping/>
+  </p:clrMapOvr>
+</p:sld>
+</file>
+
 <file path=ppt/slides/slide2.xml><?xml version="1.0" encoding="utf-8"?>
 <p:sld xmlns:a="http://schemas.openxmlformats.org/drawingml/2006/main" xmlns:r="http://schemas.openxmlformats.org/officeDocument/2006/relationships" xmlns:p="http://schemas.openxmlformats.org/presentationml/2006/main">
   <p:cSld>

--- a/Sharing Session.pptx
+++ b/Sharing Session.pptx
@@ -6,22 +6,24 @@
   </p:sldMasterIdLst>
   <p:sldIdLst>
     <p:sldId id="256" r:id="rId2"/>
-    <p:sldId id="267" r:id="rId3"/>
-    <p:sldId id="266" r:id="rId4"/>
-    <p:sldId id="257" r:id="rId5"/>
-    <p:sldId id="258" r:id="rId6"/>
-    <p:sldId id="259" r:id="rId7"/>
-    <p:sldId id="260" r:id="rId8"/>
-    <p:sldId id="261" r:id="rId9"/>
-    <p:sldId id="262" r:id="rId10"/>
-    <p:sldId id="263" r:id="rId11"/>
-    <p:sldId id="271" r:id="rId12"/>
-    <p:sldId id="265" r:id="rId13"/>
-    <p:sldId id="268" r:id="rId14"/>
-    <p:sldId id="269" r:id="rId15"/>
-    <p:sldId id="270" r:id="rId16"/>
-    <p:sldId id="264" r:id="rId17"/>
-    <p:sldId id="272" r:id="rId18"/>
+    <p:sldId id="274" r:id="rId3"/>
+    <p:sldId id="273" r:id="rId4"/>
+    <p:sldId id="266" r:id="rId5"/>
+    <p:sldId id="267" r:id="rId6"/>
+    <p:sldId id="257" r:id="rId7"/>
+    <p:sldId id="258" r:id="rId8"/>
+    <p:sldId id="259" r:id="rId9"/>
+    <p:sldId id="260" r:id="rId10"/>
+    <p:sldId id="261" r:id="rId11"/>
+    <p:sldId id="262" r:id="rId12"/>
+    <p:sldId id="263" r:id="rId13"/>
+    <p:sldId id="271" r:id="rId14"/>
+    <p:sldId id="265" r:id="rId15"/>
+    <p:sldId id="268" r:id="rId16"/>
+    <p:sldId id="269" r:id="rId17"/>
+    <p:sldId id="270" r:id="rId18"/>
+    <p:sldId id="264" r:id="rId19"/>
+    <p:sldId id="272" r:id="rId20"/>
   </p:sldIdLst>
   <p:sldSz cx="12192000" cy="6858000"/>
   <p:notesSz cx="6858000" cy="9144000"/>
@@ -3965,7 +3967,7 @@
           <a:p>
             <a:fld id="{39D5B9D2-73A3-43B1-A424-B21C38AD2865}" type="datetimeFigureOut">
               <a:rPr lang="en-US" smtClean="0"/>
-              <a:t>2/10/2021</a:t>
+              <a:t>2/12/2021</a:t>
             </a:fld>
             <a:endParaRPr lang="en-US"/>
           </a:p>
@@ -4163,7 +4165,7 @@
           <a:p>
             <a:fld id="{39D5B9D2-73A3-43B1-A424-B21C38AD2865}" type="datetimeFigureOut">
               <a:rPr lang="en-US" smtClean="0"/>
-              <a:t>2/10/2021</a:t>
+              <a:t>2/12/2021</a:t>
             </a:fld>
             <a:endParaRPr lang="en-US"/>
           </a:p>
@@ -4371,7 +4373,7 @@
           <a:p>
             <a:fld id="{39D5B9D2-73A3-43B1-A424-B21C38AD2865}" type="datetimeFigureOut">
               <a:rPr lang="en-US" smtClean="0"/>
-              <a:t>2/10/2021</a:t>
+              <a:t>2/12/2021</a:t>
             </a:fld>
             <a:endParaRPr lang="en-US"/>
           </a:p>
@@ -4569,7 +4571,7 @@
           <a:p>
             <a:fld id="{39D5B9D2-73A3-43B1-A424-B21C38AD2865}" type="datetimeFigureOut">
               <a:rPr lang="en-US" smtClean="0"/>
-              <a:t>2/10/2021</a:t>
+              <a:t>2/12/2021</a:t>
             </a:fld>
             <a:endParaRPr lang="en-US"/>
           </a:p>
@@ -4844,7 +4846,7 @@
           <a:p>
             <a:fld id="{39D5B9D2-73A3-43B1-A424-B21C38AD2865}" type="datetimeFigureOut">
               <a:rPr lang="en-US" smtClean="0"/>
-              <a:t>2/10/2021</a:t>
+              <a:t>2/12/2021</a:t>
             </a:fld>
             <a:endParaRPr lang="en-US"/>
           </a:p>
@@ -5109,7 +5111,7 @@
           <a:p>
             <a:fld id="{39D5B9D2-73A3-43B1-A424-B21C38AD2865}" type="datetimeFigureOut">
               <a:rPr lang="en-US" smtClean="0"/>
-              <a:t>2/10/2021</a:t>
+              <a:t>2/12/2021</a:t>
             </a:fld>
             <a:endParaRPr lang="en-US"/>
           </a:p>
@@ -5521,7 +5523,7 @@
           <a:p>
             <a:fld id="{39D5B9D2-73A3-43B1-A424-B21C38AD2865}" type="datetimeFigureOut">
               <a:rPr lang="en-US" smtClean="0"/>
-              <a:t>2/10/2021</a:t>
+              <a:t>2/12/2021</a:t>
             </a:fld>
             <a:endParaRPr lang="en-US"/>
           </a:p>
@@ -5662,7 +5664,7 @@
           <a:p>
             <a:fld id="{39D5B9D2-73A3-43B1-A424-B21C38AD2865}" type="datetimeFigureOut">
               <a:rPr lang="en-US" smtClean="0"/>
-              <a:t>2/10/2021</a:t>
+              <a:t>2/12/2021</a:t>
             </a:fld>
             <a:endParaRPr lang="en-US"/>
           </a:p>
@@ -5775,7 +5777,7 @@
           <a:p>
             <a:fld id="{39D5B9D2-73A3-43B1-A424-B21C38AD2865}" type="datetimeFigureOut">
               <a:rPr lang="en-US" smtClean="0"/>
-              <a:t>2/10/2021</a:t>
+              <a:t>2/12/2021</a:t>
             </a:fld>
             <a:endParaRPr lang="en-US"/>
           </a:p>
@@ -6086,7 +6088,7 @@
           <a:p>
             <a:fld id="{39D5B9D2-73A3-43B1-A424-B21C38AD2865}" type="datetimeFigureOut">
               <a:rPr lang="en-US" smtClean="0"/>
-              <a:t>2/10/2021</a:t>
+              <a:t>2/12/2021</a:t>
             </a:fld>
             <a:endParaRPr lang="en-US"/>
           </a:p>
@@ -6374,7 +6376,7 @@
           <a:p>
             <a:fld id="{39D5B9D2-73A3-43B1-A424-B21C38AD2865}" type="datetimeFigureOut">
               <a:rPr lang="en-US" smtClean="0"/>
-              <a:t>2/10/2021</a:t>
+              <a:t>2/12/2021</a:t>
             </a:fld>
             <a:endParaRPr lang="en-US"/>
           </a:p>
@@ -6615,7 +6617,7 @@
           <a:p>
             <a:fld id="{39D5B9D2-73A3-43B1-A424-B21C38AD2865}" type="datetimeFigureOut">
               <a:rPr lang="en-US" smtClean="0"/>
-              <a:t>2/10/2021</a:t>
+              <a:t>2/12/2021</a:t>
             </a:fld>
             <a:endParaRPr lang="en-US"/>
           </a:p>
@@ -8283,17 +8285,17 @@
       </p:sp>
       <p:pic>
         <p:nvPicPr>
-          <p:cNvPr id="2" name="Picture 1">
-            <a:extLst>
-              <a:ext uri="{FF2B5EF4-FFF2-40B4-BE49-F238E27FC236}">
-                <a16:creationId xmlns:a16="http://schemas.microsoft.com/office/drawing/2014/main" id="{2A15B86D-5B5D-4B1D-9627-47DC9E1D6C63}"/>
+          <p:cNvPr id="2" name="Picture 1" descr="Image result for choose install location xampp">
+            <a:extLst>
+              <a:ext uri="{FF2B5EF4-FFF2-40B4-BE49-F238E27FC236}">
+                <a16:creationId xmlns:a16="http://schemas.microsoft.com/office/drawing/2014/main" id="{13E8435B-774E-4DD5-B196-E330CCC9BA8F}"/>
               </a:ext>
             </a:extLst>
           </p:cNvPr>
           <p:cNvPicPr/>
           <p:nvPr/>
         </p:nvPicPr>
-        <p:blipFill>
+        <p:blipFill rotWithShape="1">
           <a:blip r:embed="rId2">
             <a:extLst>
               <a:ext uri="{28A0092B-C50C-407E-A947-70E740481C1C}">
@@ -8301,14 +8303,13 @@
               </a:ext>
             </a:extLst>
           </a:blip>
-          <a:stretch>
-            <a:fillRect/>
-          </a:stretch>
+          <a:srcRect l="3074" t="3591" r="3688" b="4870"/>
+          <a:stretch/>
         </p:blipFill>
         <p:spPr bwMode="auto">
           <a:xfrm>
-            <a:off x="1855361" y="258052"/>
-            <a:ext cx="8406239" cy="6599948"/>
+            <a:off x="2070968" y="305944"/>
+            <a:ext cx="7974294" cy="6468533"/>
           </a:xfrm>
           <a:prstGeom prst="rect">
             <a:avLst/>
@@ -8317,6 +8318,11 @@
           <a:ln>
             <a:noFill/>
           </a:ln>
+          <a:extLst>
+            <a:ext uri="{53640926-AAD7-44D8-BBD7-CCE9431645EC}">
+              <a14:shadowObscured xmlns:a14="http://schemas.microsoft.com/office/drawing/2010/main"/>
+            </a:ext>
+          </a:extLst>
         </p:spPr>
       </p:pic>
       <p:sp>
@@ -8387,6 +8393,1260 @@
     </p:spTree>
     <p:extLst>
       <p:ext uri="{BB962C8B-B14F-4D97-AF65-F5344CB8AC3E}">
+        <p14:creationId xmlns:p14="http://schemas.microsoft.com/office/powerpoint/2010/main" val="1394995814"/>
+      </p:ext>
+    </p:extLst>
+  </p:cSld>
+  <p:clrMapOvr>
+    <a:masterClrMapping/>
+  </p:clrMapOvr>
+</p:sld>
+</file>
+
+<file path=ppt/slides/slide11.xml><?xml version="1.0" encoding="utf-8"?>
+<p:sld xmlns:a="http://schemas.openxmlformats.org/drawingml/2006/main" xmlns:r="http://schemas.openxmlformats.org/officeDocument/2006/relationships" xmlns:p="http://schemas.openxmlformats.org/presentationml/2006/main">
+  <p:cSld>
+    <p:bg>
+      <p:bgPr>
+        <a:solidFill>
+          <a:schemeClr val="bg1"/>
+        </a:solidFill>
+        <a:effectLst/>
+      </p:bgPr>
+    </p:bg>
+    <p:spTree>
+      <p:nvGrpSpPr>
+        <p:cNvPr id="1" name=""/>
+        <p:cNvGrpSpPr/>
+        <p:nvPr/>
+      </p:nvGrpSpPr>
+      <p:grpSpPr>
+        <a:xfrm>
+          <a:off x="0" y="0"/>
+          <a:ext cx="0" cy="0"/>
+          <a:chOff x="0" y="0"/>
+          <a:chExt cx="0" cy="0"/>
+        </a:xfrm>
+      </p:grpSpPr>
+      <p:sp>
+        <p:nvSpPr>
+          <p:cNvPr id="7" name="Rectangle 6">
+            <a:extLst>
+              <a:ext uri="{FF2B5EF4-FFF2-40B4-BE49-F238E27FC236}">
+                <a16:creationId xmlns:a16="http://schemas.microsoft.com/office/drawing/2014/main" id="{F3060C83-F051-4F0E-ABAD-AA0DFC48B218}"/>
+              </a:ext>
+              <a:ext uri="{C183D7F6-B498-43B3-948B-1728B52AA6E4}">
+                <adec:decorative xmlns:adec="http://schemas.microsoft.com/office/drawing/2017/decorative" val="1"/>
+              </a:ext>
+            </a:extLst>
+          </p:cNvPr>
+          <p:cNvSpPr>
+            <a:spLocks noGrp="1" noRot="1" noChangeAspect="1" noMove="1" noResize="1" noEditPoints="1" noAdjustHandles="1" noChangeArrowheads="1" noChangeShapeType="1" noTextEdit="1"/>
+          </p:cNvSpPr>
+          <p:nvPr>
+            <p:extLst>
+              <p:ext uri="{386F3935-93C4-4BCD-93E2-E3B085C9AB24}">
+                <p16:designElem xmlns:p16="http://schemas.microsoft.com/office/powerpoint/2015/main" val="1"/>
+              </p:ext>
+            </p:extLst>
+          </p:nvPr>
+        </p:nvSpPr>
+        <p:spPr>
+          <a:xfrm>
+            <a:off x="0" y="0"/>
+            <a:ext cx="12192000" cy="6858000"/>
+          </a:xfrm>
+          <a:prstGeom prst="rect">
+            <a:avLst/>
+          </a:prstGeom>
+          <a:solidFill>
+            <a:schemeClr val="bg1"/>
+          </a:solidFill>
+          <a:ln>
+            <a:noFill/>
+          </a:ln>
+        </p:spPr>
+        <p:style>
+          <a:lnRef idx="2">
+            <a:schemeClr val="accent1">
+              <a:shade val="50000"/>
+            </a:schemeClr>
+          </a:lnRef>
+          <a:fillRef idx="1">
+            <a:schemeClr val="accent1"/>
+          </a:fillRef>
+          <a:effectRef idx="0">
+            <a:schemeClr val="accent1"/>
+          </a:effectRef>
+          <a:fontRef idx="minor">
+            <a:schemeClr val="lt1"/>
+          </a:fontRef>
+        </p:style>
+        <p:txBody>
+          <a:bodyPr rtlCol="0" anchor="ctr"/>
+          <a:lstStyle/>
+          <a:p>
+            <a:pPr algn="ctr"/>
+            <a:endParaRPr lang="en-US" dirty="0"/>
+          </a:p>
+        </p:txBody>
+      </p:sp>
+      <p:sp>
+        <p:nvSpPr>
+          <p:cNvPr id="9" name="Freeform: Shape 8">
+            <a:extLst>
+              <a:ext uri="{FF2B5EF4-FFF2-40B4-BE49-F238E27FC236}">
+                <a16:creationId xmlns:a16="http://schemas.microsoft.com/office/drawing/2014/main" id="{83C98ABE-055B-441F-B07E-44F97F083C39}"/>
+              </a:ext>
+              <a:ext uri="{C183D7F6-B498-43B3-948B-1728B52AA6E4}">
+                <adec:decorative xmlns:adec="http://schemas.microsoft.com/office/drawing/2017/decorative" val="1"/>
+              </a:ext>
+            </a:extLst>
+          </p:cNvPr>
+          <p:cNvSpPr>
+            <a:spLocks noGrp="1" noRot="1" noChangeAspect="1" noMove="1" noResize="1" noEditPoints="1" noAdjustHandles="1" noChangeArrowheads="1" noChangeShapeType="1" noTextEdit="1"/>
+          </p:cNvSpPr>
+          <p:nvPr>
+            <p:extLst>
+              <p:ext uri="{386F3935-93C4-4BCD-93E2-E3B085C9AB24}">
+                <p16:designElem xmlns:p16="http://schemas.microsoft.com/office/powerpoint/2015/main" val="1"/>
+              </p:ext>
+            </p:extLst>
+          </p:nvPr>
+        </p:nvSpPr>
+        <p:spPr>
+          <a:xfrm rot="18900000" flipH="1">
+            <a:off x="-376156" y="-253670"/>
+            <a:ext cx="1827638" cy="1376989"/>
+          </a:xfrm>
+          <a:custGeom>
+            <a:avLst/>
+            <a:gdLst>
+              <a:gd name="connsiteX0" fmla="*/ 0 w 1827638"/>
+              <a:gd name="connsiteY0" fmla="*/ 987379 h 1376989"/>
+              <a:gd name="connsiteX1" fmla="*/ 987379 w 1827638"/>
+              <a:gd name="connsiteY1" fmla="*/ 0 h 1376989"/>
+              <a:gd name="connsiteX2" fmla="*/ 1827638 w 1827638"/>
+              <a:gd name="connsiteY2" fmla="*/ 840260 h 1376989"/>
+              <a:gd name="connsiteX3" fmla="*/ 1827638 w 1827638"/>
+              <a:gd name="connsiteY3" fmla="*/ 1376989 h 1376989"/>
+              <a:gd name="connsiteX4" fmla="*/ 0 w 1827638"/>
+              <a:gd name="connsiteY4" fmla="*/ 1376989 h 1376989"/>
+            </a:gdLst>
+            <a:ahLst/>
+            <a:cxnLst>
+              <a:cxn ang="0">
+                <a:pos x="connsiteX0" y="connsiteY0"/>
+              </a:cxn>
+              <a:cxn ang="0">
+                <a:pos x="connsiteX1" y="connsiteY1"/>
+              </a:cxn>
+              <a:cxn ang="0">
+                <a:pos x="connsiteX2" y="connsiteY2"/>
+              </a:cxn>
+              <a:cxn ang="0">
+                <a:pos x="connsiteX3" y="connsiteY3"/>
+              </a:cxn>
+              <a:cxn ang="0">
+                <a:pos x="connsiteX4" y="connsiteY4"/>
+              </a:cxn>
+            </a:cxnLst>
+            <a:rect l="l" t="t" r="r" b="b"/>
+            <a:pathLst>
+              <a:path w="1827638" h="1376989">
+                <a:moveTo>
+                  <a:pt x="0" y="987379"/>
+                </a:moveTo>
+                <a:lnTo>
+                  <a:pt x="987379" y="0"/>
+                </a:lnTo>
+                <a:lnTo>
+                  <a:pt x="1827638" y="840260"/>
+                </a:lnTo>
+                <a:lnTo>
+                  <a:pt x="1827638" y="1376989"/>
+                </a:lnTo>
+                <a:lnTo>
+                  <a:pt x="0" y="1376989"/>
+                </a:lnTo>
+                <a:close/>
+              </a:path>
+            </a:pathLst>
+          </a:custGeom>
+          <a:solidFill>
+            <a:schemeClr val="accent1">
+              <a:alpha val="30000"/>
+            </a:schemeClr>
+          </a:solidFill>
+          <a:ln>
+            <a:noFill/>
+          </a:ln>
+        </p:spPr>
+        <p:style>
+          <a:lnRef idx="2">
+            <a:schemeClr val="accent1">
+              <a:shade val="50000"/>
+            </a:schemeClr>
+          </a:lnRef>
+          <a:fillRef idx="1">
+            <a:schemeClr val="accent1"/>
+          </a:fillRef>
+          <a:effectRef idx="0">
+            <a:schemeClr val="accent1"/>
+          </a:effectRef>
+          <a:fontRef idx="minor">
+            <a:schemeClr val="lt1"/>
+          </a:fontRef>
+        </p:style>
+        <p:txBody>
+          <a:bodyPr rtlCol="0" anchor="ctr"/>
+          <a:lstStyle/>
+          <a:p>
+            <a:pPr algn="ctr"/>
+            <a:endParaRPr lang="en-US" dirty="0"/>
+          </a:p>
+        </p:txBody>
+      </p:sp>
+      <p:sp>
+        <p:nvSpPr>
+          <p:cNvPr id="11" name="Rectangle 10">
+            <a:extLst>
+              <a:ext uri="{FF2B5EF4-FFF2-40B4-BE49-F238E27FC236}">
+                <a16:creationId xmlns:a16="http://schemas.microsoft.com/office/drawing/2014/main" id="{29FDB030-9B49-4CED-8CCD-4D99382388AC}"/>
+              </a:ext>
+              <a:ext uri="{C183D7F6-B498-43B3-948B-1728B52AA6E4}">
+                <adec:decorative xmlns:adec="http://schemas.microsoft.com/office/drawing/2017/decorative" val="1"/>
+              </a:ext>
+            </a:extLst>
+          </p:cNvPr>
+          <p:cNvSpPr>
+            <a:spLocks noGrp="1" noRot="1" noChangeAspect="1" noMove="1" noResize="1" noEditPoints="1" noAdjustHandles="1" noChangeArrowheads="1" noChangeShapeType="1" noTextEdit="1"/>
+          </p:cNvSpPr>
+          <p:nvPr>
+            <p:extLst>
+              <p:ext uri="{386F3935-93C4-4BCD-93E2-E3B085C9AB24}">
+                <p16:designElem xmlns:p16="http://schemas.microsoft.com/office/powerpoint/2015/main" val="1"/>
+              </p:ext>
+            </p:extLst>
+          </p:nvPr>
+        </p:nvSpPr>
+        <p:spPr>
+          <a:xfrm rot="18900000" flipH="1">
+            <a:off x="891641" y="422146"/>
+            <a:ext cx="645368" cy="645368"/>
+          </a:xfrm>
+          <a:prstGeom prst="rect">
+            <a:avLst/>
+          </a:prstGeom>
+          <a:solidFill>
+            <a:schemeClr val="accent1">
+              <a:alpha val="30000"/>
+            </a:schemeClr>
+          </a:solidFill>
+          <a:ln>
+            <a:noFill/>
+          </a:ln>
+        </p:spPr>
+        <p:style>
+          <a:lnRef idx="2">
+            <a:schemeClr val="accent1">
+              <a:shade val="50000"/>
+            </a:schemeClr>
+          </a:lnRef>
+          <a:fillRef idx="1">
+            <a:schemeClr val="accent1"/>
+          </a:fillRef>
+          <a:effectRef idx="0">
+            <a:schemeClr val="accent1"/>
+          </a:effectRef>
+          <a:fontRef idx="minor">
+            <a:schemeClr val="lt1"/>
+          </a:fontRef>
+        </p:style>
+        <p:txBody>
+          <a:bodyPr rtlCol="0" anchor="ctr"/>
+          <a:lstStyle/>
+          <a:p>
+            <a:pPr algn="ctr"/>
+            <a:endParaRPr lang="en-US"/>
+          </a:p>
+        </p:txBody>
+      </p:sp>
+      <p:sp>
+        <p:nvSpPr>
+          <p:cNvPr id="13" name="Rectangle 12">
+            <a:extLst>
+              <a:ext uri="{FF2B5EF4-FFF2-40B4-BE49-F238E27FC236}">
+                <a16:creationId xmlns:a16="http://schemas.microsoft.com/office/drawing/2014/main" id="{3783CA14-24A1-485C-8B30-D6A5D87987AD}"/>
+              </a:ext>
+              <a:ext uri="{C183D7F6-B498-43B3-948B-1728B52AA6E4}">
+                <adec:decorative xmlns:adec="http://schemas.microsoft.com/office/drawing/2017/decorative" val="1"/>
+              </a:ext>
+            </a:extLst>
+          </p:cNvPr>
+          <p:cNvSpPr>
+            <a:spLocks noGrp="1" noRot="1" noChangeAspect="1" noMove="1" noResize="1" noEditPoints="1" noAdjustHandles="1" noChangeArrowheads="1" noChangeShapeType="1" noTextEdit="1"/>
+          </p:cNvSpPr>
+          <p:nvPr>
+            <p:extLst>
+              <p:ext uri="{386F3935-93C4-4BCD-93E2-E3B085C9AB24}">
+                <p16:designElem xmlns:p16="http://schemas.microsoft.com/office/powerpoint/2015/main" val="1"/>
+              </p:ext>
+            </p:extLst>
+          </p:nvPr>
+        </p:nvSpPr>
+        <p:spPr>
+          <a:xfrm rot="18900000" flipH="1">
+            <a:off x="10043482" y="655140"/>
+            <a:ext cx="687472" cy="687472"/>
+          </a:xfrm>
+          <a:prstGeom prst="rect">
+            <a:avLst/>
+          </a:prstGeom>
+          <a:solidFill>
+            <a:schemeClr val="accent4">
+              <a:alpha val="30000"/>
+            </a:schemeClr>
+          </a:solidFill>
+          <a:ln>
+            <a:noFill/>
+          </a:ln>
+        </p:spPr>
+        <p:style>
+          <a:lnRef idx="2">
+            <a:schemeClr val="accent1">
+              <a:shade val="50000"/>
+            </a:schemeClr>
+          </a:lnRef>
+          <a:fillRef idx="1">
+            <a:schemeClr val="accent1"/>
+          </a:fillRef>
+          <a:effectRef idx="0">
+            <a:schemeClr val="accent1"/>
+          </a:effectRef>
+          <a:fontRef idx="minor">
+            <a:schemeClr val="lt1"/>
+          </a:fontRef>
+        </p:style>
+        <p:txBody>
+          <a:bodyPr rtlCol="0" anchor="ctr"/>
+          <a:lstStyle/>
+          <a:p>
+            <a:pPr algn="ctr"/>
+            <a:endParaRPr lang="en-US"/>
+          </a:p>
+        </p:txBody>
+      </p:sp>
+      <p:sp>
+        <p:nvSpPr>
+          <p:cNvPr id="15" name="Freeform: Shape 14">
+            <a:extLst>
+              <a:ext uri="{FF2B5EF4-FFF2-40B4-BE49-F238E27FC236}">
+                <a16:creationId xmlns:a16="http://schemas.microsoft.com/office/drawing/2014/main" id="{9A97C86A-04D6-40F7-AE84-31AB43E6A846}"/>
+              </a:ext>
+              <a:ext uri="{C183D7F6-B498-43B3-948B-1728B52AA6E4}">
+                <adec:decorative xmlns:adec="http://schemas.microsoft.com/office/drawing/2017/decorative" val="1"/>
+              </a:ext>
+            </a:extLst>
+          </p:cNvPr>
+          <p:cNvSpPr>
+            <a:spLocks noGrp="1" noRot="1" noChangeAspect="1" noMove="1" noResize="1" noEditPoints="1" noAdjustHandles="1" noChangeArrowheads="1" noChangeShapeType="1" noTextEdit="1"/>
+          </p:cNvSpPr>
+          <p:nvPr>
+            <p:extLst>
+              <p:ext uri="{386F3935-93C4-4BCD-93E2-E3B085C9AB24}">
+                <p16:designElem xmlns:p16="http://schemas.microsoft.com/office/powerpoint/2015/main" val="1"/>
+              </p:ext>
+            </p:extLst>
+          </p:nvPr>
+        </p:nvSpPr>
+        <p:spPr>
+          <a:xfrm rot="10800000" flipH="1">
+            <a:off x="9356643" y="0"/>
+            <a:ext cx="2835357" cy="1480837"/>
+          </a:xfrm>
+          <a:custGeom>
+            <a:avLst/>
+            <a:gdLst>
+              <a:gd name="connsiteX0" fmla="*/ 2835357 w 2835357"/>
+              <a:gd name="connsiteY0" fmla="*/ 1480837 h 1480837"/>
+              <a:gd name="connsiteX1" fmla="*/ 0 w 2835357"/>
+              <a:gd name="connsiteY1" fmla="*/ 1480837 h 1480837"/>
+              <a:gd name="connsiteX2" fmla="*/ 1552727 w 2835357"/>
+              <a:gd name="connsiteY2" fmla="*/ 0 h 1480837"/>
+              <a:gd name="connsiteX3" fmla="*/ 2835357 w 2835357"/>
+              <a:gd name="connsiteY3" fmla="*/ 1223245 h 1480837"/>
+            </a:gdLst>
+            <a:ahLst/>
+            <a:cxnLst>
+              <a:cxn ang="0">
+                <a:pos x="connsiteX0" y="connsiteY0"/>
+              </a:cxn>
+              <a:cxn ang="0">
+                <a:pos x="connsiteX1" y="connsiteY1"/>
+              </a:cxn>
+              <a:cxn ang="0">
+                <a:pos x="connsiteX2" y="connsiteY2"/>
+              </a:cxn>
+              <a:cxn ang="0">
+                <a:pos x="connsiteX3" y="connsiteY3"/>
+              </a:cxn>
+            </a:cxnLst>
+            <a:rect l="l" t="t" r="r" b="b"/>
+            <a:pathLst>
+              <a:path w="2835357" h="1480837">
+                <a:moveTo>
+                  <a:pt x="2835357" y="1480837"/>
+                </a:moveTo>
+                <a:lnTo>
+                  <a:pt x="0" y="1480837"/>
+                </a:lnTo>
+                <a:lnTo>
+                  <a:pt x="1552727" y="0"/>
+                </a:lnTo>
+                <a:lnTo>
+                  <a:pt x="2835357" y="1223245"/>
+                </a:lnTo>
+                <a:close/>
+              </a:path>
+            </a:pathLst>
+          </a:custGeom>
+          <a:solidFill>
+            <a:schemeClr val="accent4">
+              <a:alpha val="30000"/>
+            </a:schemeClr>
+          </a:solidFill>
+          <a:ln>
+            <a:noFill/>
+          </a:ln>
+        </p:spPr>
+        <p:style>
+          <a:lnRef idx="2">
+            <a:schemeClr val="accent1">
+              <a:shade val="50000"/>
+            </a:schemeClr>
+          </a:lnRef>
+          <a:fillRef idx="1">
+            <a:schemeClr val="accent1"/>
+          </a:fillRef>
+          <a:effectRef idx="0">
+            <a:schemeClr val="accent1"/>
+          </a:effectRef>
+          <a:fontRef idx="minor">
+            <a:schemeClr val="lt1"/>
+          </a:fontRef>
+        </p:style>
+        <p:txBody>
+          <a:bodyPr wrap="square" rtlCol="0" anchor="ctr">
+            <a:noAutofit/>
+          </a:bodyPr>
+          <a:lstStyle/>
+          <a:p>
+            <a:pPr algn="ctr"/>
+            <a:endParaRPr lang="en-US" dirty="0"/>
+          </a:p>
+        </p:txBody>
+      </p:sp>
+      <p:sp>
+        <p:nvSpPr>
+          <p:cNvPr id="17" name="Isosceles Triangle 16">
+            <a:extLst>
+              <a:ext uri="{FF2B5EF4-FFF2-40B4-BE49-F238E27FC236}">
+                <a16:creationId xmlns:a16="http://schemas.microsoft.com/office/drawing/2014/main" id="{FF9F2414-84E8-453E-B1F3-389FDE8192D9}"/>
+              </a:ext>
+              <a:ext uri="{C183D7F6-B498-43B3-948B-1728B52AA6E4}">
+                <adec:decorative xmlns:adec="http://schemas.microsoft.com/office/drawing/2017/decorative" val="1"/>
+              </a:ext>
+            </a:extLst>
+          </p:cNvPr>
+          <p:cNvSpPr>
+            <a:spLocks noGrp="1" noRot="1" noChangeAspect="1" noMove="1" noResize="1" noEditPoints="1" noAdjustHandles="1" noChangeArrowheads="1" noChangeShapeType="1" noTextEdit="1"/>
+          </p:cNvSpPr>
+          <p:nvPr>
+            <p:extLst>
+              <p:ext uri="{386F3935-93C4-4BCD-93E2-E3B085C9AB24}">
+                <p16:designElem xmlns:p16="http://schemas.microsoft.com/office/powerpoint/2015/main" val="1"/>
+              </p:ext>
+            </p:extLst>
+          </p:nvPr>
+        </p:nvSpPr>
+        <p:spPr>
+          <a:xfrm flipH="1">
+            <a:off x="7976344" y="6115501"/>
+            <a:ext cx="1494513" cy="742499"/>
+          </a:xfrm>
+          <a:prstGeom prst="triangle">
+            <a:avLst/>
+          </a:prstGeom>
+          <a:solidFill>
+            <a:schemeClr val="accent1">
+              <a:alpha val="30000"/>
+            </a:schemeClr>
+          </a:solidFill>
+          <a:ln>
+            <a:noFill/>
+          </a:ln>
+        </p:spPr>
+        <p:style>
+          <a:lnRef idx="2">
+            <a:schemeClr val="accent1">
+              <a:shade val="50000"/>
+            </a:schemeClr>
+          </a:lnRef>
+          <a:fillRef idx="1">
+            <a:schemeClr val="accent1"/>
+          </a:fillRef>
+          <a:effectRef idx="0">
+            <a:schemeClr val="accent1"/>
+          </a:effectRef>
+          <a:fontRef idx="minor">
+            <a:schemeClr val="lt1"/>
+          </a:fontRef>
+        </p:style>
+        <p:txBody>
+          <a:bodyPr rtlCol="0" anchor="ctr"/>
+          <a:lstStyle/>
+          <a:p>
+            <a:pPr algn="ctr"/>
+            <a:endParaRPr lang="en-US"/>
+          </a:p>
+        </p:txBody>
+      </p:sp>
+      <p:pic>
+        <p:nvPicPr>
+          <p:cNvPr id="2" name="Picture 1" descr="Related image">
+            <a:extLst>
+              <a:ext uri="{FF2B5EF4-FFF2-40B4-BE49-F238E27FC236}">
+                <a16:creationId xmlns:a16="http://schemas.microsoft.com/office/drawing/2014/main" id="{13D958CF-45A9-4CB3-89BA-5CE5C8AB6B62}"/>
+              </a:ext>
+            </a:extLst>
+          </p:cNvPr>
+          <p:cNvPicPr/>
+          <p:nvPr/>
+        </p:nvPicPr>
+        <p:blipFill rotWithShape="1">
+          <a:blip r:embed="rId2">
+            <a:extLst>
+              <a:ext uri="{28A0092B-C50C-407E-A947-70E740481C1C}">
+                <a14:useLocalDpi xmlns:a14="http://schemas.microsoft.com/office/drawing/2010/main" val="0"/>
+              </a:ext>
+            </a:extLst>
+          </a:blip>
+          <a:srcRect l="3950" t="3961" r="3106" b="5611"/>
+          <a:stretch/>
+        </p:blipFill>
+        <p:spPr bwMode="auto">
+          <a:xfrm>
+            <a:off x="2258004" y="321733"/>
+            <a:ext cx="7600221" cy="6214533"/>
+          </a:xfrm>
+          <a:prstGeom prst="rect">
+            <a:avLst/>
+          </a:prstGeom>
+          <a:noFill/>
+          <a:ln>
+            <a:noFill/>
+          </a:ln>
+          <a:extLst>
+            <a:ext uri="{53640926-AAD7-44D8-BBD7-CCE9431645EC}">
+              <a14:shadowObscured xmlns:a14="http://schemas.microsoft.com/office/drawing/2010/main"/>
+            </a:ext>
+          </a:extLst>
+        </p:spPr>
+      </p:pic>
+      <p:sp>
+        <p:nvSpPr>
+          <p:cNvPr id="19" name="Isosceles Triangle 18">
+            <a:extLst>
+              <a:ext uri="{FF2B5EF4-FFF2-40B4-BE49-F238E27FC236}">
+                <a16:creationId xmlns:a16="http://schemas.microsoft.com/office/drawing/2014/main" id="{3ECA69A1-7536-43AC-85EF-C7106179F5ED}"/>
+              </a:ext>
+              <a:ext uri="{C183D7F6-B498-43B3-948B-1728B52AA6E4}">
+                <adec:decorative xmlns:adec="http://schemas.microsoft.com/office/drawing/2017/decorative" val="1"/>
+              </a:ext>
+            </a:extLst>
+          </p:cNvPr>
+          <p:cNvSpPr>
+            <a:spLocks noGrp="1" noRot="1" noChangeAspect="1" noMove="1" noResize="1" noEditPoints="1" noAdjustHandles="1" noChangeArrowheads="1" noChangeShapeType="1" noTextEdit="1"/>
+          </p:cNvSpPr>
+          <p:nvPr>
+            <p:extLst>
+              <p:ext uri="{386F3935-93C4-4BCD-93E2-E3B085C9AB24}">
+                <p16:designElem xmlns:p16="http://schemas.microsoft.com/office/powerpoint/2015/main" val="1"/>
+              </p:ext>
+            </p:extLst>
+          </p:nvPr>
+        </p:nvSpPr>
+        <p:spPr>
+          <a:xfrm flipH="1">
+            <a:off x="7604080" y="6453143"/>
+            <a:ext cx="814903" cy="404857"/>
+          </a:xfrm>
+          <a:prstGeom prst="triangle">
+            <a:avLst/>
+          </a:prstGeom>
+          <a:solidFill>
+            <a:schemeClr val="accent1">
+              <a:alpha val="30000"/>
+            </a:schemeClr>
+          </a:solidFill>
+          <a:ln>
+            <a:noFill/>
+          </a:ln>
+        </p:spPr>
+        <p:style>
+          <a:lnRef idx="2">
+            <a:schemeClr val="accent1">
+              <a:shade val="50000"/>
+            </a:schemeClr>
+          </a:lnRef>
+          <a:fillRef idx="1">
+            <a:schemeClr val="accent1"/>
+          </a:fillRef>
+          <a:effectRef idx="0">
+            <a:schemeClr val="accent1"/>
+          </a:effectRef>
+          <a:fontRef idx="minor">
+            <a:schemeClr val="lt1"/>
+          </a:fontRef>
+        </p:style>
+        <p:txBody>
+          <a:bodyPr rtlCol="0" anchor="ctr"/>
+          <a:lstStyle/>
+          <a:p>
+            <a:pPr algn="ctr"/>
+            <a:endParaRPr lang="en-US"/>
+          </a:p>
+        </p:txBody>
+      </p:sp>
+    </p:spTree>
+    <p:extLst>
+      <p:ext uri="{BB962C8B-B14F-4D97-AF65-F5344CB8AC3E}">
+        <p14:creationId xmlns:p14="http://schemas.microsoft.com/office/powerpoint/2010/main" val="62198395"/>
+      </p:ext>
+    </p:extLst>
+  </p:cSld>
+  <p:clrMapOvr>
+    <a:masterClrMapping/>
+  </p:clrMapOvr>
+</p:sld>
+</file>
+
+<file path=ppt/slides/slide12.xml><?xml version="1.0" encoding="utf-8"?>
+<p:sld xmlns:a="http://schemas.openxmlformats.org/drawingml/2006/main" xmlns:r="http://schemas.openxmlformats.org/officeDocument/2006/relationships" xmlns:p="http://schemas.openxmlformats.org/presentationml/2006/main">
+  <p:cSld>
+    <p:bg>
+      <p:bgPr>
+        <a:solidFill>
+          <a:schemeClr val="bg1"/>
+        </a:solidFill>
+        <a:effectLst/>
+      </p:bgPr>
+    </p:bg>
+    <p:spTree>
+      <p:nvGrpSpPr>
+        <p:cNvPr id="1" name=""/>
+        <p:cNvGrpSpPr/>
+        <p:nvPr/>
+      </p:nvGrpSpPr>
+      <p:grpSpPr>
+        <a:xfrm>
+          <a:off x="0" y="0"/>
+          <a:ext cx="0" cy="0"/>
+          <a:chOff x="0" y="0"/>
+          <a:chExt cx="0" cy="0"/>
+        </a:xfrm>
+      </p:grpSpPr>
+      <p:sp>
+        <p:nvSpPr>
+          <p:cNvPr id="7" name="Rectangle 6">
+            <a:extLst>
+              <a:ext uri="{FF2B5EF4-FFF2-40B4-BE49-F238E27FC236}">
+                <a16:creationId xmlns:a16="http://schemas.microsoft.com/office/drawing/2014/main" id="{F3060C83-F051-4F0E-ABAD-AA0DFC48B218}"/>
+              </a:ext>
+              <a:ext uri="{C183D7F6-B498-43B3-948B-1728B52AA6E4}">
+                <adec:decorative xmlns:adec="http://schemas.microsoft.com/office/drawing/2017/decorative" val="1"/>
+              </a:ext>
+            </a:extLst>
+          </p:cNvPr>
+          <p:cNvSpPr>
+            <a:spLocks noGrp="1" noRot="1" noChangeAspect="1" noMove="1" noResize="1" noEditPoints="1" noAdjustHandles="1" noChangeArrowheads="1" noChangeShapeType="1" noTextEdit="1"/>
+          </p:cNvSpPr>
+          <p:nvPr>
+            <p:extLst>
+              <p:ext uri="{386F3935-93C4-4BCD-93E2-E3B085C9AB24}">
+                <p16:designElem xmlns:p16="http://schemas.microsoft.com/office/powerpoint/2015/main" val="1"/>
+              </p:ext>
+            </p:extLst>
+          </p:nvPr>
+        </p:nvSpPr>
+        <p:spPr>
+          <a:xfrm>
+            <a:off x="0" y="0"/>
+            <a:ext cx="12192000" cy="6858000"/>
+          </a:xfrm>
+          <a:prstGeom prst="rect">
+            <a:avLst/>
+          </a:prstGeom>
+          <a:solidFill>
+            <a:schemeClr val="bg1"/>
+          </a:solidFill>
+          <a:ln>
+            <a:noFill/>
+          </a:ln>
+        </p:spPr>
+        <p:style>
+          <a:lnRef idx="2">
+            <a:schemeClr val="accent1">
+              <a:shade val="50000"/>
+            </a:schemeClr>
+          </a:lnRef>
+          <a:fillRef idx="1">
+            <a:schemeClr val="accent1"/>
+          </a:fillRef>
+          <a:effectRef idx="0">
+            <a:schemeClr val="accent1"/>
+          </a:effectRef>
+          <a:fontRef idx="minor">
+            <a:schemeClr val="lt1"/>
+          </a:fontRef>
+        </p:style>
+        <p:txBody>
+          <a:bodyPr rtlCol="0" anchor="ctr"/>
+          <a:lstStyle/>
+          <a:p>
+            <a:pPr algn="ctr"/>
+            <a:endParaRPr lang="en-US" dirty="0"/>
+          </a:p>
+        </p:txBody>
+      </p:sp>
+      <p:sp>
+        <p:nvSpPr>
+          <p:cNvPr id="9" name="Freeform: Shape 8">
+            <a:extLst>
+              <a:ext uri="{FF2B5EF4-FFF2-40B4-BE49-F238E27FC236}">
+                <a16:creationId xmlns:a16="http://schemas.microsoft.com/office/drawing/2014/main" id="{83C98ABE-055B-441F-B07E-44F97F083C39}"/>
+              </a:ext>
+              <a:ext uri="{C183D7F6-B498-43B3-948B-1728B52AA6E4}">
+                <adec:decorative xmlns:adec="http://schemas.microsoft.com/office/drawing/2017/decorative" val="1"/>
+              </a:ext>
+            </a:extLst>
+          </p:cNvPr>
+          <p:cNvSpPr>
+            <a:spLocks noGrp="1" noRot="1" noChangeAspect="1" noMove="1" noResize="1" noEditPoints="1" noAdjustHandles="1" noChangeArrowheads="1" noChangeShapeType="1" noTextEdit="1"/>
+          </p:cNvSpPr>
+          <p:nvPr>
+            <p:extLst>
+              <p:ext uri="{386F3935-93C4-4BCD-93E2-E3B085C9AB24}">
+                <p16:designElem xmlns:p16="http://schemas.microsoft.com/office/powerpoint/2015/main" val="1"/>
+              </p:ext>
+            </p:extLst>
+          </p:nvPr>
+        </p:nvSpPr>
+        <p:spPr>
+          <a:xfrm rot="18900000" flipH="1">
+            <a:off x="-376156" y="-253670"/>
+            <a:ext cx="1827638" cy="1376989"/>
+          </a:xfrm>
+          <a:custGeom>
+            <a:avLst/>
+            <a:gdLst>
+              <a:gd name="connsiteX0" fmla="*/ 0 w 1827638"/>
+              <a:gd name="connsiteY0" fmla="*/ 987379 h 1376989"/>
+              <a:gd name="connsiteX1" fmla="*/ 987379 w 1827638"/>
+              <a:gd name="connsiteY1" fmla="*/ 0 h 1376989"/>
+              <a:gd name="connsiteX2" fmla="*/ 1827638 w 1827638"/>
+              <a:gd name="connsiteY2" fmla="*/ 840260 h 1376989"/>
+              <a:gd name="connsiteX3" fmla="*/ 1827638 w 1827638"/>
+              <a:gd name="connsiteY3" fmla="*/ 1376989 h 1376989"/>
+              <a:gd name="connsiteX4" fmla="*/ 0 w 1827638"/>
+              <a:gd name="connsiteY4" fmla="*/ 1376989 h 1376989"/>
+            </a:gdLst>
+            <a:ahLst/>
+            <a:cxnLst>
+              <a:cxn ang="0">
+                <a:pos x="connsiteX0" y="connsiteY0"/>
+              </a:cxn>
+              <a:cxn ang="0">
+                <a:pos x="connsiteX1" y="connsiteY1"/>
+              </a:cxn>
+              <a:cxn ang="0">
+                <a:pos x="connsiteX2" y="connsiteY2"/>
+              </a:cxn>
+              <a:cxn ang="0">
+                <a:pos x="connsiteX3" y="connsiteY3"/>
+              </a:cxn>
+              <a:cxn ang="0">
+                <a:pos x="connsiteX4" y="connsiteY4"/>
+              </a:cxn>
+            </a:cxnLst>
+            <a:rect l="l" t="t" r="r" b="b"/>
+            <a:pathLst>
+              <a:path w="1827638" h="1376989">
+                <a:moveTo>
+                  <a:pt x="0" y="987379"/>
+                </a:moveTo>
+                <a:lnTo>
+                  <a:pt x="987379" y="0"/>
+                </a:lnTo>
+                <a:lnTo>
+                  <a:pt x="1827638" y="840260"/>
+                </a:lnTo>
+                <a:lnTo>
+                  <a:pt x="1827638" y="1376989"/>
+                </a:lnTo>
+                <a:lnTo>
+                  <a:pt x="0" y="1376989"/>
+                </a:lnTo>
+                <a:close/>
+              </a:path>
+            </a:pathLst>
+          </a:custGeom>
+          <a:solidFill>
+            <a:schemeClr val="accent1">
+              <a:alpha val="30000"/>
+            </a:schemeClr>
+          </a:solidFill>
+          <a:ln>
+            <a:noFill/>
+          </a:ln>
+        </p:spPr>
+        <p:style>
+          <a:lnRef idx="2">
+            <a:schemeClr val="accent1">
+              <a:shade val="50000"/>
+            </a:schemeClr>
+          </a:lnRef>
+          <a:fillRef idx="1">
+            <a:schemeClr val="accent1"/>
+          </a:fillRef>
+          <a:effectRef idx="0">
+            <a:schemeClr val="accent1"/>
+          </a:effectRef>
+          <a:fontRef idx="minor">
+            <a:schemeClr val="lt1"/>
+          </a:fontRef>
+        </p:style>
+        <p:txBody>
+          <a:bodyPr rtlCol="0" anchor="ctr"/>
+          <a:lstStyle/>
+          <a:p>
+            <a:pPr algn="ctr"/>
+            <a:endParaRPr lang="en-US" dirty="0"/>
+          </a:p>
+        </p:txBody>
+      </p:sp>
+      <p:sp>
+        <p:nvSpPr>
+          <p:cNvPr id="11" name="Rectangle 10">
+            <a:extLst>
+              <a:ext uri="{FF2B5EF4-FFF2-40B4-BE49-F238E27FC236}">
+                <a16:creationId xmlns:a16="http://schemas.microsoft.com/office/drawing/2014/main" id="{29FDB030-9B49-4CED-8CCD-4D99382388AC}"/>
+              </a:ext>
+              <a:ext uri="{C183D7F6-B498-43B3-948B-1728B52AA6E4}">
+                <adec:decorative xmlns:adec="http://schemas.microsoft.com/office/drawing/2017/decorative" val="1"/>
+              </a:ext>
+            </a:extLst>
+          </p:cNvPr>
+          <p:cNvSpPr>
+            <a:spLocks noGrp="1" noRot="1" noChangeAspect="1" noMove="1" noResize="1" noEditPoints="1" noAdjustHandles="1" noChangeArrowheads="1" noChangeShapeType="1" noTextEdit="1"/>
+          </p:cNvSpPr>
+          <p:nvPr>
+            <p:extLst>
+              <p:ext uri="{386F3935-93C4-4BCD-93E2-E3B085C9AB24}">
+                <p16:designElem xmlns:p16="http://schemas.microsoft.com/office/powerpoint/2015/main" val="1"/>
+              </p:ext>
+            </p:extLst>
+          </p:nvPr>
+        </p:nvSpPr>
+        <p:spPr>
+          <a:xfrm rot="18900000" flipH="1">
+            <a:off x="891641" y="422146"/>
+            <a:ext cx="645368" cy="645368"/>
+          </a:xfrm>
+          <a:prstGeom prst="rect">
+            <a:avLst/>
+          </a:prstGeom>
+          <a:solidFill>
+            <a:schemeClr val="accent1">
+              <a:alpha val="30000"/>
+            </a:schemeClr>
+          </a:solidFill>
+          <a:ln>
+            <a:noFill/>
+          </a:ln>
+        </p:spPr>
+        <p:style>
+          <a:lnRef idx="2">
+            <a:schemeClr val="accent1">
+              <a:shade val="50000"/>
+            </a:schemeClr>
+          </a:lnRef>
+          <a:fillRef idx="1">
+            <a:schemeClr val="accent1"/>
+          </a:fillRef>
+          <a:effectRef idx="0">
+            <a:schemeClr val="accent1"/>
+          </a:effectRef>
+          <a:fontRef idx="minor">
+            <a:schemeClr val="lt1"/>
+          </a:fontRef>
+        </p:style>
+        <p:txBody>
+          <a:bodyPr rtlCol="0" anchor="ctr"/>
+          <a:lstStyle/>
+          <a:p>
+            <a:pPr algn="ctr"/>
+            <a:endParaRPr lang="en-US"/>
+          </a:p>
+        </p:txBody>
+      </p:sp>
+      <p:sp>
+        <p:nvSpPr>
+          <p:cNvPr id="13" name="Rectangle 12">
+            <a:extLst>
+              <a:ext uri="{FF2B5EF4-FFF2-40B4-BE49-F238E27FC236}">
+                <a16:creationId xmlns:a16="http://schemas.microsoft.com/office/drawing/2014/main" id="{3783CA14-24A1-485C-8B30-D6A5D87987AD}"/>
+              </a:ext>
+              <a:ext uri="{C183D7F6-B498-43B3-948B-1728B52AA6E4}">
+                <adec:decorative xmlns:adec="http://schemas.microsoft.com/office/drawing/2017/decorative" val="1"/>
+              </a:ext>
+            </a:extLst>
+          </p:cNvPr>
+          <p:cNvSpPr>
+            <a:spLocks noGrp="1" noRot="1" noChangeAspect="1" noMove="1" noResize="1" noEditPoints="1" noAdjustHandles="1" noChangeArrowheads="1" noChangeShapeType="1" noTextEdit="1"/>
+          </p:cNvSpPr>
+          <p:nvPr>
+            <p:extLst>
+              <p:ext uri="{386F3935-93C4-4BCD-93E2-E3B085C9AB24}">
+                <p16:designElem xmlns:p16="http://schemas.microsoft.com/office/powerpoint/2015/main" val="1"/>
+              </p:ext>
+            </p:extLst>
+          </p:nvPr>
+        </p:nvSpPr>
+        <p:spPr>
+          <a:xfrm rot="18900000" flipH="1">
+            <a:off x="10043482" y="655140"/>
+            <a:ext cx="687472" cy="687472"/>
+          </a:xfrm>
+          <a:prstGeom prst="rect">
+            <a:avLst/>
+          </a:prstGeom>
+          <a:solidFill>
+            <a:schemeClr val="accent4">
+              <a:alpha val="30000"/>
+            </a:schemeClr>
+          </a:solidFill>
+          <a:ln>
+            <a:noFill/>
+          </a:ln>
+        </p:spPr>
+        <p:style>
+          <a:lnRef idx="2">
+            <a:schemeClr val="accent1">
+              <a:shade val="50000"/>
+            </a:schemeClr>
+          </a:lnRef>
+          <a:fillRef idx="1">
+            <a:schemeClr val="accent1"/>
+          </a:fillRef>
+          <a:effectRef idx="0">
+            <a:schemeClr val="accent1"/>
+          </a:effectRef>
+          <a:fontRef idx="minor">
+            <a:schemeClr val="lt1"/>
+          </a:fontRef>
+        </p:style>
+        <p:txBody>
+          <a:bodyPr rtlCol="0" anchor="ctr"/>
+          <a:lstStyle/>
+          <a:p>
+            <a:pPr algn="ctr"/>
+            <a:endParaRPr lang="en-US"/>
+          </a:p>
+        </p:txBody>
+      </p:sp>
+      <p:sp>
+        <p:nvSpPr>
+          <p:cNvPr id="15" name="Freeform: Shape 14">
+            <a:extLst>
+              <a:ext uri="{FF2B5EF4-FFF2-40B4-BE49-F238E27FC236}">
+                <a16:creationId xmlns:a16="http://schemas.microsoft.com/office/drawing/2014/main" id="{9A97C86A-04D6-40F7-AE84-31AB43E6A846}"/>
+              </a:ext>
+              <a:ext uri="{C183D7F6-B498-43B3-948B-1728B52AA6E4}">
+                <adec:decorative xmlns:adec="http://schemas.microsoft.com/office/drawing/2017/decorative" val="1"/>
+              </a:ext>
+            </a:extLst>
+          </p:cNvPr>
+          <p:cNvSpPr>
+            <a:spLocks noGrp="1" noRot="1" noChangeAspect="1" noMove="1" noResize="1" noEditPoints="1" noAdjustHandles="1" noChangeArrowheads="1" noChangeShapeType="1" noTextEdit="1"/>
+          </p:cNvSpPr>
+          <p:nvPr>
+            <p:extLst>
+              <p:ext uri="{386F3935-93C4-4BCD-93E2-E3B085C9AB24}">
+                <p16:designElem xmlns:p16="http://schemas.microsoft.com/office/powerpoint/2015/main" val="1"/>
+              </p:ext>
+            </p:extLst>
+          </p:nvPr>
+        </p:nvSpPr>
+        <p:spPr>
+          <a:xfrm rot="10800000" flipH="1">
+            <a:off x="9356643" y="0"/>
+            <a:ext cx="2835357" cy="1480837"/>
+          </a:xfrm>
+          <a:custGeom>
+            <a:avLst/>
+            <a:gdLst>
+              <a:gd name="connsiteX0" fmla="*/ 2835357 w 2835357"/>
+              <a:gd name="connsiteY0" fmla="*/ 1480837 h 1480837"/>
+              <a:gd name="connsiteX1" fmla="*/ 0 w 2835357"/>
+              <a:gd name="connsiteY1" fmla="*/ 1480837 h 1480837"/>
+              <a:gd name="connsiteX2" fmla="*/ 1552727 w 2835357"/>
+              <a:gd name="connsiteY2" fmla="*/ 0 h 1480837"/>
+              <a:gd name="connsiteX3" fmla="*/ 2835357 w 2835357"/>
+              <a:gd name="connsiteY3" fmla="*/ 1223245 h 1480837"/>
+            </a:gdLst>
+            <a:ahLst/>
+            <a:cxnLst>
+              <a:cxn ang="0">
+                <a:pos x="connsiteX0" y="connsiteY0"/>
+              </a:cxn>
+              <a:cxn ang="0">
+                <a:pos x="connsiteX1" y="connsiteY1"/>
+              </a:cxn>
+              <a:cxn ang="0">
+                <a:pos x="connsiteX2" y="connsiteY2"/>
+              </a:cxn>
+              <a:cxn ang="0">
+                <a:pos x="connsiteX3" y="connsiteY3"/>
+              </a:cxn>
+            </a:cxnLst>
+            <a:rect l="l" t="t" r="r" b="b"/>
+            <a:pathLst>
+              <a:path w="2835357" h="1480837">
+                <a:moveTo>
+                  <a:pt x="2835357" y="1480837"/>
+                </a:moveTo>
+                <a:lnTo>
+                  <a:pt x="0" y="1480837"/>
+                </a:lnTo>
+                <a:lnTo>
+                  <a:pt x="1552727" y="0"/>
+                </a:lnTo>
+                <a:lnTo>
+                  <a:pt x="2835357" y="1223245"/>
+                </a:lnTo>
+                <a:close/>
+              </a:path>
+            </a:pathLst>
+          </a:custGeom>
+          <a:solidFill>
+            <a:schemeClr val="accent4">
+              <a:alpha val="30000"/>
+            </a:schemeClr>
+          </a:solidFill>
+          <a:ln>
+            <a:noFill/>
+          </a:ln>
+        </p:spPr>
+        <p:style>
+          <a:lnRef idx="2">
+            <a:schemeClr val="accent1">
+              <a:shade val="50000"/>
+            </a:schemeClr>
+          </a:lnRef>
+          <a:fillRef idx="1">
+            <a:schemeClr val="accent1"/>
+          </a:fillRef>
+          <a:effectRef idx="0">
+            <a:schemeClr val="accent1"/>
+          </a:effectRef>
+          <a:fontRef idx="minor">
+            <a:schemeClr val="lt1"/>
+          </a:fontRef>
+        </p:style>
+        <p:txBody>
+          <a:bodyPr wrap="square" rtlCol="0" anchor="ctr">
+            <a:noAutofit/>
+          </a:bodyPr>
+          <a:lstStyle/>
+          <a:p>
+            <a:pPr algn="ctr"/>
+            <a:endParaRPr lang="en-US" dirty="0"/>
+          </a:p>
+        </p:txBody>
+      </p:sp>
+      <p:sp>
+        <p:nvSpPr>
+          <p:cNvPr id="17" name="Isosceles Triangle 16">
+            <a:extLst>
+              <a:ext uri="{FF2B5EF4-FFF2-40B4-BE49-F238E27FC236}">
+                <a16:creationId xmlns:a16="http://schemas.microsoft.com/office/drawing/2014/main" id="{FF9F2414-84E8-453E-B1F3-389FDE8192D9}"/>
+              </a:ext>
+              <a:ext uri="{C183D7F6-B498-43B3-948B-1728B52AA6E4}">
+                <adec:decorative xmlns:adec="http://schemas.microsoft.com/office/drawing/2017/decorative" val="1"/>
+              </a:ext>
+            </a:extLst>
+          </p:cNvPr>
+          <p:cNvSpPr>
+            <a:spLocks noGrp="1" noRot="1" noChangeAspect="1" noMove="1" noResize="1" noEditPoints="1" noAdjustHandles="1" noChangeArrowheads="1" noChangeShapeType="1" noTextEdit="1"/>
+          </p:cNvSpPr>
+          <p:nvPr>
+            <p:extLst>
+              <p:ext uri="{386F3935-93C4-4BCD-93E2-E3B085C9AB24}">
+                <p16:designElem xmlns:p16="http://schemas.microsoft.com/office/powerpoint/2015/main" val="1"/>
+              </p:ext>
+            </p:extLst>
+          </p:nvPr>
+        </p:nvSpPr>
+        <p:spPr>
+          <a:xfrm flipH="1">
+            <a:off x="7976344" y="6115501"/>
+            <a:ext cx="1494513" cy="742499"/>
+          </a:xfrm>
+          <a:prstGeom prst="triangle">
+            <a:avLst/>
+          </a:prstGeom>
+          <a:solidFill>
+            <a:schemeClr val="accent1">
+              <a:alpha val="30000"/>
+            </a:schemeClr>
+          </a:solidFill>
+          <a:ln>
+            <a:noFill/>
+          </a:ln>
+        </p:spPr>
+        <p:style>
+          <a:lnRef idx="2">
+            <a:schemeClr val="accent1">
+              <a:shade val="50000"/>
+            </a:schemeClr>
+          </a:lnRef>
+          <a:fillRef idx="1">
+            <a:schemeClr val="accent1"/>
+          </a:fillRef>
+          <a:effectRef idx="0">
+            <a:schemeClr val="accent1"/>
+          </a:effectRef>
+          <a:fontRef idx="minor">
+            <a:schemeClr val="lt1"/>
+          </a:fontRef>
+        </p:style>
+        <p:txBody>
+          <a:bodyPr rtlCol="0" anchor="ctr"/>
+          <a:lstStyle/>
+          <a:p>
+            <a:pPr algn="ctr"/>
+            <a:endParaRPr lang="en-US"/>
+          </a:p>
+        </p:txBody>
+      </p:sp>
+      <p:pic>
+        <p:nvPicPr>
+          <p:cNvPr id="2" name="Picture 1">
+            <a:extLst>
+              <a:ext uri="{FF2B5EF4-FFF2-40B4-BE49-F238E27FC236}">
+                <a16:creationId xmlns:a16="http://schemas.microsoft.com/office/drawing/2014/main" id="{2A15B86D-5B5D-4B1D-9627-47DC9E1D6C63}"/>
+              </a:ext>
+            </a:extLst>
+          </p:cNvPr>
+          <p:cNvPicPr/>
+          <p:nvPr/>
+        </p:nvPicPr>
+        <p:blipFill>
+          <a:blip r:embed="rId2">
+            <a:extLst>
+              <a:ext uri="{28A0092B-C50C-407E-A947-70E740481C1C}">
+                <a14:useLocalDpi xmlns:a14="http://schemas.microsoft.com/office/drawing/2010/main" val="0"/>
+              </a:ext>
+            </a:extLst>
+          </a:blip>
+          <a:stretch>
+            <a:fillRect/>
+          </a:stretch>
+        </p:blipFill>
+        <p:spPr bwMode="auto">
+          <a:xfrm>
+            <a:off x="1855361" y="258052"/>
+            <a:ext cx="8406239" cy="6599948"/>
+          </a:xfrm>
+          <a:prstGeom prst="rect">
+            <a:avLst/>
+          </a:prstGeom>
+          <a:noFill/>
+          <a:ln>
+            <a:noFill/>
+          </a:ln>
+        </p:spPr>
+      </p:pic>
+      <p:sp>
+        <p:nvSpPr>
+          <p:cNvPr id="19" name="Isosceles Triangle 18">
+            <a:extLst>
+              <a:ext uri="{FF2B5EF4-FFF2-40B4-BE49-F238E27FC236}">
+                <a16:creationId xmlns:a16="http://schemas.microsoft.com/office/drawing/2014/main" id="{3ECA69A1-7536-43AC-85EF-C7106179F5ED}"/>
+              </a:ext>
+              <a:ext uri="{C183D7F6-B498-43B3-948B-1728B52AA6E4}">
+                <adec:decorative xmlns:adec="http://schemas.microsoft.com/office/drawing/2017/decorative" val="1"/>
+              </a:ext>
+            </a:extLst>
+          </p:cNvPr>
+          <p:cNvSpPr>
+            <a:spLocks noGrp="1" noRot="1" noChangeAspect="1" noMove="1" noResize="1" noEditPoints="1" noAdjustHandles="1" noChangeArrowheads="1" noChangeShapeType="1" noTextEdit="1"/>
+          </p:cNvSpPr>
+          <p:nvPr>
+            <p:extLst>
+              <p:ext uri="{386F3935-93C4-4BCD-93E2-E3B085C9AB24}">
+                <p16:designElem xmlns:p16="http://schemas.microsoft.com/office/powerpoint/2015/main" val="1"/>
+              </p:ext>
+            </p:extLst>
+          </p:nvPr>
+        </p:nvSpPr>
+        <p:spPr>
+          <a:xfrm flipH="1">
+            <a:off x="7604080" y="6453143"/>
+            <a:ext cx="814903" cy="404857"/>
+          </a:xfrm>
+          <a:prstGeom prst="triangle">
+            <a:avLst/>
+          </a:prstGeom>
+          <a:solidFill>
+            <a:schemeClr val="accent1">
+              <a:alpha val="30000"/>
+            </a:schemeClr>
+          </a:solidFill>
+          <a:ln>
+            <a:noFill/>
+          </a:ln>
+        </p:spPr>
+        <p:style>
+          <a:lnRef idx="2">
+            <a:schemeClr val="accent1">
+              <a:shade val="50000"/>
+            </a:schemeClr>
+          </a:lnRef>
+          <a:fillRef idx="1">
+            <a:schemeClr val="accent1"/>
+          </a:fillRef>
+          <a:effectRef idx="0">
+            <a:schemeClr val="accent1"/>
+          </a:effectRef>
+          <a:fontRef idx="minor">
+            <a:schemeClr val="lt1"/>
+          </a:fontRef>
+        </p:style>
+        <p:txBody>
+          <a:bodyPr rtlCol="0" anchor="ctr"/>
+          <a:lstStyle/>
+          <a:p>
+            <a:pPr algn="ctr"/>
+            <a:endParaRPr lang="en-US"/>
+          </a:p>
+        </p:txBody>
+      </p:sp>
+    </p:spTree>
+    <p:extLst>
+      <p:ext uri="{BB962C8B-B14F-4D97-AF65-F5344CB8AC3E}">
         <p14:creationId xmlns:p14="http://schemas.microsoft.com/office/powerpoint/2010/main" val="731437073"/>
       </p:ext>
     </p:extLst>
@@ -8397,7 +9657,7 @@
 </p:sld>
 </file>
 
-<file path=ppt/slides/slide11.xml><?xml version="1.0" encoding="utf-8"?>
+<file path=ppt/slides/slide13.xml><?xml version="1.0" encoding="utf-8"?>
 <p:sld xmlns:a="http://schemas.openxmlformats.org/drawingml/2006/main" xmlns:r="http://schemas.openxmlformats.org/officeDocument/2006/relationships" xmlns:p="http://schemas.openxmlformats.org/presentationml/2006/main">
   <p:cSld>
     <p:spTree>
@@ -9071,7 +10331,7 @@
 </p:sld>
 </file>
 
-<file path=ppt/slides/slide12.xml><?xml version="1.0" encoding="utf-8"?>
+<file path=ppt/slides/slide14.xml><?xml version="1.0" encoding="utf-8"?>
 <p:sld xmlns:a="http://schemas.openxmlformats.org/drawingml/2006/main" xmlns:r="http://schemas.openxmlformats.org/officeDocument/2006/relationships" xmlns:p="http://schemas.openxmlformats.org/presentationml/2006/main">
   <p:cSld>
     <p:bg>
@@ -9755,7 +11015,7 @@
 </p:sld>
 </file>
 
-<file path=ppt/slides/slide13.xml><?xml version="1.0" encoding="utf-8"?>
+<file path=ppt/slides/slide15.xml><?xml version="1.0" encoding="utf-8"?>
 <p:sld xmlns:a="http://schemas.openxmlformats.org/drawingml/2006/main" xmlns:r="http://schemas.openxmlformats.org/officeDocument/2006/relationships" xmlns:p="http://schemas.openxmlformats.org/presentationml/2006/main">
   <p:cSld>
     <p:bg>
@@ -10377,7 +11637,7 @@
 </p:sld>
 </file>
 
-<file path=ppt/slides/slide14.xml><?xml version="1.0" encoding="utf-8"?>
+<file path=ppt/slides/slide16.xml><?xml version="1.0" encoding="utf-8"?>
 <p:sld xmlns:a="http://schemas.openxmlformats.org/drawingml/2006/main" xmlns:r="http://schemas.openxmlformats.org/officeDocument/2006/relationships" xmlns:p="http://schemas.openxmlformats.org/presentationml/2006/main">
   <p:cSld>
     <p:bg>
@@ -11002,7 +12262,7 @@
 </p:sld>
 </file>
 
-<file path=ppt/slides/slide15.xml><?xml version="1.0" encoding="utf-8"?>
+<file path=ppt/slides/slide17.xml><?xml version="1.0" encoding="utf-8"?>
 <p:sld xmlns:a="http://schemas.openxmlformats.org/drawingml/2006/main" xmlns:r="http://schemas.openxmlformats.org/officeDocument/2006/relationships" xmlns:p="http://schemas.openxmlformats.org/presentationml/2006/main">
   <p:cSld>
     <p:spTree>
@@ -11067,7 +12327,7 @@
 </p:sld>
 </file>
 
-<file path=ppt/slides/slide16.xml><?xml version="1.0" encoding="utf-8"?>
+<file path=ppt/slides/slide18.xml><?xml version="1.0" encoding="utf-8"?>
 <p:sld xmlns:a="http://schemas.openxmlformats.org/drawingml/2006/main" xmlns:r="http://schemas.openxmlformats.org/officeDocument/2006/relationships" xmlns:p="http://schemas.openxmlformats.org/presentationml/2006/main">
   <p:cSld>
     <p:bg>
@@ -11270,7 +12530,7 @@
 </p:sld>
 </file>
 
-<file path=ppt/slides/slide17.xml><?xml version="1.0" encoding="utf-8"?>
+<file path=ppt/slides/slide19.xml><?xml version="1.0" encoding="utf-8"?>
 <p:sld xmlns:a="http://schemas.openxmlformats.org/drawingml/2006/main" xmlns:r="http://schemas.openxmlformats.org/officeDocument/2006/relationships" xmlns:p="http://schemas.openxmlformats.org/presentationml/2006/main">
   <p:cSld>
     <p:bg>
@@ -12524,10 +13784,1760 @@
       </p:grpSpPr>
       <p:pic>
         <p:nvPicPr>
-          <p:cNvPr id="2052" name="Picture 4" descr="Image result for icon desktop">
-            <a:extLst>
-              <a:ext uri="{FF2B5EF4-FFF2-40B4-BE49-F238E27FC236}">
-                <a16:creationId xmlns:a16="http://schemas.microsoft.com/office/drawing/2014/main" id="{4A7FA84B-2BAA-4180-B7C6-B9EC72DEC090}"/>
+          <p:cNvPr id="3" name="Picture 2" descr="Text&#10;&#10;Description automatically generated">
+            <a:extLst>
+              <a:ext uri="{FF2B5EF4-FFF2-40B4-BE49-F238E27FC236}">
+                <a16:creationId xmlns:a16="http://schemas.microsoft.com/office/drawing/2014/main" id="{65986690-4DF0-414D-8210-2C0BF2AE55DC}"/>
+              </a:ext>
+            </a:extLst>
+          </p:cNvPr>
+          <p:cNvPicPr>
+            <a:picLocks noChangeAspect="1"/>
+          </p:cNvPicPr>
+          <p:nvPr/>
+        </p:nvPicPr>
+        <p:blipFill>
+          <a:blip r:embed="rId2">
+            <a:extLst>
+              <a:ext uri="{28A0092B-C50C-407E-A947-70E740481C1C}">
+                <a14:useLocalDpi xmlns:a14="http://schemas.microsoft.com/office/drawing/2010/main" val="0"/>
+              </a:ext>
+            </a:extLst>
+          </a:blip>
+          <a:stretch>
+            <a:fillRect/>
+          </a:stretch>
+        </p:blipFill>
+        <p:spPr>
+          <a:xfrm>
+            <a:off x="2572294" y="0"/>
+            <a:ext cx="7047411" cy="6858000"/>
+          </a:xfrm>
+          <a:prstGeom prst="rect">
+            <a:avLst/>
+          </a:prstGeom>
+        </p:spPr>
+      </p:pic>
+      <p:sp>
+        <p:nvSpPr>
+          <p:cNvPr id="5" name="Arrow: Pentagon 4">
+            <a:extLst>
+              <a:ext uri="{FF2B5EF4-FFF2-40B4-BE49-F238E27FC236}">
+                <a16:creationId xmlns:a16="http://schemas.microsoft.com/office/drawing/2014/main" id="{4265F659-B584-4C5A-B83B-AC2B5D078066}"/>
+              </a:ext>
+            </a:extLst>
+          </p:cNvPr>
+          <p:cNvSpPr/>
+          <p:nvPr/>
+        </p:nvSpPr>
+        <p:spPr>
+          <a:xfrm>
+            <a:off x="333374" y="438150"/>
+            <a:ext cx="2085975" cy="571500"/>
+          </a:xfrm>
+          <a:prstGeom prst="homePlate">
+            <a:avLst/>
+          </a:prstGeom>
+        </p:spPr>
+        <p:style>
+          <a:lnRef idx="2">
+            <a:schemeClr val="accent1">
+              <a:shade val="50000"/>
+            </a:schemeClr>
+          </a:lnRef>
+          <a:fillRef idx="1">
+            <a:schemeClr val="accent1"/>
+          </a:fillRef>
+          <a:effectRef idx="0">
+            <a:schemeClr val="accent1"/>
+          </a:effectRef>
+          <a:fontRef idx="minor">
+            <a:schemeClr val="lt1"/>
+          </a:fontRef>
+        </p:style>
+        <p:txBody>
+          <a:bodyPr rtlCol="0" anchor="ctr"/>
+          <a:lstStyle/>
+          <a:p>
+            <a:pPr algn="ctr"/>
+            <a:r>
+              <a:rPr lang="en-US" dirty="0"/>
+              <a:t>MENGUMPULKAN</a:t>
+            </a:r>
+          </a:p>
+        </p:txBody>
+      </p:sp>
+      <p:sp>
+        <p:nvSpPr>
+          <p:cNvPr id="7" name="Arrow: Pentagon 6">
+            <a:extLst>
+              <a:ext uri="{FF2B5EF4-FFF2-40B4-BE49-F238E27FC236}">
+                <a16:creationId xmlns:a16="http://schemas.microsoft.com/office/drawing/2014/main" id="{12F8D2A5-5AC6-4A3F-A539-9ED024A97DA4}"/>
+              </a:ext>
+            </a:extLst>
+          </p:cNvPr>
+          <p:cNvSpPr/>
+          <p:nvPr/>
+        </p:nvSpPr>
+        <p:spPr>
+          <a:xfrm>
+            <a:off x="333373" y="2924175"/>
+            <a:ext cx="2085975" cy="571500"/>
+          </a:xfrm>
+          <a:prstGeom prst="homePlate">
+            <a:avLst/>
+          </a:prstGeom>
+        </p:spPr>
+        <p:style>
+          <a:lnRef idx="2">
+            <a:schemeClr val="accent1">
+              <a:shade val="50000"/>
+            </a:schemeClr>
+          </a:lnRef>
+          <a:fillRef idx="1">
+            <a:schemeClr val="accent1"/>
+          </a:fillRef>
+          <a:effectRef idx="0">
+            <a:schemeClr val="accent1"/>
+          </a:effectRef>
+          <a:fontRef idx="minor">
+            <a:schemeClr val="lt1"/>
+          </a:fontRef>
+        </p:style>
+        <p:txBody>
+          <a:bodyPr rtlCol="0" anchor="ctr"/>
+          <a:lstStyle/>
+          <a:p>
+            <a:pPr algn="ctr"/>
+            <a:r>
+              <a:rPr lang="en-US" dirty="0"/>
+              <a:t>MENGIRIMKAN</a:t>
+            </a:r>
+          </a:p>
+        </p:txBody>
+      </p:sp>
+      <p:sp>
+        <p:nvSpPr>
+          <p:cNvPr id="9" name="Arrow: Pentagon 8">
+            <a:extLst>
+              <a:ext uri="{FF2B5EF4-FFF2-40B4-BE49-F238E27FC236}">
+                <a16:creationId xmlns:a16="http://schemas.microsoft.com/office/drawing/2014/main" id="{3963FF00-30B8-4E50-9694-11CCCEB96CBD}"/>
+              </a:ext>
+            </a:extLst>
+          </p:cNvPr>
+          <p:cNvSpPr/>
+          <p:nvPr/>
+        </p:nvSpPr>
+        <p:spPr>
+          <a:xfrm>
+            <a:off x="333372" y="5105400"/>
+            <a:ext cx="2085975" cy="571500"/>
+          </a:xfrm>
+          <a:prstGeom prst="homePlate">
+            <a:avLst/>
+          </a:prstGeom>
+        </p:spPr>
+        <p:style>
+          <a:lnRef idx="2">
+            <a:schemeClr val="accent1">
+              <a:shade val="50000"/>
+            </a:schemeClr>
+          </a:lnRef>
+          <a:fillRef idx="1">
+            <a:schemeClr val="accent1"/>
+          </a:fillRef>
+          <a:effectRef idx="0">
+            <a:schemeClr val="accent1"/>
+          </a:effectRef>
+          <a:fontRef idx="minor">
+            <a:schemeClr val="lt1"/>
+          </a:fontRef>
+        </p:style>
+        <p:txBody>
+          <a:bodyPr rtlCol="0" anchor="ctr"/>
+          <a:lstStyle/>
+          <a:p>
+            <a:pPr algn="ctr"/>
+            <a:r>
+              <a:rPr lang="en-US" dirty="0"/>
+              <a:t>MEMPROSES</a:t>
+            </a:r>
+          </a:p>
+        </p:txBody>
+      </p:sp>
+      <p:sp>
+        <p:nvSpPr>
+          <p:cNvPr id="11" name="Arrow: Pentagon 10">
+            <a:extLst>
+              <a:ext uri="{FF2B5EF4-FFF2-40B4-BE49-F238E27FC236}">
+                <a16:creationId xmlns:a16="http://schemas.microsoft.com/office/drawing/2014/main" id="{C97EFB7C-EF10-4558-827F-235D020CAB78}"/>
+              </a:ext>
+            </a:extLst>
+          </p:cNvPr>
+          <p:cNvSpPr/>
+          <p:nvPr/>
+        </p:nvSpPr>
+        <p:spPr>
+          <a:xfrm>
+            <a:off x="9772650" y="742950"/>
+            <a:ext cx="2085975" cy="571500"/>
+          </a:xfrm>
+          <a:prstGeom prst="homePlate">
+            <a:avLst/>
+          </a:prstGeom>
+        </p:spPr>
+        <p:style>
+          <a:lnRef idx="2">
+            <a:schemeClr val="accent1">
+              <a:shade val="50000"/>
+            </a:schemeClr>
+          </a:lnRef>
+          <a:fillRef idx="1">
+            <a:schemeClr val="accent1"/>
+          </a:fillRef>
+          <a:effectRef idx="0">
+            <a:schemeClr val="accent1"/>
+          </a:effectRef>
+          <a:fontRef idx="minor">
+            <a:schemeClr val="lt1"/>
+          </a:fontRef>
+        </p:style>
+        <p:txBody>
+          <a:bodyPr rtlCol="0" anchor="ctr"/>
+          <a:lstStyle/>
+          <a:p>
+            <a:pPr algn="ctr"/>
+            <a:r>
+              <a:rPr lang="en-US" dirty="0"/>
+              <a:t>MENAMPILKAN</a:t>
+            </a:r>
+          </a:p>
+        </p:txBody>
+      </p:sp>
+      <p:sp>
+        <p:nvSpPr>
+          <p:cNvPr id="12" name="Arrow: Pentagon 11">
+            <a:extLst>
+              <a:ext uri="{FF2B5EF4-FFF2-40B4-BE49-F238E27FC236}">
+                <a16:creationId xmlns:a16="http://schemas.microsoft.com/office/drawing/2014/main" id="{77F445C9-A821-481A-92C8-E6AB0110B4D5}"/>
+              </a:ext>
+            </a:extLst>
+          </p:cNvPr>
+          <p:cNvSpPr/>
+          <p:nvPr/>
+        </p:nvSpPr>
+        <p:spPr>
+          <a:xfrm>
+            <a:off x="9772650" y="3429000"/>
+            <a:ext cx="2085975" cy="571500"/>
+          </a:xfrm>
+          <a:prstGeom prst="homePlate">
+            <a:avLst/>
+          </a:prstGeom>
+        </p:spPr>
+        <p:style>
+          <a:lnRef idx="2">
+            <a:schemeClr val="accent1">
+              <a:shade val="50000"/>
+            </a:schemeClr>
+          </a:lnRef>
+          <a:fillRef idx="1">
+            <a:schemeClr val="accent1"/>
+          </a:fillRef>
+          <a:effectRef idx="0">
+            <a:schemeClr val="accent1"/>
+          </a:effectRef>
+          <a:fontRef idx="minor">
+            <a:schemeClr val="lt1"/>
+          </a:fontRef>
+        </p:style>
+        <p:txBody>
+          <a:bodyPr rtlCol="0" anchor="ctr"/>
+          <a:lstStyle/>
+          <a:p>
+            <a:pPr algn="ctr"/>
+            <a:r>
+              <a:rPr lang="en-US" dirty="0"/>
+              <a:t>MENGANALISIS</a:t>
+            </a:r>
+          </a:p>
+        </p:txBody>
+      </p:sp>
+    </p:spTree>
+    <p:extLst>
+      <p:ext uri="{BB962C8B-B14F-4D97-AF65-F5344CB8AC3E}">
+        <p14:creationId xmlns:p14="http://schemas.microsoft.com/office/powerpoint/2010/main" val="1418579236"/>
+      </p:ext>
+    </p:extLst>
+  </p:cSld>
+  <p:clrMapOvr>
+    <a:masterClrMapping/>
+  </p:clrMapOvr>
+  <p:transition spd="slow">
+    <p:wipe/>
+  </p:transition>
+  <p:timing>
+    <p:tnLst>
+      <p:par>
+        <p:cTn id="1" dur="indefinite" restart="never" nodeType="tmRoot">
+          <p:childTnLst>
+            <p:seq concurrent="1" nextAc="seek">
+              <p:cTn id="2" dur="indefinite" nodeType="mainSeq">
+                <p:childTnLst>
+                  <p:par>
+                    <p:cTn id="3" fill="hold">
+                      <p:stCondLst>
+                        <p:cond delay="indefinite"/>
+                      </p:stCondLst>
+                      <p:childTnLst>
+                        <p:par>
+                          <p:cTn id="4" fill="hold">
+                            <p:stCondLst>
+                              <p:cond delay="0"/>
+                            </p:stCondLst>
+                            <p:childTnLst>
+                              <p:par>
+                                <p:cTn id="5" presetID="42" presetClass="entr" presetSubtype="0" fill="hold" grpId="0" nodeType="clickEffect">
+                                  <p:stCondLst>
+                                    <p:cond delay="0"/>
+                                  </p:stCondLst>
+                                  <p:childTnLst>
+                                    <p:set>
+                                      <p:cBhvr>
+                                        <p:cTn id="6" dur="1" fill="hold">
+                                          <p:stCondLst>
+                                            <p:cond delay="0"/>
+                                          </p:stCondLst>
+                                        </p:cTn>
+                                        <p:tgtEl>
+                                          <p:spTgt spid="5"/>
+                                        </p:tgtEl>
+                                        <p:attrNameLst>
+                                          <p:attrName>style.visibility</p:attrName>
+                                        </p:attrNameLst>
+                                      </p:cBhvr>
+                                      <p:to>
+                                        <p:strVal val="visible"/>
+                                      </p:to>
+                                    </p:set>
+                                    <p:animEffect transition="in" filter="fade">
+                                      <p:cBhvr>
+                                        <p:cTn id="7" dur="1000"/>
+                                        <p:tgtEl>
+                                          <p:spTgt spid="5"/>
+                                        </p:tgtEl>
+                                      </p:cBhvr>
+                                    </p:animEffect>
+                                    <p:anim calcmode="lin" valueType="num">
+                                      <p:cBhvr>
+                                        <p:cTn id="8" dur="1000" fill="hold"/>
+                                        <p:tgtEl>
+                                          <p:spTgt spid="5"/>
+                                        </p:tgtEl>
+                                        <p:attrNameLst>
+                                          <p:attrName>ppt_x</p:attrName>
+                                        </p:attrNameLst>
+                                      </p:cBhvr>
+                                      <p:tavLst>
+                                        <p:tav tm="0">
+                                          <p:val>
+                                            <p:strVal val="#ppt_x"/>
+                                          </p:val>
+                                        </p:tav>
+                                        <p:tav tm="100000">
+                                          <p:val>
+                                            <p:strVal val="#ppt_x"/>
+                                          </p:val>
+                                        </p:tav>
+                                      </p:tavLst>
+                                    </p:anim>
+                                    <p:anim calcmode="lin" valueType="num">
+                                      <p:cBhvr>
+                                        <p:cTn id="9" dur="1000" fill="hold"/>
+                                        <p:tgtEl>
+                                          <p:spTgt spid="5"/>
+                                        </p:tgtEl>
+                                        <p:attrNameLst>
+                                          <p:attrName>ppt_y</p:attrName>
+                                        </p:attrNameLst>
+                                      </p:cBhvr>
+                                      <p:tavLst>
+                                        <p:tav tm="0">
+                                          <p:val>
+                                            <p:strVal val="#ppt_y+.1"/>
+                                          </p:val>
+                                        </p:tav>
+                                        <p:tav tm="100000">
+                                          <p:val>
+                                            <p:strVal val="#ppt_y"/>
+                                          </p:val>
+                                        </p:tav>
+                                      </p:tavLst>
+                                    </p:anim>
+                                  </p:childTnLst>
+                                </p:cTn>
+                              </p:par>
+                            </p:childTnLst>
+                          </p:cTn>
+                        </p:par>
+                      </p:childTnLst>
+                    </p:cTn>
+                  </p:par>
+                  <p:par>
+                    <p:cTn id="10" fill="hold">
+                      <p:stCondLst>
+                        <p:cond delay="indefinite"/>
+                      </p:stCondLst>
+                      <p:childTnLst>
+                        <p:par>
+                          <p:cTn id="11" fill="hold">
+                            <p:stCondLst>
+                              <p:cond delay="0"/>
+                            </p:stCondLst>
+                            <p:childTnLst>
+                              <p:par>
+                                <p:cTn id="12" presetID="42" presetClass="entr" presetSubtype="0" fill="hold" grpId="0" nodeType="clickEffect">
+                                  <p:stCondLst>
+                                    <p:cond delay="0"/>
+                                  </p:stCondLst>
+                                  <p:childTnLst>
+                                    <p:set>
+                                      <p:cBhvr>
+                                        <p:cTn id="13" dur="1" fill="hold">
+                                          <p:stCondLst>
+                                            <p:cond delay="0"/>
+                                          </p:stCondLst>
+                                        </p:cTn>
+                                        <p:tgtEl>
+                                          <p:spTgt spid="7"/>
+                                        </p:tgtEl>
+                                        <p:attrNameLst>
+                                          <p:attrName>style.visibility</p:attrName>
+                                        </p:attrNameLst>
+                                      </p:cBhvr>
+                                      <p:to>
+                                        <p:strVal val="visible"/>
+                                      </p:to>
+                                    </p:set>
+                                    <p:animEffect transition="in" filter="fade">
+                                      <p:cBhvr>
+                                        <p:cTn id="14" dur="1000"/>
+                                        <p:tgtEl>
+                                          <p:spTgt spid="7"/>
+                                        </p:tgtEl>
+                                      </p:cBhvr>
+                                    </p:animEffect>
+                                    <p:anim calcmode="lin" valueType="num">
+                                      <p:cBhvr>
+                                        <p:cTn id="15" dur="1000" fill="hold"/>
+                                        <p:tgtEl>
+                                          <p:spTgt spid="7"/>
+                                        </p:tgtEl>
+                                        <p:attrNameLst>
+                                          <p:attrName>ppt_x</p:attrName>
+                                        </p:attrNameLst>
+                                      </p:cBhvr>
+                                      <p:tavLst>
+                                        <p:tav tm="0">
+                                          <p:val>
+                                            <p:strVal val="#ppt_x"/>
+                                          </p:val>
+                                        </p:tav>
+                                        <p:tav tm="100000">
+                                          <p:val>
+                                            <p:strVal val="#ppt_x"/>
+                                          </p:val>
+                                        </p:tav>
+                                      </p:tavLst>
+                                    </p:anim>
+                                    <p:anim calcmode="lin" valueType="num">
+                                      <p:cBhvr>
+                                        <p:cTn id="16" dur="1000" fill="hold"/>
+                                        <p:tgtEl>
+                                          <p:spTgt spid="7"/>
+                                        </p:tgtEl>
+                                        <p:attrNameLst>
+                                          <p:attrName>ppt_y</p:attrName>
+                                        </p:attrNameLst>
+                                      </p:cBhvr>
+                                      <p:tavLst>
+                                        <p:tav tm="0">
+                                          <p:val>
+                                            <p:strVal val="#ppt_y+.1"/>
+                                          </p:val>
+                                        </p:tav>
+                                        <p:tav tm="100000">
+                                          <p:val>
+                                            <p:strVal val="#ppt_y"/>
+                                          </p:val>
+                                        </p:tav>
+                                      </p:tavLst>
+                                    </p:anim>
+                                  </p:childTnLst>
+                                </p:cTn>
+                              </p:par>
+                            </p:childTnLst>
+                          </p:cTn>
+                        </p:par>
+                      </p:childTnLst>
+                    </p:cTn>
+                  </p:par>
+                  <p:par>
+                    <p:cTn id="17" fill="hold">
+                      <p:stCondLst>
+                        <p:cond delay="indefinite"/>
+                      </p:stCondLst>
+                      <p:childTnLst>
+                        <p:par>
+                          <p:cTn id="18" fill="hold">
+                            <p:stCondLst>
+                              <p:cond delay="0"/>
+                            </p:stCondLst>
+                            <p:childTnLst>
+                              <p:par>
+                                <p:cTn id="19" presetID="42" presetClass="entr" presetSubtype="0" fill="hold" grpId="0" nodeType="clickEffect">
+                                  <p:stCondLst>
+                                    <p:cond delay="0"/>
+                                  </p:stCondLst>
+                                  <p:childTnLst>
+                                    <p:set>
+                                      <p:cBhvr>
+                                        <p:cTn id="20" dur="1" fill="hold">
+                                          <p:stCondLst>
+                                            <p:cond delay="0"/>
+                                          </p:stCondLst>
+                                        </p:cTn>
+                                        <p:tgtEl>
+                                          <p:spTgt spid="9"/>
+                                        </p:tgtEl>
+                                        <p:attrNameLst>
+                                          <p:attrName>style.visibility</p:attrName>
+                                        </p:attrNameLst>
+                                      </p:cBhvr>
+                                      <p:to>
+                                        <p:strVal val="visible"/>
+                                      </p:to>
+                                    </p:set>
+                                    <p:animEffect transition="in" filter="fade">
+                                      <p:cBhvr>
+                                        <p:cTn id="21" dur="1000"/>
+                                        <p:tgtEl>
+                                          <p:spTgt spid="9"/>
+                                        </p:tgtEl>
+                                      </p:cBhvr>
+                                    </p:animEffect>
+                                    <p:anim calcmode="lin" valueType="num">
+                                      <p:cBhvr>
+                                        <p:cTn id="22" dur="1000" fill="hold"/>
+                                        <p:tgtEl>
+                                          <p:spTgt spid="9"/>
+                                        </p:tgtEl>
+                                        <p:attrNameLst>
+                                          <p:attrName>ppt_x</p:attrName>
+                                        </p:attrNameLst>
+                                      </p:cBhvr>
+                                      <p:tavLst>
+                                        <p:tav tm="0">
+                                          <p:val>
+                                            <p:strVal val="#ppt_x"/>
+                                          </p:val>
+                                        </p:tav>
+                                        <p:tav tm="100000">
+                                          <p:val>
+                                            <p:strVal val="#ppt_x"/>
+                                          </p:val>
+                                        </p:tav>
+                                      </p:tavLst>
+                                    </p:anim>
+                                    <p:anim calcmode="lin" valueType="num">
+                                      <p:cBhvr>
+                                        <p:cTn id="23" dur="1000" fill="hold"/>
+                                        <p:tgtEl>
+                                          <p:spTgt spid="9"/>
+                                        </p:tgtEl>
+                                        <p:attrNameLst>
+                                          <p:attrName>ppt_y</p:attrName>
+                                        </p:attrNameLst>
+                                      </p:cBhvr>
+                                      <p:tavLst>
+                                        <p:tav tm="0">
+                                          <p:val>
+                                            <p:strVal val="#ppt_y+.1"/>
+                                          </p:val>
+                                        </p:tav>
+                                        <p:tav tm="100000">
+                                          <p:val>
+                                            <p:strVal val="#ppt_y"/>
+                                          </p:val>
+                                        </p:tav>
+                                      </p:tavLst>
+                                    </p:anim>
+                                  </p:childTnLst>
+                                </p:cTn>
+                              </p:par>
+                            </p:childTnLst>
+                          </p:cTn>
+                        </p:par>
+                      </p:childTnLst>
+                    </p:cTn>
+                  </p:par>
+                  <p:par>
+                    <p:cTn id="24" fill="hold">
+                      <p:stCondLst>
+                        <p:cond delay="indefinite"/>
+                      </p:stCondLst>
+                      <p:childTnLst>
+                        <p:par>
+                          <p:cTn id="25" fill="hold">
+                            <p:stCondLst>
+                              <p:cond delay="0"/>
+                            </p:stCondLst>
+                            <p:childTnLst>
+                              <p:par>
+                                <p:cTn id="26" presetID="42" presetClass="entr" presetSubtype="0" fill="hold" grpId="0" nodeType="clickEffect">
+                                  <p:stCondLst>
+                                    <p:cond delay="0"/>
+                                  </p:stCondLst>
+                                  <p:childTnLst>
+                                    <p:set>
+                                      <p:cBhvr>
+                                        <p:cTn id="27" dur="1" fill="hold">
+                                          <p:stCondLst>
+                                            <p:cond delay="0"/>
+                                          </p:stCondLst>
+                                        </p:cTn>
+                                        <p:tgtEl>
+                                          <p:spTgt spid="11"/>
+                                        </p:tgtEl>
+                                        <p:attrNameLst>
+                                          <p:attrName>style.visibility</p:attrName>
+                                        </p:attrNameLst>
+                                      </p:cBhvr>
+                                      <p:to>
+                                        <p:strVal val="visible"/>
+                                      </p:to>
+                                    </p:set>
+                                    <p:animEffect transition="in" filter="fade">
+                                      <p:cBhvr>
+                                        <p:cTn id="28" dur="1000"/>
+                                        <p:tgtEl>
+                                          <p:spTgt spid="11"/>
+                                        </p:tgtEl>
+                                      </p:cBhvr>
+                                    </p:animEffect>
+                                    <p:anim calcmode="lin" valueType="num">
+                                      <p:cBhvr>
+                                        <p:cTn id="29" dur="1000" fill="hold"/>
+                                        <p:tgtEl>
+                                          <p:spTgt spid="11"/>
+                                        </p:tgtEl>
+                                        <p:attrNameLst>
+                                          <p:attrName>ppt_x</p:attrName>
+                                        </p:attrNameLst>
+                                      </p:cBhvr>
+                                      <p:tavLst>
+                                        <p:tav tm="0">
+                                          <p:val>
+                                            <p:strVal val="#ppt_x"/>
+                                          </p:val>
+                                        </p:tav>
+                                        <p:tav tm="100000">
+                                          <p:val>
+                                            <p:strVal val="#ppt_x"/>
+                                          </p:val>
+                                        </p:tav>
+                                      </p:tavLst>
+                                    </p:anim>
+                                    <p:anim calcmode="lin" valueType="num">
+                                      <p:cBhvr>
+                                        <p:cTn id="30" dur="1000" fill="hold"/>
+                                        <p:tgtEl>
+                                          <p:spTgt spid="11"/>
+                                        </p:tgtEl>
+                                        <p:attrNameLst>
+                                          <p:attrName>ppt_y</p:attrName>
+                                        </p:attrNameLst>
+                                      </p:cBhvr>
+                                      <p:tavLst>
+                                        <p:tav tm="0">
+                                          <p:val>
+                                            <p:strVal val="#ppt_y+.1"/>
+                                          </p:val>
+                                        </p:tav>
+                                        <p:tav tm="100000">
+                                          <p:val>
+                                            <p:strVal val="#ppt_y"/>
+                                          </p:val>
+                                        </p:tav>
+                                      </p:tavLst>
+                                    </p:anim>
+                                  </p:childTnLst>
+                                </p:cTn>
+                              </p:par>
+                            </p:childTnLst>
+                          </p:cTn>
+                        </p:par>
+                      </p:childTnLst>
+                    </p:cTn>
+                  </p:par>
+                  <p:par>
+                    <p:cTn id="31" fill="hold">
+                      <p:stCondLst>
+                        <p:cond delay="indefinite"/>
+                      </p:stCondLst>
+                      <p:childTnLst>
+                        <p:par>
+                          <p:cTn id="32" fill="hold">
+                            <p:stCondLst>
+                              <p:cond delay="0"/>
+                            </p:stCondLst>
+                            <p:childTnLst>
+                              <p:par>
+                                <p:cTn id="33" presetID="42" presetClass="entr" presetSubtype="0" fill="hold" grpId="0" nodeType="clickEffect">
+                                  <p:stCondLst>
+                                    <p:cond delay="0"/>
+                                  </p:stCondLst>
+                                  <p:childTnLst>
+                                    <p:set>
+                                      <p:cBhvr>
+                                        <p:cTn id="34" dur="1" fill="hold">
+                                          <p:stCondLst>
+                                            <p:cond delay="0"/>
+                                          </p:stCondLst>
+                                        </p:cTn>
+                                        <p:tgtEl>
+                                          <p:spTgt spid="12"/>
+                                        </p:tgtEl>
+                                        <p:attrNameLst>
+                                          <p:attrName>style.visibility</p:attrName>
+                                        </p:attrNameLst>
+                                      </p:cBhvr>
+                                      <p:to>
+                                        <p:strVal val="visible"/>
+                                      </p:to>
+                                    </p:set>
+                                    <p:animEffect transition="in" filter="fade">
+                                      <p:cBhvr>
+                                        <p:cTn id="35" dur="1000"/>
+                                        <p:tgtEl>
+                                          <p:spTgt spid="12"/>
+                                        </p:tgtEl>
+                                      </p:cBhvr>
+                                    </p:animEffect>
+                                    <p:anim calcmode="lin" valueType="num">
+                                      <p:cBhvr>
+                                        <p:cTn id="36" dur="1000" fill="hold"/>
+                                        <p:tgtEl>
+                                          <p:spTgt spid="12"/>
+                                        </p:tgtEl>
+                                        <p:attrNameLst>
+                                          <p:attrName>ppt_x</p:attrName>
+                                        </p:attrNameLst>
+                                      </p:cBhvr>
+                                      <p:tavLst>
+                                        <p:tav tm="0">
+                                          <p:val>
+                                            <p:strVal val="#ppt_x"/>
+                                          </p:val>
+                                        </p:tav>
+                                        <p:tav tm="100000">
+                                          <p:val>
+                                            <p:strVal val="#ppt_x"/>
+                                          </p:val>
+                                        </p:tav>
+                                      </p:tavLst>
+                                    </p:anim>
+                                    <p:anim calcmode="lin" valueType="num">
+                                      <p:cBhvr>
+                                        <p:cTn id="37" dur="1000" fill="hold"/>
+                                        <p:tgtEl>
+                                          <p:spTgt spid="12"/>
+                                        </p:tgtEl>
+                                        <p:attrNameLst>
+                                          <p:attrName>ppt_y</p:attrName>
+                                        </p:attrNameLst>
+                                      </p:cBhvr>
+                                      <p:tavLst>
+                                        <p:tav tm="0">
+                                          <p:val>
+                                            <p:strVal val="#ppt_y+.1"/>
+                                          </p:val>
+                                        </p:tav>
+                                        <p:tav tm="100000">
+                                          <p:val>
+                                            <p:strVal val="#ppt_y"/>
+                                          </p:val>
+                                        </p:tav>
+                                      </p:tavLst>
+                                    </p:anim>
+                                  </p:childTnLst>
+                                </p:cTn>
+                              </p:par>
+                            </p:childTnLst>
+                          </p:cTn>
+                        </p:par>
+                      </p:childTnLst>
+                    </p:cTn>
+                  </p:par>
+                </p:childTnLst>
+              </p:cTn>
+              <p:prevCondLst>
+                <p:cond evt="onPrev" delay="0">
+                  <p:tgtEl>
+                    <p:sldTgt/>
+                  </p:tgtEl>
+                </p:cond>
+              </p:prevCondLst>
+              <p:nextCondLst>
+                <p:cond evt="onNext" delay="0">
+                  <p:tgtEl>
+                    <p:sldTgt/>
+                  </p:tgtEl>
+                </p:cond>
+              </p:nextCondLst>
+            </p:seq>
+          </p:childTnLst>
+        </p:cTn>
+      </p:par>
+    </p:tnLst>
+    <p:bldLst>
+      <p:bldP spid="5" grpId="0" animBg="1"/>
+      <p:bldP spid="7" grpId="0" animBg="1"/>
+      <p:bldP spid="9" grpId="0" animBg="1"/>
+      <p:bldP spid="11" grpId="0" animBg="1"/>
+      <p:bldP spid="12" grpId="0" animBg="1"/>
+    </p:bldLst>
+  </p:timing>
+</p:sld>
+</file>
+
+<file path=ppt/slides/slide3.xml><?xml version="1.0" encoding="utf-8"?>
+<p:sld xmlns:a="http://schemas.openxmlformats.org/drawingml/2006/main" xmlns:r="http://schemas.openxmlformats.org/officeDocument/2006/relationships" xmlns:p="http://schemas.openxmlformats.org/presentationml/2006/main">
+  <p:cSld>
+    <p:bg>
+      <p:bgPr>
+        <a:solidFill>
+          <a:schemeClr val="bg1"/>
+        </a:solidFill>
+        <a:effectLst/>
+      </p:bgPr>
+    </p:bg>
+    <p:spTree>
+      <p:nvGrpSpPr>
+        <p:cNvPr id="1" name=""/>
+        <p:cNvGrpSpPr/>
+        <p:nvPr/>
+      </p:nvGrpSpPr>
+      <p:grpSpPr>
+        <a:xfrm>
+          <a:off x="0" y="0"/>
+          <a:ext cx="0" cy="0"/>
+          <a:chOff x="0" y="0"/>
+          <a:chExt cx="0" cy="0"/>
+        </a:xfrm>
+      </p:grpSpPr>
+      <p:sp>
+        <p:nvSpPr>
+          <p:cNvPr id="2" name="TextBox 1">
+            <a:extLst>
+              <a:ext uri="{FF2B5EF4-FFF2-40B4-BE49-F238E27FC236}">
+                <a16:creationId xmlns:a16="http://schemas.microsoft.com/office/drawing/2014/main" id="{361BB211-728B-4D74-93D4-156E4751D00C}"/>
+              </a:ext>
+            </a:extLst>
+          </p:cNvPr>
+          <p:cNvSpPr txBox="1"/>
+          <p:nvPr/>
+        </p:nvSpPr>
+        <p:spPr>
+          <a:xfrm>
+            <a:off x="676232" y="5200879"/>
+            <a:ext cx="8082447" cy="802111"/>
+          </a:xfrm>
+          <a:prstGeom prst="rect">
+            <a:avLst/>
+          </a:prstGeom>
+        </p:spPr>
+        <p:txBody>
+          <a:bodyPr vert="horz" lIns="91440" tIns="45720" rIns="91440" bIns="45720" rtlCol="0" anchor="ctr">
+            <a:normAutofit/>
+          </a:bodyPr>
+          <a:lstStyle/>
+          <a:p>
+            <a:pPr algn="r">
+              <a:lnSpc>
+                <a:spcPct val="90000"/>
+              </a:lnSpc>
+              <a:spcBef>
+                <a:spcPct val="0"/>
+              </a:spcBef>
+              <a:spcAft>
+                <a:spcPts val="600"/>
+              </a:spcAft>
+            </a:pPr>
+            <a:r>
+              <a:rPr lang="en-US" sz="3400" kern="1200">
+                <a:solidFill>
+                  <a:schemeClr val="tx1"/>
+                </a:solidFill>
+                <a:latin typeface="+mj-lt"/>
+                <a:ea typeface="+mj-ea"/>
+                <a:cs typeface="+mj-cs"/>
+              </a:rPr>
+              <a:t>Berbagai Platform IoT Yang Sering Digunakan</a:t>
+            </a:r>
+          </a:p>
+        </p:txBody>
+      </p:sp>
+      <p:sp>
+        <p:nvSpPr>
+          <p:cNvPr id="83" name="Rectangle 82">
+            <a:extLst>
+              <a:ext uri="{FF2B5EF4-FFF2-40B4-BE49-F238E27FC236}">
+                <a16:creationId xmlns:a16="http://schemas.microsoft.com/office/drawing/2014/main" id="{26882C51-76F9-4F99-997D-31FA6242A805}"/>
+              </a:ext>
+              <a:ext uri="{C183D7F6-B498-43B3-948B-1728B52AA6E4}">
+                <adec:decorative xmlns:adec="http://schemas.microsoft.com/office/drawing/2017/decorative" val="1"/>
+              </a:ext>
+            </a:extLst>
+          </p:cNvPr>
+          <p:cNvSpPr>
+            <a:spLocks noGrp="1" noRot="1" noChangeAspect="1" noMove="1" noResize="1" noEditPoints="1" noAdjustHandles="1" noChangeArrowheads="1" noChangeShapeType="1" noTextEdit="1"/>
+          </p:cNvSpPr>
+          <p:nvPr>
+            <p:extLst>
+              <p:ext uri="{386F3935-93C4-4BCD-93E2-E3B085C9AB24}">
+                <p16:designElem xmlns:p16="http://schemas.microsoft.com/office/powerpoint/2015/main" val="1"/>
+              </p:ext>
+            </p:extLst>
+          </p:nvPr>
+        </p:nvSpPr>
+        <p:spPr>
+          <a:xfrm>
+            <a:off x="630126" y="629042"/>
+            <a:ext cx="1217216" cy="859536"/>
+          </a:xfrm>
+          <a:prstGeom prst="rect">
+            <a:avLst/>
+          </a:prstGeom>
+          <a:solidFill>
+            <a:srgbClr val="FFFFFF"/>
+          </a:solidFill>
+          <a:ln>
+            <a:noFill/>
+          </a:ln>
+        </p:spPr>
+        <p:style>
+          <a:lnRef idx="2">
+            <a:schemeClr val="accent1">
+              <a:shade val="50000"/>
+            </a:schemeClr>
+          </a:lnRef>
+          <a:fillRef idx="1">
+            <a:schemeClr val="accent1"/>
+          </a:fillRef>
+          <a:effectRef idx="0">
+            <a:schemeClr val="accent1"/>
+          </a:effectRef>
+          <a:fontRef idx="minor">
+            <a:schemeClr val="lt1"/>
+          </a:fontRef>
+        </p:style>
+        <p:txBody>
+          <a:bodyPr rtlCol="0" anchor="ctr"/>
+          <a:lstStyle/>
+          <a:p>
+            <a:pPr algn="ctr"/>
+            <a:endParaRPr lang="en-US"/>
+          </a:p>
+        </p:txBody>
+      </p:sp>
+      <p:pic>
+        <p:nvPicPr>
+          <p:cNvPr id="1034" name="Picture 10" descr="Image result for antares iot">
+            <a:extLst>
+              <a:ext uri="{FF2B5EF4-FFF2-40B4-BE49-F238E27FC236}">
+                <a16:creationId xmlns:a16="http://schemas.microsoft.com/office/drawing/2014/main" id="{98CCC9D0-6622-491C-9055-0AB0B15FC48E}"/>
+              </a:ext>
+            </a:extLst>
+          </p:cNvPr>
+          <p:cNvPicPr>
+            <a:picLocks noChangeAspect="1" noChangeArrowheads="1"/>
+          </p:cNvPicPr>
+          <p:nvPr/>
+        </p:nvPicPr>
+        <p:blipFill>
+          <a:blip r:embed="rId2">
+            <a:extLst>
+              <a:ext uri="{28A0092B-C50C-407E-A947-70E740481C1C}">
+                <a14:useLocalDpi xmlns:a14="http://schemas.microsoft.com/office/drawing/2010/main" val="0"/>
+              </a:ext>
+            </a:extLst>
+          </a:blip>
+          <a:stretch>
+            <a:fillRect/>
+          </a:stretch>
+        </p:blipFill>
+        <p:spPr bwMode="auto">
+          <a:xfrm>
+            <a:off x="709232" y="887402"/>
+            <a:ext cx="1047722" cy="342815"/>
+          </a:xfrm>
+          <a:prstGeom prst="rect">
+            <a:avLst/>
+          </a:prstGeom>
+          <a:noFill/>
+          <a:extLst>
+            <a:ext uri="{909E8E84-426E-40DD-AFC4-6F175D3DCCD1}">
+              <a14:hiddenFill xmlns:a14="http://schemas.microsoft.com/office/drawing/2010/main">
+                <a:solidFill>
+                  <a:srgbClr val="FFFFFF"/>
+                </a:solidFill>
+              </a14:hiddenFill>
+            </a:ext>
+          </a:extLst>
+        </p:spPr>
+      </p:pic>
+      <p:sp>
+        <p:nvSpPr>
+          <p:cNvPr id="85" name="Right Triangle 84">
+            <a:extLst>
+              <a:ext uri="{FF2B5EF4-FFF2-40B4-BE49-F238E27FC236}">
+                <a16:creationId xmlns:a16="http://schemas.microsoft.com/office/drawing/2014/main" id="{61FFFC16-86E2-4B9A-BC6D-213DC2654765}"/>
+              </a:ext>
+              <a:ext uri="{C183D7F6-B498-43B3-948B-1728B52AA6E4}">
+                <adec:decorative xmlns:adec="http://schemas.microsoft.com/office/drawing/2017/decorative" val="1"/>
+              </a:ext>
+            </a:extLst>
+          </p:cNvPr>
+          <p:cNvSpPr>
+            <a:spLocks noGrp="1" noRot="1" noChangeAspect="1" noMove="1" noResize="1" noEditPoints="1" noAdjustHandles="1" noChangeArrowheads="1" noChangeShapeType="1" noTextEdit="1"/>
+          </p:cNvSpPr>
+          <p:nvPr>
+            <p:extLst>
+              <p:ext uri="{386F3935-93C4-4BCD-93E2-E3B085C9AB24}">
+                <p16:designElem xmlns:p16="http://schemas.microsoft.com/office/powerpoint/2015/main" val="1"/>
+              </p:ext>
+            </p:extLst>
+          </p:nvPr>
+        </p:nvSpPr>
+        <p:spPr>
+          <a:xfrm>
+            <a:off x="1843683" y="635538"/>
+            <a:ext cx="680408" cy="849747"/>
+          </a:xfrm>
+          <a:prstGeom prst="rtTriangle">
+            <a:avLst/>
+          </a:prstGeom>
+          <a:solidFill>
+            <a:schemeClr val="bg2">
+              <a:lumMod val="90000"/>
+            </a:schemeClr>
+          </a:solidFill>
+          <a:ln>
+            <a:noFill/>
+          </a:ln>
+        </p:spPr>
+        <p:style>
+          <a:lnRef idx="2">
+            <a:schemeClr val="accent1">
+              <a:shade val="50000"/>
+            </a:schemeClr>
+          </a:lnRef>
+          <a:fillRef idx="1">
+            <a:schemeClr val="accent1"/>
+          </a:fillRef>
+          <a:effectRef idx="0">
+            <a:schemeClr val="accent1"/>
+          </a:effectRef>
+          <a:fontRef idx="minor">
+            <a:schemeClr val="lt1"/>
+          </a:fontRef>
+        </p:style>
+        <p:txBody>
+          <a:bodyPr rtlCol="0" anchor="ctr"/>
+          <a:lstStyle/>
+          <a:p>
+            <a:pPr marL="0" marR="0" lvl="0" indent="0" algn="ctr" defTabSz="914400" rtl="0" eaLnBrk="1" fontAlgn="auto" latinLnBrk="0" hangingPunct="1">
+              <a:lnSpc>
+                <a:spcPct val="100000"/>
+              </a:lnSpc>
+              <a:spcBef>
+                <a:spcPts val="0"/>
+              </a:spcBef>
+              <a:spcAft>
+                <a:spcPts val="0"/>
+              </a:spcAft>
+              <a:buClrTx/>
+              <a:buSzTx/>
+              <a:buFontTx/>
+              <a:buNone/>
+              <a:tabLst/>
+              <a:defRPr/>
+            </a:pPr>
+            <a:endParaRPr kumimoji="0" lang="en-US" sz="1800" b="0" i="0" u="none" strike="noStrike" kern="1200" cap="none" spc="0" normalizeH="0" baseline="0" noProof="0">
+              <a:ln>
+                <a:noFill/>
+              </a:ln>
+              <a:solidFill>
+                <a:prstClr val="white"/>
+              </a:solidFill>
+              <a:effectLst/>
+              <a:uLnTx/>
+              <a:uFillTx/>
+              <a:latin typeface="Calibri" panose="020F0502020204030204"/>
+              <a:ea typeface="+mn-ea"/>
+              <a:cs typeface="+mn-cs"/>
+            </a:endParaRPr>
+          </a:p>
+        </p:txBody>
+      </p:sp>
+      <p:sp>
+        <p:nvSpPr>
+          <p:cNvPr id="87" name="Freeform: Shape 86">
+            <a:extLst>
+              <a:ext uri="{FF2B5EF4-FFF2-40B4-BE49-F238E27FC236}">
+                <a16:creationId xmlns:a16="http://schemas.microsoft.com/office/drawing/2014/main" id="{DD3524E0-C87C-4F38-9FC7-E969C15A7906}"/>
+              </a:ext>
+              <a:ext uri="{C183D7F6-B498-43B3-948B-1728B52AA6E4}">
+                <adec:decorative xmlns:adec="http://schemas.microsoft.com/office/drawing/2017/decorative" val="1"/>
+              </a:ext>
+            </a:extLst>
+          </p:cNvPr>
+          <p:cNvSpPr>
+            <a:spLocks noGrp="1" noRot="1" noChangeAspect="1" noMove="1" noResize="1" noEditPoints="1" noAdjustHandles="1" noChangeArrowheads="1" noChangeShapeType="1" noTextEdit="1"/>
+          </p:cNvSpPr>
+          <p:nvPr>
+            <p:extLst>
+              <p:ext uri="{386F3935-93C4-4BCD-93E2-E3B085C9AB24}">
+                <p16:designElem xmlns:p16="http://schemas.microsoft.com/office/powerpoint/2015/main" val="1"/>
+              </p:ext>
+            </p:extLst>
+          </p:nvPr>
+        </p:nvSpPr>
+        <p:spPr>
+          <a:xfrm rot="16200000" flipH="1">
+            <a:off x="1114143" y="991883"/>
+            <a:ext cx="1371600" cy="2356777"/>
+          </a:xfrm>
+          <a:custGeom>
+            <a:avLst/>
+            <a:gdLst>
+              <a:gd name="connsiteX0" fmla="*/ 0 w 1371600"/>
+              <a:gd name="connsiteY0" fmla="*/ 0 h 2356777"/>
+              <a:gd name="connsiteX1" fmla="*/ 0 w 1371600"/>
+              <a:gd name="connsiteY1" fmla="*/ 1216152 h 2356777"/>
+              <a:gd name="connsiteX2" fmla="*/ 4495 w 1371600"/>
+              <a:gd name="connsiteY2" fmla="*/ 1216152 h 2356777"/>
+              <a:gd name="connsiteX3" fmla="*/ 4495 w 1371600"/>
+              <a:gd name="connsiteY3" fmla="*/ 2356777 h 2356777"/>
+              <a:gd name="connsiteX4" fmla="*/ 1367105 w 1371600"/>
+              <a:gd name="connsiteY4" fmla="*/ 2356777 h 2356777"/>
+              <a:gd name="connsiteX5" fmla="*/ 1367105 w 1371600"/>
+              <a:gd name="connsiteY5" fmla="*/ 1216152 h 2356777"/>
+              <a:gd name="connsiteX6" fmla="*/ 1371600 w 1371600"/>
+              <a:gd name="connsiteY6" fmla="*/ 1216152 h 2356777"/>
+              <a:gd name="connsiteX7" fmla="*/ 1367105 w 1371600"/>
+              <a:gd name="connsiteY7" fmla="*/ 1212166 h 2356777"/>
+              <a:gd name="connsiteX8" fmla="*/ 1367105 w 1371600"/>
+              <a:gd name="connsiteY8" fmla="*/ 1210176 h 2356777"/>
+              <a:gd name="connsiteX9" fmla="*/ 1364860 w 1371600"/>
+              <a:gd name="connsiteY9" fmla="*/ 1210176 h 2356777"/>
+            </a:gdLst>
+            <a:ahLst/>
+            <a:cxnLst>
+              <a:cxn ang="0">
+                <a:pos x="connsiteX0" y="connsiteY0"/>
+              </a:cxn>
+              <a:cxn ang="0">
+                <a:pos x="connsiteX1" y="connsiteY1"/>
+              </a:cxn>
+              <a:cxn ang="0">
+                <a:pos x="connsiteX2" y="connsiteY2"/>
+              </a:cxn>
+              <a:cxn ang="0">
+                <a:pos x="connsiteX3" y="connsiteY3"/>
+              </a:cxn>
+              <a:cxn ang="0">
+                <a:pos x="connsiteX4" y="connsiteY4"/>
+              </a:cxn>
+              <a:cxn ang="0">
+                <a:pos x="connsiteX5" y="connsiteY5"/>
+              </a:cxn>
+              <a:cxn ang="0">
+                <a:pos x="connsiteX6" y="connsiteY6"/>
+              </a:cxn>
+              <a:cxn ang="0">
+                <a:pos x="connsiteX7" y="connsiteY7"/>
+              </a:cxn>
+              <a:cxn ang="0">
+                <a:pos x="connsiteX8" y="connsiteY8"/>
+              </a:cxn>
+              <a:cxn ang="0">
+                <a:pos x="connsiteX9" y="connsiteY9"/>
+              </a:cxn>
+            </a:cxnLst>
+            <a:rect l="l" t="t" r="r" b="b"/>
+            <a:pathLst>
+              <a:path w="1371600" h="2356777">
+                <a:moveTo>
+                  <a:pt x="0" y="0"/>
+                </a:moveTo>
+                <a:lnTo>
+                  <a:pt x="0" y="1216152"/>
+                </a:lnTo>
+                <a:lnTo>
+                  <a:pt x="4495" y="1216152"/>
+                </a:lnTo>
+                <a:lnTo>
+                  <a:pt x="4495" y="2356777"/>
+                </a:lnTo>
+                <a:lnTo>
+                  <a:pt x="1367105" y="2356777"/>
+                </a:lnTo>
+                <a:lnTo>
+                  <a:pt x="1367105" y="1216152"/>
+                </a:lnTo>
+                <a:lnTo>
+                  <a:pt x="1371600" y="1216152"/>
+                </a:lnTo>
+                <a:lnTo>
+                  <a:pt x="1367105" y="1212166"/>
+                </a:lnTo>
+                <a:lnTo>
+                  <a:pt x="1367105" y="1210176"/>
+                </a:lnTo>
+                <a:lnTo>
+                  <a:pt x="1364860" y="1210176"/>
+                </a:lnTo>
+                <a:close/>
+              </a:path>
+            </a:pathLst>
+          </a:custGeom>
+          <a:solidFill>
+            <a:schemeClr val="tx2">
+              <a:lumMod val="75000"/>
+            </a:schemeClr>
+          </a:solidFill>
+          <a:ln>
+            <a:noFill/>
+          </a:ln>
+        </p:spPr>
+        <p:style>
+          <a:lnRef idx="2">
+            <a:schemeClr val="accent1">
+              <a:shade val="50000"/>
+            </a:schemeClr>
+          </a:lnRef>
+          <a:fillRef idx="1">
+            <a:schemeClr val="accent1"/>
+          </a:fillRef>
+          <a:effectRef idx="0">
+            <a:schemeClr val="accent1"/>
+          </a:effectRef>
+          <a:fontRef idx="minor">
+            <a:schemeClr val="lt1"/>
+          </a:fontRef>
+        </p:style>
+        <p:txBody>
+          <a:bodyPr wrap="square" rtlCol="0" anchor="ctr">
+            <a:noAutofit/>
+          </a:bodyPr>
+          <a:lstStyle/>
+          <a:p>
+            <a:pPr marL="0" marR="0" lvl="0" indent="0" algn="ctr" defTabSz="914400" rtl="0" eaLnBrk="1" fontAlgn="auto" latinLnBrk="0" hangingPunct="1">
+              <a:lnSpc>
+                <a:spcPct val="100000"/>
+              </a:lnSpc>
+              <a:spcBef>
+                <a:spcPts val="0"/>
+              </a:spcBef>
+              <a:spcAft>
+                <a:spcPts val="0"/>
+              </a:spcAft>
+              <a:buClrTx/>
+              <a:buSzTx/>
+              <a:buFontTx/>
+              <a:buNone/>
+              <a:tabLst/>
+              <a:defRPr/>
+            </a:pPr>
+            <a:endParaRPr kumimoji="0" lang="en-US" sz="1800" b="0" i="0" u="none" strike="noStrike" kern="1200" cap="none" spc="0" normalizeH="0" baseline="0" noProof="0">
+              <a:ln>
+                <a:noFill/>
+              </a:ln>
+              <a:solidFill>
+                <a:prstClr val="white"/>
+              </a:solidFill>
+              <a:effectLst/>
+              <a:uLnTx/>
+              <a:uFillTx/>
+              <a:latin typeface="Calibri" panose="020F0502020204030204"/>
+              <a:ea typeface="+mn-ea"/>
+              <a:cs typeface="+mn-cs"/>
+            </a:endParaRPr>
+          </a:p>
+        </p:txBody>
+      </p:sp>
+      <p:sp>
+        <p:nvSpPr>
+          <p:cNvPr id="89" name="Right Triangle 88">
+            <a:extLst>
+              <a:ext uri="{FF2B5EF4-FFF2-40B4-BE49-F238E27FC236}">
+                <a16:creationId xmlns:a16="http://schemas.microsoft.com/office/drawing/2014/main" id="{F1ED1DF4-DDDE-4464-8ABC-ED1F633CCEC1}"/>
+              </a:ext>
+              <a:ext uri="{C183D7F6-B498-43B3-948B-1728B52AA6E4}">
+                <adec:decorative xmlns:adec="http://schemas.microsoft.com/office/drawing/2017/decorative" val="1"/>
+              </a:ext>
+            </a:extLst>
+          </p:cNvPr>
+          <p:cNvSpPr>
+            <a:spLocks noGrp="1" noRot="1" noChangeAspect="1" noMove="1" noResize="1" noEditPoints="1" noAdjustHandles="1" noChangeArrowheads="1" noChangeShapeType="1" noTextEdit="1"/>
+          </p:cNvSpPr>
+          <p:nvPr>
+            <p:extLst>
+              <p:ext uri="{386F3935-93C4-4BCD-93E2-E3B085C9AB24}">
+                <p16:designElem xmlns:p16="http://schemas.microsoft.com/office/powerpoint/2015/main" val="1"/>
+              </p:ext>
+            </p:extLst>
+          </p:nvPr>
+        </p:nvSpPr>
+        <p:spPr>
+          <a:xfrm>
+            <a:off x="4955916" y="1477941"/>
+            <a:ext cx="1092260" cy="1371600"/>
+          </a:xfrm>
+          <a:prstGeom prst="rtTriangle">
+            <a:avLst/>
+          </a:prstGeom>
+          <a:solidFill>
+            <a:schemeClr val="bg2">
+              <a:lumMod val="90000"/>
+            </a:schemeClr>
+          </a:solidFill>
+          <a:ln>
+            <a:noFill/>
+          </a:ln>
+        </p:spPr>
+        <p:style>
+          <a:lnRef idx="2">
+            <a:schemeClr val="accent1">
+              <a:shade val="50000"/>
+            </a:schemeClr>
+          </a:lnRef>
+          <a:fillRef idx="1">
+            <a:schemeClr val="accent1"/>
+          </a:fillRef>
+          <a:effectRef idx="0">
+            <a:schemeClr val="accent1"/>
+          </a:effectRef>
+          <a:fontRef idx="minor">
+            <a:schemeClr val="lt1"/>
+          </a:fontRef>
+        </p:style>
+        <p:txBody>
+          <a:bodyPr rtlCol="0" anchor="ctr"/>
+          <a:lstStyle/>
+          <a:p>
+            <a:pPr marL="0" marR="0" lvl="0" indent="0" algn="ctr" defTabSz="914400" rtl="0" eaLnBrk="1" fontAlgn="auto" latinLnBrk="0" hangingPunct="1">
+              <a:lnSpc>
+                <a:spcPct val="100000"/>
+              </a:lnSpc>
+              <a:spcBef>
+                <a:spcPts val="0"/>
+              </a:spcBef>
+              <a:spcAft>
+                <a:spcPts val="0"/>
+              </a:spcAft>
+              <a:buClrTx/>
+              <a:buSzTx/>
+              <a:buFontTx/>
+              <a:buNone/>
+              <a:tabLst/>
+              <a:defRPr/>
+            </a:pPr>
+            <a:endParaRPr kumimoji="0" lang="en-US" sz="1800" b="0" i="0" u="none" strike="noStrike" kern="1200" cap="none" spc="0" normalizeH="0" baseline="0" noProof="0">
+              <a:ln>
+                <a:noFill/>
+              </a:ln>
+              <a:solidFill>
+                <a:prstClr val="white"/>
+              </a:solidFill>
+              <a:effectLst/>
+              <a:uLnTx/>
+              <a:uFillTx/>
+              <a:latin typeface="Calibri" panose="020F0502020204030204"/>
+              <a:ea typeface="+mn-ea"/>
+              <a:cs typeface="+mn-cs"/>
+            </a:endParaRPr>
+          </a:p>
+        </p:txBody>
+      </p:sp>
+      <p:sp>
+        <p:nvSpPr>
+          <p:cNvPr id="91" name="Rectangle 90">
+            <a:extLst>
+              <a:ext uri="{FF2B5EF4-FFF2-40B4-BE49-F238E27FC236}">
+                <a16:creationId xmlns:a16="http://schemas.microsoft.com/office/drawing/2014/main" id="{E7E01BF7-4F45-4B6D-82BF-5A5DB30A627B}"/>
+              </a:ext>
+              <a:ext uri="{C183D7F6-B498-43B3-948B-1728B52AA6E4}">
+                <adec:decorative xmlns:adec="http://schemas.microsoft.com/office/drawing/2017/decorative" val="1"/>
+              </a:ext>
+            </a:extLst>
+          </p:cNvPr>
+          <p:cNvSpPr>
+            <a:spLocks noGrp="1" noRot="1" noChangeAspect="1" noMove="1" noResize="1" noEditPoints="1" noAdjustHandles="1" noChangeArrowheads="1" noChangeShapeType="1" noTextEdit="1"/>
+          </p:cNvSpPr>
+          <p:nvPr>
+            <p:extLst>
+              <p:ext uri="{386F3935-93C4-4BCD-93E2-E3B085C9AB24}">
+                <p16:designElem xmlns:p16="http://schemas.microsoft.com/office/powerpoint/2015/main" val="1"/>
+              </p:ext>
+            </p:extLst>
+          </p:nvPr>
+        </p:nvSpPr>
+        <p:spPr>
+          <a:xfrm>
+            <a:off x="645541" y="2856071"/>
+            <a:ext cx="2340073" cy="1911095"/>
+          </a:xfrm>
+          <a:prstGeom prst="rect">
+            <a:avLst/>
+          </a:prstGeom>
+          <a:solidFill>
+            <a:srgbClr val="FFFFFF"/>
+          </a:solidFill>
+          <a:ln>
+            <a:noFill/>
+          </a:ln>
+        </p:spPr>
+        <p:style>
+          <a:lnRef idx="2">
+            <a:schemeClr val="accent1">
+              <a:shade val="50000"/>
+            </a:schemeClr>
+          </a:lnRef>
+          <a:fillRef idx="1">
+            <a:schemeClr val="accent1"/>
+          </a:fillRef>
+          <a:effectRef idx="0">
+            <a:schemeClr val="accent1"/>
+          </a:effectRef>
+          <a:fontRef idx="minor">
+            <a:schemeClr val="lt1"/>
+          </a:fontRef>
+        </p:style>
+        <p:txBody>
+          <a:bodyPr rtlCol="0" anchor="ctr"/>
+          <a:lstStyle/>
+          <a:p>
+            <a:pPr algn="ctr"/>
+            <a:endParaRPr lang="en-US"/>
+          </a:p>
+        </p:txBody>
+      </p:sp>
+      <p:sp>
+        <p:nvSpPr>
+          <p:cNvPr id="93" name="Right Triangle 92">
+            <a:extLst>
+              <a:ext uri="{FF2B5EF4-FFF2-40B4-BE49-F238E27FC236}">
+                <a16:creationId xmlns:a16="http://schemas.microsoft.com/office/drawing/2014/main" id="{F2FC5C7B-261A-4268-BA85-C29488A8BED3}"/>
+              </a:ext>
+              <a:ext uri="{C183D7F6-B498-43B3-948B-1728B52AA6E4}">
+                <adec:decorative xmlns:adec="http://schemas.microsoft.com/office/drawing/2017/decorative" val="1"/>
+              </a:ext>
+            </a:extLst>
+          </p:cNvPr>
+          <p:cNvSpPr>
+            <a:spLocks noGrp="1" noRot="1" noChangeAspect="1" noMove="1" noResize="1" noEditPoints="1" noAdjustHandles="1" noChangeArrowheads="1" noChangeShapeType="1" noTextEdit="1"/>
+          </p:cNvSpPr>
+          <p:nvPr>
+            <p:extLst>
+              <p:ext uri="{386F3935-93C4-4BCD-93E2-E3B085C9AB24}">
+                <p16:designElem xmlns:p16="http://schemas.microsoft.com/office/powerpoint/2015/main" val="1"/>
+              </p:ext>
+            </p:extLst>
+          </p:nvPr>
+        </p:nvSpPr>
+        <p:spPr>
+          <a:xfrm rot="5400000">
+            <a:off x="6810520" y="2798992"/>
+            <a:ext cx="1911096" cy="1980472"/>
+          </a:xfrm>
+          <a:prstGeom prst="rtTriangle">
+            <a:avLst/>
+          </a:prstGeom>
+          <a:solidFill>
+            <a:schemeClr val="accent3">
+              <a:alpha val="80000"/>
+            </a:schemeClr>
+          </a:solidFill>
+          <a:ln>
+            <a:noFill/>
+          </a:ln>
+        </p:spPr>
+        <p:style>
+          <a:lnRef idx="2">
+            <a:schemeClr val="accent1">
+              <a:shade val="50000"/>
+            </a:schemeClr>
+          </a:lnRef>
+          <a:fillRef idx="1">
+            <a:schemeClr val="accent1"/>
+          </a:fillRef>
+          <a:effectRef idx="0">
+            <a:schemeClr val="accent1"/>
+          </a:effectRef>
+          <a:fontRef idx="minor">
+            <a:schemeClr val="lt1"/>
+          </a:fontRef>
+        </p:style>
+        <p:txBody>
+          <a:bodyPr rtlCol="0" anchor="ctr"/>
+          <a:lstStyle/>
+          <a:p>
+            <a:pPr marL="0" marR="0" lvl="0" indent="0" algn="ctr" defTabSz="914400" rtl="0" eaLnBrk="1" fontAlgn="auto" latinLnBrk="0" hangingPunct="1">
+              <a:lnSpc>
+                <a:spcPct val="100000"/>
+              </a:lnSpc>
+              <a:spcBef>
+                <a:spcPts val="0"/>
+              </a:spcBef>
+              <a:spcAft>
+                <a:spcPts val="0"/>
+              </a:spcAft>
+              <a:buClrTx/>
+              <a:buSzTx/>
+              <a:buFontTx/>
+              <a:buNone/>
+              <a:tabLst/>
+              <a:defRPr/>
+            </a:pPr>
+            <a:endParaRPr kumimoji="0" lang="en-US" sz="1800" b="0" i="0" u="none" strike="noStrike" kern="1200" cap="none" spc="0" normalizeH="0" baseline="0" noProof="0">
+              <a:ln>
+                <a:noFill/>
+              </a:ln>
+              <a:solidFill>
+                <a:prstClr val="white"/>
+              </a:solidFill>
+              <a:effectLst/>
+              <a:uLnTx/>
+              <a:uFillTx/>
+              <a:latin typeface="Calibri" panose="020F0502020204030204"/>
+              <a:ea typeface="+mn-ea"/>
+              <a:cs typeface="+mn-cs"/>
+            </a:endParaRPr>
+          </a:p>
+        </p:txBody>
+      </p:sp>
+      <p:sp>
+        <p:nvSpPr>
+          <p:cNvPr id="95" name="Rectangle 94">
+            <a:extLst>
+              <a:ext uri="{FF2B5EF4-FFF2-40B4-BE49-F238E27FC236}">
+                <a16:creationId xmlns:a16="http://schemas.microsoft.com/office/drawing/2014/main" id="{5CB4E315-91F2-4710-B866-B119037ED97C}"/>
+              </a:ext>
+              <a:ext uri="{C183D7F6-B498-43B3-948B-1728B52AA6E4}">
+                <adec:decorative xmlns:adec="http://schemas.microsoft.com/office/drawing/2017/decorative" val="1"/>
+              </a:ext>
+            </a:extLst>
+          </p:cNvPr>
+          <p:cNvSpPr>
+            <a:spLocks noGrp="1" noRot="1" noChangeAspect="1" noMove="1" noResize="1" noEditPoints="1" noAdjustHandles="1" noChangeArrowheads="1" noChangeShapeType="1" noTextEdit="1"/>
+          </p:cNvSpPr>
+          <p:nvPr>
+            <p:extLst>
+              <p:ext uri="{386F3935-93C4-4BCD-93E2-E3B085C9AB24}">
+                <p16:designElem xmlns:p16="http://schemas.microsoft.com/office/powerpoint/2015/main" val="1"/>
+              </p:ext>
+            </p:extLst>
+          </p:nvPr>
+        </p:nvSpPr>
+        <p:spPr>
+          <a:xfrm>
+            <a:off x="6785769" y="673132"/>
+            <a:ext cx="1980472" cy="2164649"/>
+          </a:xfrm>
+          <a:prstGeom prst="rect">
+            <a:avLst/>
+          </a:prstGeom>
+          <a:solidFill>
+            <a:srgbClr val="FFFFFF"/>
+          </a:solidFill>
+          <a:ln>
+            <a:noFill/>
+          </a:ln>
+        </p:spPr>
+        <p:style>
+          <a:lnRef idx="2">
+            <a:schemeClr val="accent1">
+              <a:shade val="50000"/>
+            </a:schemeClr>
+          </a:lnRef>
+          <a:fillRef idx="1">
+            <a:schemeClr val="accent1"/>
+          </a:fillRef>
+          <a:effectRef idx="0">
+            <a:schemeClr val="accent1"/>
+          </a:effectRef>
+          <a:fontRef idx="minor">
+            <a:schemeClr val="lt1"/>
+          </a:fontRef>
+        </p:style>
+        <p:txBody>
+          <a:bodyPr rtlCol="0" anchor="ctr"/>
+          <a:lstStyle/>
+          <a:p>
+            <a:pPr algn="ctr"/>
+            <a:endParaRPr lang="en-US"/>
+          </a:p>
+        </p:txBody>
+      </p:sp>
+      <p:pic>
+        <p:nvPicPr>
+          <p:cNvPr id="1038" name="Picture 14" descr="Image result for node red">
+            <a:extLst>
+              <a:ext uri="{FF2B5EF4-FFF2-40B4-BE49-F238E27FC236}">
+                <a16:creationId xmlns:a16="http://schemas.microsoft.com/office/drawing/2014/main" id="{AD9AC7C5-CDFF-4DB4-88EB-732C3D74242B}"/>
+              </a:ext>
+            </a:extLst>
+          </p:cNvPr>
+          <p:cNvPicPr>
+            <a:picLocks noChangeAspect="1" noChangeArrowheads="1"/>
+          </p:cNvPicPr>
+          <p:nvPr/>
+        </p:nvPicPr>
+        <p:blipFill>
+          <a:blip r:embed="rId3">
+            <a:extLst>
+              <a:ext uri="{28A0092B-C50C-407E-A947-70E740481C1C}">
+                <a14:useLocalDpi xmlns:a14="http://schemas.microsoft.com/office/drawing/2010/main" val="0"/>
+              </a:ext>
+            </a:extLst>
+          </a:blip>
+          <a:stretch>
+            <a:fillRect/>
+          </a:stretch>
+        </p:blipFill>
+        <p:spPr bwMode="auto">
+          <a:xfrm>
+            <a:off x="6933499" y="918905"/>
+            <a:ext cx="1685012" cy="1685012"/>
+          </a:xfrm>
+          <a:prstGeom prst="rect">
+            <a:avLst/>
+          </a:prstGeom>
+          <a:noFill/>
+          <a:extLst>
+            <a:ext uri="{909E8E84-426E-40DD-AFC4-6F175D3DCCD1}">
+              <a14:hiddenFill xmlns:a14="http://schemas.microsoft.com/office/drawing/2010/main">
+                <a:solidFill>
+                  <a:srgbClr val="FFFFFF"/>
+                </a:solidFill>
+              </a14:hiddenFill>
+            </a:ext>
+          </a:extLst>
+        </p:spPr>
+      </p:pic>
+      <p:sp>
+        <p:nvSpPr>
+          <p:cNvPr id="97" name="Right Triangle 96">
+            <a:extLst>
+              <a:ext uri="{FF2B5EF4-FFF2-40B4-BE49-F238E27FC236}">
+                <a16:creationId xmlns:a16="http://schemas.microsoft.com/office/drawing/2014/main" id="{569BABC0-B0CC-4E7B-838A-F6E644779E18}"/>
+              </a:ext>
+              <a:ext uri="{C183D7F6-B498-43B3-948B-1728B52AA6E4}">
+                <adec:decorative xmlns:adec="http://schemas.microsoft.com/office/drawing/2017/decorative" val="1"/>
+              </a:ext>
+            </a:extLst>
+          </p:cNvPr>
+          <p:cNvSpPr>
+            <a:spLocks noGrp="1" noRot="1" noChangeAspect="1" noMove="1" noResize="1" noEditPoints="1" noAdjustHandles="1" noChangeArrowheads="1" noChangeShapeType="1" noTextEdit="1"/>
+          </p:cNvSpPr>
+          <p:nvPr>
+            <p:extLst>
+              <p:ext uri="{386F3935-93C4-4BCD-93E2-E3B085C9AB24}">
+                <p16:designElem xmlns:p16="http://schemas.microsoft.com/office/powerpoint/2015/main" val="1"/>
+              </p:ext>
+            </p:extLst>
+          </p:nvPr>
+        </p:nvSpPr>
+        <p:spPr>
+          <a:xfrm rot="16200000" flipV="1">
+            <a:off x="8642224" y="795153"/>
+            <a:ext cx="1399032" cy="1150628"/>
+          </a:xfrm>
+          <a:prstGeom prst="rtTriangle">
+            <a:avLst/>
+          </a:prstGeom>
+          <a:solidFill>
+            <a:schemeClr val="accent3">
+              <a:alpha val="80000"/>
+            </a:schemeClr>
+          </a:solidFill>
+          <a:ln>
+            <a:noFill/>
+          </a:ln>
+        </p:spPr>
+        <p:style>
+          <a:lnRef idx="2">
+            <a:schemeClr val="accent1">
+              <a:shade val="50000"/>
+            </a:schemeClr>
+          </a:lnRef>
+          <a:fillRef idx="1">
+            <a:schemeClr val="accent1"/>
+          </a:fillRef>
+          <a:effectRef idx="0">
+            <a:schemeClr val="accent1"/>
+          </a:effectRef>
+          <a:fontRef idx="minor">
+            <a:schemeClr val="lt1"/>
+          </a:fontRef>
+        </p:style>
+        <p:txBody>
+          <a:bodyPr rtlCol="0" anchor="ctr"/>
+          <a:lstStyle/>
+          <a:p>
+            <a:pPr marL="0" marR="0" lvl="0" indent="0" algn="ctr" defTabSz="914400" rtl="0" eaLnBrk="1" fontAlgn="auto" latinLnBrk="0" hangingPunct="1">
+              <a:lnSpc>
+                <a:spcPct val="100000"/>
+              </a:lnSpc>
+              <a:spcBef>
+                <a:spcPts val="0"/>
+              </a:spcBef>
+              <a:spcAft>
+                <a:spcPts val="0"/>
+              </a:spcAft>
+              <a:buClrTx/>
+              <a:buSzTx/>
+              <a:buFontTx/>
+              <a:buNone/>
+              <a:tabLst/>
+              <a:defRPr/>
+            </a:pPr>
+            <a:endParaRPr kumimoji="0" lang="en-US" sz="1800" b="0" i="0" u="none" strike="noStrike" kern="1200" cap="none" spc="0" normalizeH="0" baseline="0" noProof="0">
+              <a:ln>
+                <a:noFill/>
+              </a:ln>
+              <a:solidFill>
+                <a:prstClr val="white"/>
+              </a:solidFill>
+              <a:effectLst/>
+              <a:uLnTx/>
+              <a:uFillTx/>
+              <a:latin typeface="Calibri" panose="020F0502020204030204"/>
+              <a:ea typeface="+mn-ea"/>
+              <a:cs typeface="+mn-cs"/>
+            </a:endParaRPr>
+          </a:p>
+        </p:txBody>
+      </p:sp>
+      <p:pic>
+        <p:nvPicPr>
+          <p:cNvPr id="1028" name="Picture 4" descr="Image result for firebase">
+            <a:extLst>
+              <a:ext uri="{FF2B5EF4-FFF2-40B4-BE49-F238E27FC236}">
+                <a16:creationId xmlns:a16="http://schemas.microsoft.com/office/drawing/2014/main" id="{47332EB8-F81D-4610-BB7D-D9FE5F555546}"/>
               </a:ext>
             </a:extLst>
           </p:cNvPr>
@@ -12537,20 +15547,286 @@
           <p:nvPr/>
         </p:nvPicPr>
         <p:blipFill rotWithShape="1">
-          <a:blip r:embed="rId2">
+          <a:blip r:embed="rId4">
             <a:extLst>
               <a:ext uri="{28A0092B-C50C-407E-A947-70E740481C1C}">
                 <a14:useLocalDpi xmlns:a14="http://schemas.microsoft.com/office/drawing/2010/main" val="0"/>
               </a:ext>
             </a:extLst>
           </a:blip>
-          <a:srcRect l="70332" t="2837" r="3001" b="70213"/>
+          <a:srcRect l="11549" t="29614" r="10947" b="28280"/>
           <a:stretch/>
         </p:blipFill>
         <p:spPr bwMode="auto">
           <a:xfrm>
-            <a:off x="1637001" y="3855496"/>
-            <a:ext cx="2204213" cy="2094002"/>
+            <a:off x="847634" y="3542204"/>
+            <a:ext cx="1955665" cy="544766"/>
+          </a:xfrm>
+          <a:prstGeom prst="rect">
+            <a:avLst/>
+          </a:prstGeom>
+          <a:noFill/>
+          <a:extLst>
+            <a:ext uri="{909E8E84-426E-40DD-AFC4-6F175D3DCCD1}">
+              <a14:hiddenFill xmlns:a14="http://schemas.microsoft.com/office/drawing/2010/main">
+                <a:solidFill>
+                  <a:srgbClr val="FFFFFF"/>
+                </a:solidFill>
+              </a14:hiddenFill>
+            </a:ext>
+          </a:extLst>
+        </p:spPr>
+      </p:pic>
+      <p:sp>
+        <p:nvSpPr>
+          <p:cNvPr id="99" name="Rectangle 98">
+            <a:extLst>
+              <a:ext uri="{FF2B5EF4-FFF2-40B4-BE49-F238E27FC236}">
+                <a16:creationId xmlns:a16="http://schemas.microsoft.com/office/drawing/2014/main" id="{DCBE1B01-A27C-45C2-ADA4-AA13C3AC1F6A}"/>
+              </a:ext>
+              <a:ext uri="{C183D7F6-B498-43B3-948B-1728B52AA6E4}">
+                <adec:decorative xmlns:adec="http://schemas.microsoft.com/office/drawing/2017/decorative" val="1"/>
+              </a:ext>
+            </a:extLst>
+          </p:cNvPr>
+          <p:cNvSpPr>
+            <a:spLocks noGrp="1" noRot="1" noChangeAspect="1" noMove="1" noResize="1" noEditPoints="1" noAdjustHandles="1" noChangeArrowheads="1" noChangeShapeType="1" noTextEdit="1"/>
+          </p:cNvSpPr>
+          <p:nvPr>
+            <p:extLst>
+              <p:ext uri="{386F3935-93C4-4BCD-93E2-E3B085C9AB24}">
+                <p16:designElem xmlns:p16="http://schemas.microsoft.com/office/powerpoint/2015/main" val="1"/>
+              </p:ext>
+            </p:extLst>
+          </p:nvPr>
+        </p:nvSpPr>
+        <p:spPr>
+          <a:xfrm>
+            <a:off x="4061516" y="2850674"/>
+            <a:ext cx="2716145" cy="1901952"/>
+          </a:xfrm>
+          <a:prstGeom prst="rect">
+            <a:avLst/>
+          </a:prstGeom>
+          <a:solidFill>
+            <a:srgbClr val="FFFFFF"/>
+          </a:solidFill>
+          <a:ln>
+            <a:noFill/>
+          </a:ln>
+        </p:spPr>
+        <p:style>
+          <a:lnRef idx="2">
+            <a:schemeClr val="accent1">
+              <a:shade val="50000"/>
+            </a:schemeClr>
+          </a:lnRef>
+          <a:fillRef idx="1">
+            <a:schemeClr val="accent1"/>
+          </a:fillRef>
+          <a:effectRef idx="0">
+            <a:schemeClr val="accent1"/>
+          </a:effectRef>
+          <a:fontRef idx="minor">
+            <a:schemeClr val="lt1"/>
+          </a:fontRef>
+        </p:style>
+        <p:txBody>
+          <a:bodyPr rtlCol="0" anchor="ctr"/>
+          <a:lstStyle/>
+          <a:p>
+            <a:pPr algn="ctr"/>
+            <a:endParaRPr lang="en-US"/>
+          </a:p>
+        </p:txBody>
+      </p:sp>
+      <p:sp>
+        <p:nvSpPr>
+          <p:cNvPr id="101" name="Right Triangle 100">
+            <a:extLst>
+              <a:ext uri="{FF2B5EF4-FFF2-40B4-BE49-F238E27FC236}">
+                <a16:creationId xmlns:a16="http://schemas.microsoft.com/office/drawing/2014/main" id="{BE7E1DAA-43FB-4446-A354-9283DE6686C8}"/>
+              </a:ext>
+              <a:ext uri="{C183D7F6-B498-43B3-948B-1728B52AA6E4}">
+                <adec:decorative xmlns:adec="http://schemas.microsoft.com/office/drawing/2017/decorative" val="1"/>
+              </a:ext>
+            </a:extLst>
+          </p:cNvPr>
+          <p:cNvSpPr>
+            <a:spLocks noGrp="1" noRot="1" noChangeAspect="1" noMove="1" noResize="1" noEditPoints="1" noAdjustHandles="1" noChangeArrowheads="1" noChangeShapeType="1" noTextEdit="1"/>
+          </p:cNvSpPr>
+          <p:nvPr>
+            <p:extLst>
+              <p:ext uri="{386F3935-93C4-4BCD-93E2-E3B085C9AB24}">
+                <p16:designElem xmlns:p16="http://schemas.microsoft.com/office/powerpoint/2015/main" val="1"/>
+              </p:ext>
+            </p:extLst>
+          </p:nvPr>
+        </p:nvSpPr>
+        <p:spPr>
+          <a:xfrm rot="16200000" flipH="1">
+            <a:off x="2564669" y="3250084"/>
+            <a:ext cx="1911096" cy="1100751"/>
+          </a:xfrm>
+          <a:prstGeom prst="rtTriangle">
+            <a:avLst/>
+          </a:prstGeom>
+          <a:solidFill>
+            <a:schemeClr val="tx2">
+              <a:lumMod val="75000"/>
+            </a:schemeClr>
+          </a:solidFill>
+          <a:ln>
+            <a:noFill/>
+          </a:ln>
+        </p:spPr>
+        <p:style>
+          <a:lnRef idx="2">
+            <a:schemeClr val="accent1">
+              <a:shade val="50000"/>
+            </a:schemeClr>
+          </a:lnRef>
+          <a:fillRef idx="1">
+            <a:schemeClr val="accent1"/>
+          </a:fillRef>
+          <a:effectRef idx="0">
+            <a:schemeClr val="accent1"/>
+          </a:effectRef>
+          <a:fontRef idx="minor">
+            <a:schemeClr val="lt1"/>
+          </a:fontRef>
+        </p:style>
+        <p:txBody>
+          <a:bodyPr rtlCol="0" anchor="ctr"/>
+          <a:lstStyle/>
+          <a:p>
+            <a:pPr marL="0" marR="0" lvl="0" indent="0" algn="ctr" defTabSz="914400" rtl="0" eaLnBrk="1" fontAlgn="auto" latinLnBrk="0" hangingPunct="1">
+              <a:lnSpc>
+                <a:spcPct val="100000"/>
+              </a:lnSpc>
+              <a:spcBef>
+                <a:spcPts val="0"/>
+              </a:spcBef>
+              <a:spcAft>
+                <a:spcPts val="0"/>
+              </a:spcAft>
+              <a:buClrTx/>
+              <a:buSzTx/>
+              <a:buFontTx/>
+              <a:buNone/>
+              <a:tabLst/>
+              <a:defRPr/>
+            </a:pPr>
+            <a:endParaRPr kumimoji="0" lang="en-US" sz="1800" b="0" i="0" u="none" strike="noStrike" kern="1200" cap="none" spc="0" normalizeH="0" baseline="0" noProof="0">
+              <a:ln>
+                <a:noFill/>
+              </a:ln>
+              <a:solidFill>
+                <a:prstClr val="white"/>
+              </a:solidFill>
+              <a:effectLst/>
+              <a:uLnTx/>
+              <a:uFillTx/>
+              <a:latin typeface="Calibri" panose="020F0502020204030204"/>
+              <a:ea typeface="+mn-ea"/>
+              <a:cs typeface="+mn-cs"/>
+            </a:endParaRPr>
+          </a:p>
+        </p:txBody>
+      </p:sp>
+      <p:sp>
+        <p:nvSpPr>
+          <p:cNvPr id="103" name="Rectangle 102">
+            <a:extLst>
+              <a:ext uri="{FF2B5EF4-FFF2-40B4-BE49-F238E27FC236}">
+                <a16:creationId xmlns:a16="http://schemas.microsoft.com/office/drawing/2014/main" id="{F6FE5468-759E-4E83-828A-5587C7F58873}"/>
+              </a:ext>
+              <a:ext uri="{C183D7F6-B498-43B3-948B-1728B52AA6E4}">
+                <adec:decorative xmlns:adec="http://schemas.microsoft.com/office/drawing/2017/decorative" val="1"/>
+              </a:ext>
+            </a:extLst>
+          </p:cNvPr>
+          <p:cNvSpPr>
+            <a:spLocks noGrp="1" noRot="1" noChangeAspect="1" noMove="1" noResize="1" noEditPoints="1" noAdjustHandles="1" noChangeArrowheads="1" noChangeShapeType="1" noTextEdit="1"/>
+          </p:cNvSpPr>
+          <p:nvPr>
+            <p:extLst>
+              <p:ext uri="{386F3935-93C4-4BCD-93E2-E3B085C9AB24}">
+                <p16:designElem xmlns:p16="http://schemas.microsoft.com/office/powerpoint/2015/main" val="1"/>
+              </p:ext>
+            </p:extLst>
+          </p:nvPr>
+        </p:nvSpPr>
+        <p:spPr>
+          <a:xfrm>
+            <a:off x="2432111" y="1485831"/>
+            <a:ext cx="2537199" cy="1371600"/>
+          </a:xfrm>
+          <a:prstGeom prst="rect">
+            <a:avLst/>
+          </a:prstGeom>
+          <a:solidFill>
+            <a:srgbClr val="FFFFFF"/>
+          </a:solidFill>
+          <a:ln>
+            <a:noFill/>
+          </a:ln>
+        </p:spPr>
+        <p:style>
+          <a:lnRef idx="2">
+            <a:schemeClr val="accent1">
+              <a:shade val="50000"/>
+            </a:schemeClr>
+          </a:lnRef>
+          <a:fillRef idx="1">
+            <a:schemeClr val="accent1"/>
+          </a:fillRef>
+          <a:effectRef idx="0">
+            <a:schemeClr val="accent1"/>
+          </a:effectRef>
+          <a:fontRef idx="minor">
+            <a:schemeClr val="lt1"/>
+          </a:fontRef>
+        </p:style>
+        <p:txBody>
+          <a:bodyPr rtlCol="0" anchor="ctr"/>
+          <a:lstStyle/>
+          <a:p>
+            <a:pPr algn="ctr"/>
+            <a:endParaRPr lang="en-US"/>
+          </a:p>
+        </p:txBody>
+      </p:sp>
+      <p:pic>
+        <p:nvPicPr>
+          <p:cNvPr id="1030" name="Picture 6" descr="Image result for thingspeak logo">
+            <a:extLst>
+              <a:ext uri="{FF2B5EF4-FFF2-40B4-BE49-F238E27FC236}">
+                <a16:creationId xmlns:a16="http://schemas.microsoft.com/office/drawing/2014/main" id="{810A1AD2-EE84-41C9-B9B0-6A00D126D4B8}"/>
+              </a:ext>
+            </a:extLst>
+          </p:cNvPr>
+          <p:cNvPicPr>
+            <a:picLocks noChangeAspect="1" noChangeArrowheads="1"/>
+          </p:cNvPicPr>
+          <p:nvPr/>
+        </p:nvPicPr>
+        <p:blipFill>
+          <a:blip r:embed="rId5">
+            <a:extLst>
+              <a:ext uri="{28A0092B-C50C-407E-A947-70E740481C1C}">
+                <a14:useLocalDpi xmlns:a14="http://schemas.microsoft.com/office/drawing/2010/main" val="0"/>
+              </a:ext>
+            </a:extLst>
+          </a:blip>
+          <a:stretch>
+            <a:fillRect/>
+          </a:stretch>
+        </p:blipFill>
+        <p:spPr bwMode="auto">
+          <a:xfrm>
+            <a:off x="2635624" y="1933662"/>
+            <a:ext cx="2155206" cy="456282"/>
           </a:xfrm>
           <a:prstGeom prst="rect">
             <a:avLst/>
@@ -12569,10 +15845,10 @@
       </p:pic>
       <p:pic>
         <p:nvPicPr>
-          <p:cNvPr id="2054" name="Picture 6" descr="Image result for server icons">
-            <a:extLst>
-              <a:ext uri="{FF2B5EF4-FFF2-40B4-BE49-F238E27FC236}">
-                <a16:creationId xmlns:a16="http://schemas.microsoft.com/office/drawing/2014/main" id="{0451A7B0-CC5A-45BB-89D6-0A3DE2D6578C}"/>
+          <p:cNvPr id="1036" name="Picture 12" descr="Image result for ubidots">
+            <a:extLst>
+              <a:ext uri="{FF2B5EF4-FFF2-40B4-BE49-F238E27FC236}">
+                <a16:creationId xmlns:a16="http://schemas.microsoft.com/office/drawing/2014/main" id="{1781D019-55DD-4107-823A-DC69E800533F}"/>
               </a:ext>
             </a:extLst>
           </p:cNvPr>
@@ -12582,114 +15858,21 @@
           <p:nvPr/>
         </p:nvPicPr>
         <p:blipFill>
-          <a:blip r:embed="rId3">
+          <a:blip r:embed="rId6">
             <a:extLst>
               <a:ext uri="{28A0092B-C50C-407E-A947-70E740481C1C}">
                 <a14:useLocalDpi xmlns:a14="http://schemas.microsoft.com/office/drawing/2010/main" val="0"/>
               </a:ext>
             </a:extLst>
           </a:blip>
-          <a:srcRect/>
           <a:stretch>
             <a:fillRect/>
           </a:stretch>
         </p:blipFill>
         <p:spPr bwMode="auto">
           <a:xfrm>
-            <a:off x="5428443" y="2054553"/>
-            <a:ext cx="2564209" cy="2564209"/>
-          </a:xfrm>
-          <a:prstGeom prst="rect">
-            <a:avLst/>
-          </a:prstGeom>
-          <a:noFill/>
-          <a:extLst>
-            <a:ext uri="{909E8E84-426E-40DD-AFC4-6F175D3DCCD1}">
-              <a14:hiddenFill xmlns:a14="http://schemas.microsoft.com/office/drawing/2010/main">
-                <a:solidFill>
-                  <a:srgbClr val="FFFFFF"/>
-                </a:solidFill>
-              </a14:hiddenFill>
-            </a:ext>
-          </a:extLst>
-        </p:spPr>
-      </p:pic>
-      <p:pic>
-        <p:nvPicPr>
-          <p:cNvPr id="2056" name="Picture 8" descr="Image result for database icons">
-            <a:extLst>
-              <a:ext uri="{FF2B5EF4-FFF2-40B4-BE49-F238E27FC236}">
-                <a16:creationId xmlns:a16="http://schemas.microsoft.com/office/drawing/2014/main" id="{CBABD856-4A8F-462F-A03A-070F1718D857}"/>
-              </a:ext>
-            </a:extLst>
-          </p:cNvPr>
-          <p:cNvPicPr>
-            <a:picLocks noChangeAspect="1" noChangeArrowheads="1"/>
-          </p:cNvPicPr>
-          <p:nvPr/>
-        </p:nvPicPr>
-        <p:blipFill>
-          <a:blip r:embed="rId4">
-            <a:extLst>
-              <a:ext uri="{28A0092B-C50C-407E-A947-70E740481C1C}">
-                <a14:useLocalDpi xmlns:a14="http://schemas.microsoft.com/office/drawing/2010/main" val="0"/>
-              </a:ext>
-            </a:extLst>
-          </a:blip>
-          <a:srcRect/>
-          <a:stretch>
-            <a:fillRect/>
-          </a:stretch>
-        </p:blipFill>
-        <p:spPr bwMode="auto">
-          <a:xfrm>
-            <a:off x="9495227" y="2267199"/>
-            <a:ext cx="1969297" cy="1969297"/>
-          </a:xfrm>
-          <a:prstGeom prst="rect">
-            <a:avLst/>
-          </a:prstGeom>
-          <a:noFill/>
-          <a:extLst>
-            <a:ext uri="{909E8E84-426E-40DD-AFC4-6F175D3DCCD1}">
-              <a14:hiddenFill xmlns:a14="http://schemas.microsoft.com/office/drawing/2010/main">
-                <a:solidFill>
-                  <a:srgbClr val="FFFFFF"/>
-                </a:solidFill>
-              </a14:hiddenFill>
-            </a:ext>
-          </a:extLst>
-        </p:spPr>
-      </p:pic>
-      <p:pic>
-        <p:nvPicPr>
-          <p:cNvPr id="6" name="Picture 2" descr="Image result for fritzing nodemcu dht11">
-            <a:extLst>
-              <a:ext uri="{FF2B5EF4-FFF2-40B4-BE49-F238E27FC236}">
-                <a16:creationId xmlns:a16="http://schemas.microsoft.com/office/drawing/2014/main" id="{7ABFD522-A882-4101-AC86-41480A3D490A}"/>
-              </a:ext>
-            </a:extLst>
-          </p:cNvPr>
-          <p:cNvPicPr>
-            <a:picLocks noChangeAspect="1" noChangeArrowheads="1"/>
-          </p:cNvPicPr>
-          <p:nvPr/>
-        </p:nvPicPr>
-        <p:blipFill rotWithShape="1">
-          <a:blip r:embed="rId5">
-            <a:extLst>
-              <a:ext uri="{28A0092B-C50C-407E-A947-70E740481C1C}">
-                <a14:useLocalDpi xmlns:a14="http://schemas.microsoft.com/office/drawing/2010/main" val="0"/>
-              </a:ext>
-            </a:extLst>
-          </a:blip>
-          <a:srcRect r="53328"/>
-          <a:stretch/>
-        </p:blipFill>
-        <p:spPr bwMode="auto">
-          <a:xfrm rot="5400000">
-            <a:off x="2234977" y="107090"/>
-            <a:ext cx="1028705" cy="2055350"/>
+            <a:off x="4225834" y="3520926"/>
+            <a:ext cx="2396155" cy="559371"/>
           </a:xfrm>
           <a:prstGeom prst="rect">
             <a:avLst/>
@@ -12708,205 +15891,41 @@
       </p:pic>
       <p:sp>
         <p:nvSpPr>
-          <p:cNvPr id="9" name="TextBox 8">
-            <a:extLst>
-              <a:ext uri="{FF2B5EF4-FFF2-40B4-BE49-F238E27FC236}">
-                <a16:creationId xmlns:a16="http://schemas.microsoft.com/office/drawing/2014/main" id="{6551AFEA-2AEC-42C9-B863-CC7360D628D9}"/>
-              </a:ext>
-            </a:extLst>
-          </p:cNvPr>
-          <p:cNvSpPr txBox="1"/>
-          <p:nvPr/>
+          <p:cNvPr id="105" name="Rectangle 104">
+            <a:extLst>
+              <a:ext uri="{FF2B5EF4-FFF2-40B4-BE49-F238E27FC236}">
+                <a16:creationId xmlns:a16="http://schemas.microsoft.com/office/drawing/2014/main" id="{99FE99BC-5F7D-47C3-AA1E-16D7DBDBD18F}"/>
+              </a:ext>
+              <a:ext uri="{C183D7F6-B498-43B3-948B-1728B52AA6E4}">
+                <adec:decorative xmlns:adec="http://schemas.microsoft.com/office/drawing/2017/decorative" val="1"/>
+              </a:ext>
+            </a:extLst>
+          </p:cNvPr>
+          <p:cNvSpPr>
+            <a:spLocks noGrp="1" noRot="1" noChangeAspect="1" noMove="1" noResize="1" noEditPoints="1" noAdjustHandles="1" noChangeArrowheads="1" noChangeShapeType="1" noTextEdit="1"/>
+          </p:cNvSpPr>
+          <p:nvPr>
+            <p:extLst>
+              <p:ext uri="{386F3935-93C4-4BCD-93E2-E3B085C9AB24}">
+                <p16:designElem xmlns:p16="http://schemas.microsoft.com/office/powerpoint/2015/main" val="1"/>
+              </p:ext>
+            </p:extLst>
+          </p:nvPr>
         </p:nvSpPr>
         <p:spPr>
           <a:xfrm>
-            <a:off x="1871562" y="3632780"/>
-            <a:ext cx="1718557" cy="369332"/>
+            <a:off x="8756605" y="2069831"/>
+            <a:ext cx="2789854" cy="2636882"/>
           </a:xfrm>
           <a:prstGeom prst="rect">
             <a:avLst/>
           </a:prstGeom>
-          <a:noFill/>
-        </p:spPr>
-        <p:txBody>
-          <a:bodyPr wrap="square" rtlCol="0">
-            <a:spAutoFit/>
-          </a:bodyPr>
-          <a:lstStyle/>
-          <a:p>
-            <a:r>
-              <a:rPr lang="en-US" b="1" dirty="0"/>
-              <a:t>WEB BROWSER</a:t>
-            </a:r>
-          </a:p>
-        </p:txBody>
-      </p:sp>
-      <p:sp>
-        <p:nvSpPr>
-          <p:cNvPr id="10" name="TextBox 9">
-            <a:extLst>
-              <a:ext uri="{FF2B5EF4-FFF2-40B4-BE49-F238E27FC236}">
-                <a16:creationId xmlns:a16="http://schemas.microsoft.com/office/drawing/2014/main" id="{881A7E56-21B5-4B6C-A76C-9ECA11BD3615}"/>
-              </a:ext>
-            </a:extLst>
-          </p:cNvPr>
-          <p:cNvSpPr txBox="1"/>
-          <p:nvPr/>
-        </p:nvSpPr>
-        <p:spPr>
-          <a:xfrm>
-            <a:off x="1676561" y="249485"/>
-            <a:ext cx="2204213" cy="369332"/>
-          </a:xfrm>
-          <a:prstGeom prst="rect">
-            <a:avLst/>
-          </a:prstGeom>
-          <a:noFill/>
-        </p:spPr>
-        <p:txBody>
-          <a:bodyPr wrap="square" rtlCol="0">
-            <a:spAutoFit/>
-          </a:bodyPr>
-          <a:lstStyle/>
-          <a:p>
-            <a:pPr algn="ctr"/>
-            <a:r>
-              <a:rPr lang="en-US" b="1" dirty="0"/>
-              <a:t>IOT DEVICE</a:t>
-            </a:r>
-          </a:p>
-        </p:txBody>
-      </p:sp>
-      <p:cxnSp>
-        <p:nvCxnSpPr>
-          <p:cNvPr id="4" name="Straight Connector 3">
-            <a:extLst>
-              <a:ext uri="{FF2B5EF4-FFF2-40B4-BE49-F238E27FC236}">
-                <a16:creationId xmlns:a16="http://schemas.microsoft.com/office/drawing/2014/main" id="{E5E04A51-50C1-4BFA-8DE9-5AF4ABB25EE7}"/>
-              </a:ext>
-            </a:extLst>
-          </p:cNvPr>
-          <p:cNvCxnSpPr>
-            <a:cxnSpLocks/>
-          </p:cNvCxnSpPr>
-          <p:nvPr/>
-        </p:nvCxnSpPr>
-        <p:spPr>
-          <a:xfrm>
-            <a:off x="1352550" y="1134765"/>
-            <a:ext cx="0" cy="3882063"/>
-          </a:xfrm>
-          <a:prstGeom prst="line">
-            <a:avLst/>
-          </a:prstGeom>
-        </p:spPr>
-        <p:style>
-          <a:lnRef idx="3">
-            <a:schemeClr val="dk1"/>
-          </a:lnRef>
-          <a:fillRef idx="0">
-            <a:schemeClr val="dk1"/>
-          </a:fillRef>
-          <a:effectRef idx="2">
-            <a:schemeClr val="dk1"/>
-          </a:effectRef>
-          <a:fontRef idx="minor">
-            <a:schemeClr val="tx1"/>
-          </a:fontRef>
-        </p:style>
-      </p:cxnSp>
-      <p:cxnSp>
-        <p:nvCxnSpPr>
-          <p:cNvPr id="7" name="Straight Connector 6">
-            <a:extLst>
-              <a:ext uri="{FF2B5EF4-FFF2-40B4-BE49-F238E27FC236}">
-                <a16:creationId xmlns:a16="http://schemas.microsoft.com/office/drawing/2014/main" id="{06E081FD-53C8-45D4-9786-1B5687D2629A}"/>
-              </a:ext>
-            </a:extLst>
-          </p:cNvPr>
-          <p:cNvCxnSpPr/>
-          <p:nvPr/>
-        </p:nvCxnSpPr>
-        <p:spPr>
-          <a:xfrm>
-            <a:off x="1352550" y="1134765"/>
-            <a:ext cx="323850" cy="0"/>
-          </a:xfrm>
-          <a:prstGeom prst="line">
-            <a:avLst/>
-          </a:prstGeom>
-        </p:spPr>
-        <p:style>
-          <a:lnRef idx="3">
-            <a:schemeClr val="dk1"/>
-          </a:lnRef>
-          <a:fillRef idx="0">
-            <a:schemeClr val="dk1"/>
-          </a:fillRef>
-          <a:effectRef idx="2">
-            <a:schemeClr val="dk1"/>
-          </a:effectRef>
-          <a:fontRef idx="minor">
-            <a:schemeClr val="tx1"/>
-          </a:fontRef>
-        </p:style>
-      </p:cxnSp>
-      <p:cxnSp>
-        <p:nvCxnSpPr>
-          <p:cNvPr id="15" name="Straight Connector 14">
-            <a:extLst>
-              <a:ext uri="{FF2B5EF4-FFF2-40B4-BE49-F238E27FC236}">
-                <a16:creationId xmlns:a16="http://schemas.microsoft.com/office/drawing/2014/main" id="{EF68DF35-2F5A-4C40-B4CB-A3BF07181F37}"/>
-              </a:ext>
-            </a:extLst>
-          </p:cNvPr>
-          <p:cNvCxnSpPr/>
-          <p:nvPr/>
-        </p:nvCxnSpPr>
-        <p:spPr>
-          <a:xfrm>
-            <a:off x="1352550" y="5016828"/>
-            <a:ext cx="323850" cy="0"/>
-          </a:xfrm>
-          <a:prstGeom prst="line">
-            <a:avLst/>
-          </a:prstGeom>
-        </p:spPr>
-        <p:style>
-          <a:lnRef idx="3">
-            <a:schemeClr val="dk1"/>
-          </a:lnRef>
-          <a:fillRef idx="0">
-            <a:schemeClr val="dk1"/>
-          </a:fillRef>
-          <a:effectRef idx="2">
-            <a:schemeClr val="dk1"/>
-          </a:effectRef>
-          <a:fontRef idx="minor">
-            <a:schemeClr val="tx1"/>
-          </a:fontRef>
-        </p:style>
-      </p:cxnSp>
-      <p:sp>
-        <p:nvSpPr>
-          <p:cNvPr id="11" name="Rectangle: Rounded Corners 10">
-            <a:extLst>
-              <a:ext uri="{FF2B5EF4-FFF2-40B4-BE49-F238E27FC236}">
-                <a16:creationId xmlns:a16="http://schemas.microsoft.com/office/drawing/2014/main" id="{9A5DFAE3-567F-4269-895B-BCBB29ADD13F}"/>
-              </a:ext>
-            </a:extLst>
-          </p:cNvPr>
-          <p:cNvSpPr/>
-          <p:nvPr/>
-        </p:nvSpPr>
-        <p:spPr>
-          <a:xfrm>
-            <a:off x="50886" y="2972445"/>
-            <a:ext cx="1219200" cy="457200"/>
-          </a:xfrm>
-          <a:prstGeom prst="roundRect">
-            <a:avLst/>
-          </a:prstGeom>
+          <a:solidFill>
+            <a:srgbClr val="FFFFFF"/>
+          </a:solidFill>
+          <a:ln>
+            <a:noFill/>
+          </a:ln>
         </p:spPr>
         <p:style>
           <a:lnRef idx="2">
@@ -12929,369 +15948,16 @@
           <a:lstStyle/>
           <a:p>
             <a:pPr algn="ctr"/>
-            <a:r>
-              <a:rPr lang="en-US" b="1" dirty="0"/>
-              <a:t>CLIENT</a:t>
-            </a:r>
+            <a:endParaRPr lang="en-US"/>
           </a:p>
         </p:txBody>
       </p:sp>
-      <p:sp>
-        <p:nvSpPr>
-          <p:cNvPr id="18" name="Rectangle: Rounded Corners 17">
-            <a:extLst>
-              <a:ext uri="{FF2B5EF4-FFF2-40B4-BE49-F238E27FC236}">
-                <a16:creationId xmlns:a16="http://schemas.microsoft.com/office/drawing/2014/main" id="{36ACF432-50BA-438A-93F9-99C624DCA814}"/>
-              </a:ext>
-            </a:extLst>
-          </p:cNvPr>
-          <p:cNvSpPr/>
-          <p:nvPr/>
-        </p:nvSpPr>
-        <p:spPr>
-          <a:xfrm>
-            <a:off x="6352525" y="4618762"/>
-            <a:ext cx="1219200" cy="457200"/>
-          </a:xfrm>
-          <a:prstGeom prst="roundRect">
-            <a:avLst/>
-          </a:prstGeom>
-        </p:spPr>
-        <p:style>
-          <a:lnRef idx="2">
-            <a:schemeClr val="accent1">
-              <a:shade val="50000"/>
-            </a:schemeClr>
-          </a:lnRef>
-          <a:fillRef idx="1">
-            <a:schemeClr val="accent1"/>
-          </a:fillRef>
-          <a:effectRef idx="0">
-            <a:schemeClr val="accent1"/>
-          </a:effectRef>
-          <a:fontRef idx="minor">
-            <a:schemeClr val="lt1"/>
-          </a:fontRef>
-        </p:style>
-        <p:txBody>
-          <a:bodyPr rtlCol="0" anchor="ctr"/>
-          <a:lstStyle/>
-          <a:p>
-            <a:pPr algn="ctr"/>
-            <a:r>
-              <a:rPr lang="en-US" b="1" dirty="0"/>
-              <a:t>SERVER</a:t>
-            </a:r>
-          </a:p>
-        </p:txBody>
-      </p:sp>
-      <p:sp>
-        <p:nvSpPr>
-          <p:cNvPr id="19" name="Rectangle: Rounded Corners 18">
-            <a:extLst>
-              <a:ext uri="{FF2B5EF4-FFF2-40B4-BE49-F238E27FC236}">
-                <a16:creationId xmlns:a16="http://schemas.microsoft.com/office/drawing/2014/main" id="{2CEFD018-8F93-4AB8-882F-E249B50F3B0D}"/>
-              </a:ext>
-            </a:extLst>
-          </p:cNvPr>
-          <p:cNvSpPr/>
-          <p:nvPr/>
-        </p:nvSpPr>
-        <p:spPr>
-          <a:xfrm>
-            <a:off x="9964327" y="4236496"/>
-            <a:ext cx="1219200" cy="457200"/>
-          </a:xfrm>
-          <a:prstGeom prst="roundRect">
-            <a:avLst/>
-          </a:prstGeom>
-        </p:spPr>
-        <p:style>
-          <a:lnRef idx="2">
-            <a:schemeClr val="accent1">
-              <a:shade val="50000"/>
-            </a:schemeClr>
-          </a:lnRef>
-          <a:fillRef idx="1">
-            <a:schemeClr val="accent1"/>
-          </a:fillRef>
-          <a:effectRef idx="0">
-            <a:schemeClr val="accent1"/>
-          </a:effectRef>
-          <a:fontRef idx="minor">
-            <a:schemeClr val="lt1"/>
-          </a:fontRef>
-        </p:style>
-        <p:txBody>
-          <a:bodyPr rtlCol="0" anchor="ctr"/>
-          <a:lstStyle/>
-          <a:p>
-            <a:pPr algn="ctr"/>
-            <a:r>
-              <a:rPr lang="en-US" b="1" dirty="0"/>
-              <a:t>DATABASE</a:t>
-            </a:r>
-          </a:p>
-        </p:txBody>
-      </p:sp>
-      <p:cxnSp>
-        <p:nvCxnSpPr>
-          <p:cNvPr id="13" name="Straight Arrow Connector 12">
-            <a:extLst>
-              <a:ext uri="{FF2B5EF4-FFF2-40B4-BE49-F238E27FC236}">
-                <a16:creationId xmlns:a16="http://schemas.microsoft.com/office/drawing/2014/main" id="{90906A9E-51A8-48F6-B9CB-AED6FDA73540}"/>
-              </a:ext>
-            </a:extLst>
-          </p:cNvPr>
-          <p:cNvCxnSpPr>
-            <a:cxnSpLocks/>
-          </p:cNvCxnSpPr>
-          <p:nvPr/>
-        </p:nvCxnSpPr>
-        <p:spPr>
-          <a:xfrm flipV="1">
-            <a:off x="3780769" y="3951774"/>
-            <a:ext cx="1905656" cy="1001738"/>
-          </a:xfrm>
-          <a:prstGeom prst="straightConnector1">
-            <a:avLst/>
-          </a:prstGeom>
-          <a:ln>
-            <a:tailEnd type="triangle"/>
-          </a:ln>
-        </p:spPr>
-        <p:style>
-          <a:lnRef idx="3">
-            <a:schemeClr val="dk1"/>
-          </a:lnRef>
-          <a:fillRef idx="0">
-            <a:schemeClr val="dk1"/>
-          </a:fillRef>
-          <a:effectRef idx="2">
-            <a:schemeClr val="dk1"/>
-          </a:effectRef>
-          <a:fontRef idx="minor">
-            <a:schemeClr val="tx1"/>
-          </a:fontRef>
-        </p:style>
-      </p:cxnSp>
-      <p:cxnSp>
-        <p:nvCxnSpPr>
-          <p:cNvPr id="22" name="Straight Arrow Connector 21">
-            <a:extLst>
-              <a:ext uri="{FF2B5EF4-FFF2-40B4-BE49-F238E27FC236}">
-                <a16:creationId xmlns:a16="http://schemas.microsoft.com/office/drawing/2014/main" id="{1AF33703-D311-4D30-87FE-8B59530EE56D}"/>
-              </a:ext>
-            </a:extLst>
-          </p:cNvPr>
-          <p:cNvCxnSpPr>
-            <a:cxnSpLocks/>
-          </p:cNvCxnSpPr>
-          <p:nvPr/>
-        </p:nvCxnSpPr>
-        <p:spPr>
-          <a:xfrm flipH="1">
-            <a:off x="3797191" y="4114518"/>
-            <a:ext cx="1997147" cy="1098619"/>
-          </a:xfrm>
-          <a:prstGeom prst="straightConnector1">
-            <a:avLst/>
-          </a:prstGeom>
-          <a:ln>
-            <a:tailEnd type="triangle"/>
-          </a:ln>
-        </p:spPr>
-        <p:style>
-          <a:lnRef idx="3">
-            <a:schemeClr val="dk1"/>
-          </a:lnRef>
-          <a:fillRef idx="0">
-            <a:schemeClr val="dk1"/>
-          </a:fillRef>
-          <a:effectRef idx="2">
-            <a:schemeClr val="dk1"/>
-          </a:effectRef>
-          <a:fontRef idx="minor">
-            <a:schemeClr val="tx1"/>
-          </a:fontRef>
-        </p:style>
-      </p:cxnSp>
-      <p:cxnSp>
-        <p:nvCxnSpPr>
-          <p:cNvPr id="28" name="Straight Arrow Connector 27">
-            <a:extLst>
-              <a:ext uri="{FF2B5EF4-FFF2-40B4-BE49-F238E27FC236}">
-                <a16:creationId xmlns:a16="http://schemas.microsoft.com/office/drawing/2014/main" id="{8C23208F-52FD-4CFD-BA52-DF7D7B85E3DC}"/>
-              </a:ext>
-            </a:extLst>
-          </p:cNvPr>
-          <p:cNvCxnSpPr>
-            <a:endCxn id="2056" idx="1"/>
-          </p:cNvCxnSpPr>
-          <p:nvPr/>
-        </p:nvCxnSpPr>
-        <p:spPr>
-          <a:xfrm flipV="1">
-            <a:off x="7686675" y="3251848"/>
-            <a:ext cx="1808552" cy="25397"/>
-          </a:xfrm>
-          <a:prstGeom prst="straightConnector1">
-            <a:avLst/>
-          </a:prstGeom>
-          <a:ln>
-            <a:tailEnd type="triangle"/>
-          </a:ln>
-        </p:spPr>
-        <p:style>
-          <a:lnRef idx="3">
-            <a:schemeClr val="dk1"/>
-          </a:lnRef>
-          <a:fillRef idx="0">
-            <a:schemeClr val="dk1"/>
-          </a:fillRef>
-          <a:effectRef idx="2">
-            <a:schemeClr val="dk1"/>
-          </a:effectRef>
-          <a:fontRef idx="minor">
-            <a:schemeClr val="tx1"/>
-          </a:fontRef>
-        </p:style>
-      </p:cxnSp>
-      <p:cxnSp>
-        <p:nvCxnSpPr>
-          <p:cNvPr id="33" name="Straight Arrow Connector 32">
-            <a:extLst>
-              <a:ext uri="{FF2B5EF4-FFF2-40B4-BE49-F238E27FC236}">
-                <a16:creationId xmlns:a16="http://schemas.microsoft.com/office/drawing/2014/main" id="{8CFDBCD7-B430-4F7C-9633-12F3323D371A}"/>
-              </a:ext>
-            </a:extLst>
-          </p:cNvPr>
-          <p:cNvCxnSpPr>
-            <a:cxnSpLocks/>
-          </p:cNvCxnSpPr>
-          <p:nvPr/>
-        </p:nvCxnSpPr>
-        <p:spPr>
-          <a:xfrm>
-            <a:off x="3965600" y="1278988"/>
-            <a:ext cx="1808552" cy="1178462"/>
-          </a:xfrm>
-          <a:prstGeom prst="straightConnector1">
-            <a:avLst/>
-          </a:prstGeom>
-          <a:ln>
-            <a:tailEnd type="triangle"/>
-          </a:ln>
-        </p:spPr>
-        <p:style>
-          <a:lnRef idx="3">
-            <a:schemeClr val="dk1"/>
-          </a:lnRef>
-          <a:fillRef idx="0">
-            <a:schemeClr val="dk1"/>
-          </a:fillRef>
-          <a:effectRef idx="2">
-            <a:schemeClr val="dk1"/>
-          </a:effectRef>
-          <a:fontRef idx="minor">
-            <a:schemeClr val="tx1"/>
-          </a:fontRef>
-        </p:style>
-      </p:cxnSp>
-      <p:cxnSp>
-        <p:nvCxnSpPr>
-          <p:cNvPr id="35" name="Straight Arrow Connector 34">
-            <a:extLst>
-              <a:ext uri="{FF2B5EF4-FFF2-40B4-BE49-F238E27FC236}">
-                <a16:creationId xmlns:a16="http://schemas.microsoft.com/office/drawing/2014/main" id="{EDDAB77A-55FB-428F-B0E3-CBB0DCC372BA}"/>
-              </a:ext>
-            </a:extLst>
-          </p:cNvPr>
-          <p:cNvCxnSpPr>
-            <a:cxnSpLocks/>
-          </p:cNvCxnSpPr>
-          <p:nvPr/>
-        </p:nvCxnSpPr>
-        <p:spPr>
-          <a:xfrm flipH="1" flipV="1">
-            <a:off x="3925869" y="1491119"/>
-            <a:ext cx="1689460" cy="1113324"/>
-          </a:xfrm>
-          <a:prstGeom prst="straightConnector1">
-            <a:avLst/>
-          </a:prstGeom>
-          <a:ln>
-            <a:tailEnd type="triangle"/>
-          </a:ln>
-        </p:spPr>
-        <p:style>
-          <a:lnRef idx="3">
-            <a:schemeClr val="dk1"/>
-          </a:lnRef>
-          <a:fillRef idx="0">
-            <a:schemeClr val="dk1"/>
-          </a:fillRef>
-          <a:effectRef idx="2">
-            <a:schemeClr val="dk1"/>
-          </a:effectRef>
-          <a:fontRef idx="minor">
-            <a:schemeClr val="tx1"/>
-          </a:fontRef>
-        </p:style>
-      </p:cxnSp>
       <p:pic>
         <p:nvPicPr>
-          <p:cNvPr id="2058" name="Picture 10" descr="Image result for logo chrome">
-            <a:extLst>
-              <a:ext uri="{FF2B5EF4-FFF2-40B4-BE49-F238E27FC236}">
-                <a16:creationId xmlns:a16="http://schemas.microsoft.com/office/drawing/2014/main" id="{4174E24C-5258-41CB-9326-7A9BD91C2704}"/>
-              </a:ext>
-            </a:extLst>
-          </p:cNvPr>
-          <p:cNvPicPr>
-            <a:picLocks noChangeAspect="1" noChangeArrowheads="1"/>
-          </p:cNvPicPr>
-          <p:nvPr/>
-        </p:nvPicPr>
-        <p:blipFill>
-          <a:blip r:embed="rId6">
-            <a:extLst>
-              <a:ext uri="{28A0092B-C50C-407E-A947-70E740481C1C}">
-                <a14:useLocalDpi xmlns:a14="http://schemas.microsoft.com/office/drawing/2010/main" val="0"/>
-              </a:ext>
-            </a:extLst>
-          </a:blip>
-          <a:srcRect/>
-          <a:stretch>
-            <a:fillRect/>
-          </a:stretch>
-        </p:blipFill>
-        <p:spPr bwMode="auto">
-          <a:xfrm>
-            <a:off x="2397890" y="5981263"/>
-            <a:ext cx="665900" cy="665900"/>
-          </a:xfrm>
-          <a:prstGeom prst="rect">
-            <a:avLst/>
-          </a:prstGeom>
-          <a:noFill/>
-          <a:extLst>
-            <a:ext uri="{909E8E84-426E-40DD-AFC4-6F175D3DCCD1}">
-              <a14:hiddenFill xmlns:a14="http://schemas.microsoft.com/office/drawing/2010/main">
-                <a:solidFill>
-                  <a:srgbClr val="FFFFFF"/>
-                </a:solidFill>
-              </a14:hiddenFill>
-            </a:ext>
-          </a:extLst>
-        </p:spPr>
-      </p:pic>
-      <p:pic>
-        <p:nvPicPr>
-          <p:cNvPr id="2060" name="Picture 12" descr="Image result for logo arduino">
-            <a:extLst>
-              <a:ext uri="{FF2B5EF4-FFF2-40B4-BE49-F238E27FC236}">
-                <a16:creationId xmlns:a16="http://schemas.microsoft.com/office/drawing/2014/main" id="{FFC82E51-4AC2-4DDA-8502-AD93D969A8CF}"/>
+          <p:cNvPr id="1026" name="Picture 2" descr="Image result for blynk logo">
+            <a:extLst>
+              <a:ext uri="{FF2B5EF4-FFF2-40B4-BE49-F238E27FC236}">
+                <a16:creationId xmlns:a16="http://schemas.microsoft.com/office/drawing/2014/main" id="{EEFFD992-0377-48AA-98E1-6708B1633D85}"/>
               </a:ext>
             </a:extLst>
           </p:cNvPr>
@@ -13308,154 +15974,14 @@
               </a:ext>
             </a:extLst>
           </a:blip>
-          <a:srcRect/>
-          <a:stretch>
-            <a:fillRect/>
-          </a:stretch>
-        </p:blipFill>
-        <p:spPr bwMode="auto">
-          <a:xfrm flipH="1">
-            <a:off x="2438241" y="1743048"/>
-            <a:ext cx="665438" cy="665900"/>
-          </a:xfrm>
-          <a:prstGeom prst="rect">
-            <a:avLst/>
-          </a:prstGeom>
-          <a:noFill/>
-          <a:extLst>
-            <a:ext uri="{909E8E84-426E-40DD-AFC4-6F175D3DCCD1}">
-              <a14:hiddenFill xmlns:a14="http://schemas.microsoft.com/office/drawing/2010/main">
-                <a:solidFill>
-                  <a:srgbClr val="FFFFFF"/>
-                </a:solidFill>
-              </a14:hiddenFill>
-            </a:ext>
-          </a:extLst>
-        </p:spPr>
-      </p:pic>
-      <p:pic>
-        <p:nvPicPr>
-          <p:cNvPr id="2062" name="Picture 14" descr="Image result for php">
-            <a:extLst>
-              <a:ext uri="{FF2B5EF4-FFF2-40B4-BE49-F238E27FC236}">
-                <a16:creationId xmlns:a16="http://schemas.microsoft.com/office/drawing/2014/main" id="{105292ED-55DF-4225-A7E4-75DDBC0F8442}"/>
-              </a:ext>
-            </a:extLst>
-          </p:cNvPr>
-          <p:cNvPicPr>
-            <a:picLocks noChangeAspect="1" noChangeArrowheads="1"/>
-          </p:cNvPicPr>
-          <p:nvPr/>
-        </p:nvPicPr>
-        <p:blipFill>
-          <a:blip r:embed="rId8">
-            <a:extLst>
-              <a:ext uri="{28A0092B-C50C-407E-A947-70E740481C1C}">
-                <a14:useLocalDpi xmlns:a14="http://schemas.microsoft.com/office/drawing/2010/main" val="0"/>
-              </a:ext>
-            </a:extLst>
-          </a:blip>
-          <a:srcRect/>
           <a:stretch>
             <a:fillRect/>
           </a:stretch>
         </p:blipFill>
         <p:spPr bwMode="auto">
           <a:xfrm>
-            <a:off x="6565238" y="5884896"/>
-            <a:ext cx="976417" cy="527265"/>
-          </a:xfrm>
-          <a:prstGeom prst="rect">
-            <a:avLst/>
-          </a:prstGeom>
-          <a:noFill/>
-          <a:extLst>
-            <a:ext uri="{909E8E84-426E-40DD-AFC4-6F175D3DCCD1}">
-              <a14:hiddenFill xmlns:a14="http://schemas.microsoft.com/office/drawing/2010/main">
-                <a:solidFill>
-                  <a:srgbClr val="FFFFFF"/>
-                </a:solidFill>
-              </a14:hiddenFill>
-            </a:ext>
-          </a:extLst>
-        </p:spPr>
-      </p:pic>
-      <p:pic>
-        <p:nvPicPr>
-          <p:cNvPr id="2064" name="Picture 16">
-            <a:extLst>
-              <a:ext uri="{FF2B5EF4-FFF2-40B4-BE49-F238E27FC236}">
-                <a16:creationId xmlns:a16="http://schemas.microsoft.com/office/drawing/2014/main" id="{DE8B4C19-374D-4F39-8E54-9FE581CCCDCD}"/>
-              </a:ext>
-            </a:extLst>
-          </p:cNvPr>
-          <p:cNvPicPr>
-            <a:picLocks noChangeAspect="1" noChangeArrowheads="1"/>
-          </p:cNvPicPr>
-          <p:nvPr/>
-        </p:nvPicPr>
-        <p:blipFill rotWithShape="1">
-          <a:blip r:embed="rId9">
-            <a:extLst>
-              <a:ext uri="{28A0092B-C50C-407E-A947-70E740481C1C}">
-                <a14:useLocalDpi xmlns:a14="http://schemas.microsoft.com/office/drawing/2010/main" val="0"/>
-              </a:ext>
-            </a:extLst>
-          </a:blip>
-          <a:srcRect t="9805" r="7744" b="9119"/>
-          <a:stretch/>
-        </p:blipFill>
-        <p:spPr bwMode="auto">
-          <a:xfrm>
-            <a:off x="6227192" y="5194087"/>
-            <a:ext cx="1385440" cy="608769"/>
-          </a:xfrm>
-          <a:prstGeom prst="rect">
-            <a:avLst/>
-          </a:prstGeom>
-          <a:noFill/>
-          <a:extLst>
-            <a:ext uri="{909E8E84-426E-40DD-AFC4-6F175D3DCCD1}">
-              <a14:hiddenFill xmlns:a14="http://schemas.microsoft.com/office/drawing/2010/main">
-                <a:solidFill>
-                  <a:srgbClr val="FFFFFF"/>
-                </a:solidFill>
-              </a14:hiddenFill>
-            </a:ext>
-          </a:extLst>
-        </p:spPr>
-      </p:pic>
-      <p:pic>
-        <p:nvPicPr>
-          <p:cNvPr id="2066" name="Picture 18" descr="Image result for mysql logo">
-            <a:extLst>
-              <a:ext uri="{FF2B5EF4-FFF2-40B4-BE49-F238E27FC236}">
-                <a16:creationId xmlns:a16="http://schemas.microsoft.com/office/drawing/2014/main" id="{4FCA76BF-8211-4869-9AEC-592561386D05}"/>
-              </a:ext>
-            </a:extLst>
-          </p:cNvPr>
-          <p:cNvPicPr>
-            <a:picLocks noChangeAspect="1" noChangeArrowheads="1"/>
-          </p:cNvPicPr>
-          <p:nvPr/>
-        </p:nvPicPr>
-        <p:blipFill>
-          <a:blip r:embed="rId10">
-            <a:extLst>
-              <a:ext uri="{28A0092B-C50C-407E-A947-70E740481C1C}">
-                <a14:useLocalDpi xmlns:a14="http://schemas.microsoft.com/office/drawing/2010/main" val="0"/>
-              </a:ext>
-            </a:extLst>
-          </a:blip>
-          <a:srcRect/>
-          <a:stretch>
-            <a:fillRect/>
-          </a:stretch>
-        </p:blipFill>
-        <p:spPr bwMode="auto">
-          <a:xfrm>
-            <a:off x="9893649" y="4749626"/>
-            <a:ext cx="1611350" cy="1072280"/>
+            <a:off x="8923147" y="2330144"/>
+            <a:ext cx="2456770" cy="2158283"/>
           </a:xfrm>
           <a:prstGeom prst="rect">
             <a:avLst/>
@@ -13474,401 +16000,110 @@
       </p:pic>
       <p:sp>
         <p:nvSpPr>
-          <p:cNvPr id="36" name="TextBox 35">
-            <a:extLst>
-              <a:ext uri="{FF2B5EF4-FFF2-40B4-BE49-F238E27FC236}">
-                <a16:creationId xmlns:a16="http://schemas.microsoft.com/office/drawing/2014/main" id="{729FE942-9945-4440-A396-7A742666F444}"/>
-              </a:ext>
-            </a:extLst>
-          </p:cNvPr>
-          <p:cNvSpPr txBox="1"/>
-          <p:nvPr/>
+          <p:cNvPr id="107" name="Right Triangle 106">
+            <a:extLst>
+              <a:ext uri="{FF2B5EF4-FFF2-40B4-BE49-F238E27FC236}">
+                <a16:creationId xmlns:a16="http://schemas.microsoft.com/office/drawing/2014/main" id="{27400BAF-FCE6-4296-8A0E-9B595ADC09A4}"/>
+              </a:ext>
+              <a:ext uri="{C183D7F6-B498-43B3-948B-1728B52AA6E4}">
+                <adec:decorative xmlns:adec="http://schemas.microsoft.com/office/drawing/2017/decorative" val="1"/>
+              </a:ext>
+            </a:extLst>
+          </p:cNvPr>
+          <p:cNvSpPr>
+            <a:spLocks noGrp="1" noRot="1" noChangeAspect="1" noMove="1" noResize="1" noEditPoints="1" noAdjustHandles="1" noChangeArrowheads="1" noChangeShapeType="1" noTextEdit="1"/>
+          </p:cNvSpPr>
+          <p:nvPr>
+            <p:extLst>
+              <p:ext uri="{386F3935-93C4-4BCD-93E2-E3B085C9AB24}">
+                <p16:designElem xmlns:p16="http://schemas.microsoft.com/office/powerpoint/2015/main" val="1"/>
+              </p:ext>
+            </p:extLst>
+          </p:nvPr>
         </p:nvSpPr>
         <p:spPr>
-          <a:xfrm>
-            <a:off x="7028493" y="119102"/>
-            <a:ext cx="5163507" cy="1015663"/>
+          <a:xfrm flipH="1">
+            <a:off x="8432800" y="4724529"/>
+            <a:ext cx="325600" cy="406635"/>
           </a:xfrm>
-          <a:prstGeom prst="rect">
+          <a:prstGeom prst="rtTriangle">
             <a:avLst/>
           </a:prstGeom>
-          <a:noFill/>
+          <a:solidFill>
+            <a:srgbClr val="F38A00"/>
+          </a:solidFill>
+          <a:ln>
+            <a:noFill/>
+          </a:ln>
         </p:spPr>
+        <p:style>
+          <a:lnRef idx="2">
+            <a:schemeClr val="accent1">
+              <a:shade val="50000"/>
+            </a:schemeClr>
+          </a:lnRef>
+          <a:fillRef idx="1">
+            <a:schemeClr val="accent1"/>
+          </a:fillRef>
+          <a:effectRef idx="0">
+            <a:schemeClr val="accent1"/>
+          </a:effectRef>
+          <a:fontRef idx="minor">
+            <a:schemeClr val="lt1"/>
+          </a:fontRef>
+        </p:style>
         <p:txBody>
-          <a:bodyPr wrap="square" rtlCol="0">
-            <a:spAutoFit/>
-          </a:bodyPr>
+          <a:bodyPr rtlCol="0" anchor="ctr"/>
           <a:lstStyle/>
           <a:p>
-            <a:r>
-              <a:rPr lang="en-US" sz="3000" dirty="0">
-                <a:latin typeface="Arial" panose="020B0604020202020204" pitchFamily="34" charset="0"/>
-                <a:cs typeface="Arial" panose="020B0604020202020204" pitchFamily="34" charset="0"/>
-              </a:rPr>
-              <a:t>TOPOLOGY IOT</a:t>
-            </a:r>
-          </a:p>
-          <a:p>
-            <a:r>
-              <a:rPr lang="en-US" sz="3000" dirty="0">
-                <a:latin typeface="Arial" panose="020B0604020202020204" pitchFamily="34" charset="0"/>
-                <a:cs typeface="Arial" panose="020B0604020202020204" pitchFamily="34" charset="0"/>
-              </a:rPr>
-              <a:t>USING HTTP PROTOCOL</a:t>
-            </a:r>
+            <a:pPr marL="0" marR="0" lvl="0" indent="0" algn="ctr" defTabSz="914400" rtl="0" eaLnBrk="1" fontAlgn="auto" latinLnBrk="0" hangingPunct="1">
+              <a:lnSpc>
+                <a:spcPct val="100000"/>
+              </a:lnSpc>
+              <a:spcBef>
+                <a:spcPts val="0"/>
+              </a:spcBef>
+              <a:spcAft>
+                <a:spcPts val="0"/>
+              </a:spcAft>
+              <a:buClrTx/>
+              <a:buSzTx/>
+              <a:buFontTx/>
+              <a:buNone/>
+              <a:tabLst/>
+              <a:defRPr/>
+            </a:pPr>
+            <a:endParaRPr kumimoji="0" lang="en-US" sz="1800" b="0" i="0" u="none" strike="noStrike" kern="1200" cap="none" spc="0" normalizeH="0" baseline="0" noProof="0">
+              <a:ln>
+                <a:noFill/>
+              </a:ln>
+              <a:solidFill>
+                <a:prstClr val="white"/>
+              </a:solidFill>
+              <a:effectLst/>
+              <a:uLnTx/>
+              <a:uFillTx/>
+              <a:latin typeface="Calibri" panose="020F0502020204030204"/>
+              <a:ea typeface="+mn-ea"/>
+              <a:cs typeface="+mn-cs"/>
+            </a:endParaRPr>
           </a:p>
         </p:txBody>
       </p:sp>
-      <p:sp>
-        <p:nvSpPr>
-          <p:cNvPr id="46" name="TextBox 45">
-            <a:extLst>
-              <a:ext uri="{FF2B5EF4-FFF2-40B4-BE49-F238E27FC236}">
-                <a16:creationId xmlns:a16="http://schemas.microsoft.com/office/drawing/2014/main" id="{F89BDBCF-E33D-460C-B388-E0163F8490F4}"/>
-              </a:ext>
-            </a:extLst>
-          </p:cNvPr>
-          <p:cNvSpPr txBox="1"/>
-          <p:nvPr/>
-        </p:nvSpPr>
-        <p:spPr>
-          <a:xfrm>
-            <a:off x="4699293" y="1069910"/>
-            <a:ext cx="1718557" cy="323165"/>
-          </a:xfrm>
-          <a:prstGeom prst="rect">
-            <a:avLst/>
-          </a:prstGeom>
-          <a:noFill/>
-        </p:spPr>
-        <p:txBody>
-          <a:bodyPr wrap="square" rtlCol="0">
-            <a:spAutoFit/>
-          </a:bodyPr>
-          <a:lstStyle/>
-          <a:p>
-            <a:r>
-              <a:rPr lang="en-US" sz="1500" dirty="0"/>
-              <a:t>HTTP GET/POST</a:t>
-            </a:r>
-          </a:p>
-        </p:txBody>
-      </p:sp>
-      <p:sp>
-        <p:nvSpPr>
-          <p:cNvPr id="49" name="TextBox 48">
-            <a:extLst>
-              <a:ext uri="{FF2B5EF4-FFF2-40B4-BE49-F238E27FC236}">
-                <a16:creationId xmlns:a16="http://schemas.microsoft.com/office/drawing/2014/main" id="{9E0774D3-5AF0-48DB-8E1E-796C0D8AD220}"/>
-              </a:ext>
-            </a:extLst>
-          </p:cNvPr>
-          <p:cNvSpPr txBox="1"/>
-          <p:nvPr/>
-        </p:nvSpPr>
-        <p:spPr>
-          <a:xfrm rot="2042357">
-            <a:off x="4523529" y="1603085"/>
-            <a:ext cx="923742" cy="276999"/>
-          </a:xfrm>
-          <a:prstGeom prst="rect">
-            <a:avLst/>
-          </a:prstGeom>
-          <a:noFill/>
-        </p:spPr>
-        <p:txBody>
-          <a:bodyPr wrap="square" rtlCol="0">
-            <a:spAutoFit/>
-          </a:bodyPr>
-          <a:lstStyle/>
-          <a:p>
-            <a:pPr algn="ctr"/>
-            <a:r>
-              <a:rPr lang="en-US" sz="1200" b="1" dirty="0">
-                <a:solidFill>
-                  <a:srgbClr val="FF0000"/>
-                </a:solidFill>
-              </a:rPr>
-              <a:t>REQUEST</a:t>
-            </a:r>
-          </a:p>
-        </p:txBody>
-      </p:sp>
-      <p:sp>
-        <p:nvSpPr>
-          <p:cNvPr id="50" name="TextBox 49">
-            <a:extLst>
-              <a:ext uri="{FF2B5EF4-FFF2-40B4-BE49-F238E27FC236}">
-                <a16:creationId xmlns:a16="http://schemas.microsoft.com/office/drawing/2014/main" id="{7815FCBE-21ED-462C-9562-6400A434587C}"/>
-              </a:ext>
-            </a:extLst>
-          </p:cNvPr>
-          <p:cNvSpPr txBox="1"/>
-          <p:nvPr/>
-        </p:nvSpPr>
-        <p:spPr>
-          <a:xfrm rot="2093234">
-            <a:off x="4158347" y="2040754"/>
-            <a:ext cx="1027948" cy="276999"/>
-          </a:xfrm>
-          <a:prstGeom prst="rect">
-            <a:avLst/>
-          </a:prstGeom>
-          <a:noFill/>
-        </p:spPr>
-        <p:txBody>
-          <a:bodyPr wrap="square" rtlCol="0">
-            <a:spAutoFit/>
-          </a:bodyPr>
-          <a:lstStyle/>
-          <a:p>
-            <a:pPr algn="ctr"/>
-            <a:r>
-              <a:rPr lang="en-US" sz="1200" b="1" dirty="0">
-                <a:solidFill>
-                  <a:srgbClr val="00B050"/>
-                </a:solidFill>
-              </a:rPr>
-              <a:t>RESPONSE</a:t>
-            </a:r>
-          </a:p>
-        </p:txBody>
-      </p:sp>
-      <p:sp>
-        <p:nvSpPr>
-          <p:cNvPr id="52" name="TextBox 51">
-            <a:extLst>
-              <a:ext uri="{FF2B5EF4-FFF2-40B4-BE49-F238E27FC236}">
-                <a16:creationId xmlns:a16="http://schemas.microsoft.com/office/drawing/2014/main" id="{E14389C3-0FC4-4600-A91E-0AE37E4ECB18}"/>
-              </a:ext>
-            </a:extLst>
-          </p:cNvPr>
-          <p:cNvSpPr txBox="1"/>
-          <p:nvPr/>
-        </p:nvSpPr>
-        <p:spPr>
-          <a:xfrm rot="19896941">
-            <a:off x="4188325" y="4199012"/>
-            <a:ext cx="923742" cy="276999"/>
-          </a:xfrm>
-          <a:prstGeom prst="rect">
-            <a:avLst/>
-          </a:prstGeom>
-          <a:noFill/>
-        </p:spPr>
-        <p:txBody>
-          <a:bodyPr wrap="square" rtlCol="0">
-            <a:spAutoFit/>
-          </a:bodyPr>
-          <a:lstStyle/>
-          <a:p>
-            <a:pPr algn="ctr"/>
-            <a:r>
-              <a:rPr lang="en-US" sz="1200" b="1" dirty="0">
-                <a:solidFill>
-                  <a:srgbClr val="FF0000"/>
-                </a:solidFill>
-              </a:rPr>
-              <a:t>REQUEST</a:t>
-            </a:r>
-          </a:p>
-        </p:txBody>
-      </p:sp>
-      <p:sp>
-        <p:nvSpPr>
-          <p:cNvPr id="53" name="TextBox 52">
-            <a:extLst>
-              <a:ext uri="{FF2B5EF4-FFF2-40B4-BE49-F238E27FC236}">
-                <a16:creationId xmlns:a16="http://schemas.microsoft.com/office/drawing/2014/main" id="{BA4795FB-464A-4E66-BEB0-D702E05AB18D}"/>
-              </a:ext>
-            </a:extLst>
-          </p:cNvPr>
-          <p:cNvSpPr txBox="1"/>
-          <p:nvPr/>
-        </p:nvSpPr>
-        <p:spPr>
-          <a:xfrm rot="19806813">
-            <a:off x="4400062" y="4656569"/>
-            <a:ext cx="1027948" cy="276999"/>
-          </a:xfrm>
-          <a:prstGeom prst="rect">
-            <a:avLst/>
-          </a:prstGeom>
-          <a:noFill/>
-        </p:spPr>
-        <p:txBody>
-          <a:bodyPr wrap="square" rtlCol="0">
-            <a:spAutoFit/>
-          </a:bodyPr>
-          <a:lstStyle/>
-          <a:p>
-            <a:pPr algn="ctr"/>
-            <a:r>
-              <a:rPr lang="en-US" sz="1200" b="1" dirty="0">
-                <a:solidFill>
-                  <a:srgbClr val="00B050"/>
-                </a:solidFill>
-              </a:rPr>
-              <a:t>RESPONSE</a:t>
-            </a:r>
-          </a:p>
-        </p:txBody>
-      </p:sp>
-      <p:pic>
-        <p:nvPicPr>
-          <p:cNvPr id="2068" name="Picture 20" descr="Image result for HTML CSS JS">
-            <a:extLst>
-              <a:ext uri="{FF2B5EF4-FFF2-40B4-BE49-F238E27FC236}">
-                <a16:creationId xmlns:a16="http://schemas.microsoft.com/office/drawing/2014/main" id="{75660C31-F87F-4BFE-9E33-FA46D21BD46A}"/>
-              </a:ext>
-            </a:extLst>
-          </p:cNvPr>
-          <p:cNvPicPr>
-            <a:picLocks noChangeAspect="1" noChangeArrowheads="1"/>
-          </p:cNvPicPr>
-          <p:nvPr/>
-        </p:nvPicPr>
-        <p:blipFill>
-          <a:blip r:embed="rId11">
-            <a:extLst>
-              <a:ext uri="{28A0092B-C50C-407E-A947-70E740481C1C}">
-                <a14:useLocalDpi xmlns:a14="http://schemas.microsoft.com/office/drawing/2010/main" val="0"/>
-              </a:ext>
-            </a:extLst>
-          </a:blip>
-          <a:srcRect/>
-          <a:stretch>
-            <a:fillRect/>
-          </a:stretch>
-        </p:blipFill>
-        <p:spPr bwMode="auto">
-          <a:xfrm>
-            <a:off x="3908009" y="5213137"/>
-            <a:ext cx="1432649" cy="794673"/>
-          </a:xfrm>
-          <a:prstGeom prst="rect">
-            <a:avLst/>
-          </a:prstGeom>
-          <a:noFill/>
-          <a:extLst>
-            <a:ext uri="{909E8E84-426E-40DD-AFC4-6F175D3DCCD1}">
-              <a14:hiddenFill xmlns:a14="http://schemas.microsoft.com/office/drawing/2010/main">
-                <a:solidFill>
-                  <a:srgbClr val="FFFFFF"/>
-                </a:solidFill>
-              </a14:hiddenFill>
-            </a:ext>
-          </a:extLst>
-        </p:spPr>
-      </p:pic>
-      <p:pic>
-        <p:nvPicPr>
-          <p:cNvPr id="2070" name="Picture 22" descr="Image result for JSON LOGO">
-            <a:extLst>
-              <a:ext uri="{FF2B5EF4-FFF2-40B4-BE49-F238E27FC236}">
-                <a16:creationId xmlns:a16="http://schemas.microsoft.com/office/drawing/2014/main" id="{A3A3541F-59BF-4920-871E-2A303B249B14}"/>
-              </a:ext>
-            </a:extLst>
-          </p:cNvPr>
-          <p:cNvPicPr>
-            <a:picLocks noChangeAspect="1" noChangeArrowheads="1"/>
-          </p:cNvPicPr>
-          <p:nvPr/>
-        </p:nvPicPr>
-        <p:blipFill>
-          <a:blip r:embed="rId12">
-            <a:extLst>
-              <a:ext uri="{28A0092B-C50C-407E-A947-70E740481C1C}">
-                <a14:useLocalDpi xmlns:a14="http://schemas.microsoft.com/office/drawing/2010/main" val="0"/>
-              </a:ext>
-            </a:extLst>
-          </a:blip>
-          <a:srcRect/>
-          <a:stretch>
-            <a:fillRect/>
-          </a:stretch>
-        </p:blipFill>
-        <p:spPr bwMode="auto">
-          <a:xfrm>
-            <a:off x="3719349" y="2244554"/>
-            <a:ext cx="871209" cy="478311"/>
-          </a:xfrm>
-          <a:prstGeom prst="rect">
-            <a:avLst/>
-          </a:prstGeom>
-          <a:noFill/>
-          <a:extLst>
-            <a:ext uri="{909E8E84-426E-40DD-AFC4-6F175D3DCCD1}">
-              <a14:hiddenFill xmlns:a14="http://schemas.microsoft.com/office/drawing/2010/main">
-                <a:solidFill>
-                  <a:srgbClr val="FFFFFF"/>
-                </a:solidFill>
-              </a14:hiddenFill>
-            </a:ext>
-          </a:extLst>
-        </p:spPr>
-      </p:pic>
-      <p:pic>
-        <p:nvPicPr>
-          <p:cNvPr id="2072" name="Picture 24" descr="Image result for SQL logo">
-            <a:extLst>
-              <a:ext uri="{FF2B5EF4-FFF2-40B4-BE49-F238E27FC236}">
-                <a16:creationId xmlns:a16="http://schemas.microsoft.com/office/drawing/2014/main" id="{DC8DFDD6-2DF0-4218-8629-3B92816FB4BB}"/>
-              </a:ext>
-            </a:extLst>
-          </p:cNvPr>
-          <p:cNvPicPr>
-            <a:picLocks noChangeAspect="1" noChangeArrowheads="1"/>
-          </p:cNvPicPr>
-          <p:nvPr/>
-        </p:nvPicPr>
-        <p:blipFill>
-          <a:blip r:embed="rId13">
-            <a:extLst>
-              <a:ext uri="{28A0092B-C50C-407E-A947-70E740481C1C}">
-                <a14:useLocalDpi xmlns:a14="http://schemas.microsoft.com/office/drawing/2010/main" val="0"/>
-              </a:ext>
-            </a:extLst>
-          </a:blip>
-          <a:srcRect/>
-          <a:stretch>
-            <a:fillRect/>
-          </a:stretch>
-        </p:blipFill>
-        <p:spPr bwMode="auto">
-          <a:xfrm>
-            <a:off x="8188647" y="2537016"/>
-            <a:ext cx="840310" cy="630761"/>
-          </a:xfrm>
-          <a:prstGeom prst="rect">
-            <a:avLst/>
-          </a:prstGeom>
-          <a:noFill/>
-          <a:extLst>
-            <a:ext uri="{909E8E84-426E-40DD-AFC4-6F175D3DCCD1}">
-              <a14:hiddenFill xmlns:a14="http://schemas.microsoft.com/office/drawing/2010/main">
-                <a:solidFill>
-                  <a:srgbClr val="FFFFFF"/>
-                </a:solidFill>
-              </a14:hiddenFill>
-            </a:ext>
-          </a:extLst>
-        </p:spPr>
-      </p:pic>
     </p:spTree>
     <p:extLst>
       <p:ext uri="{BB962C8B-B14F-4D97-AF65-F5344CB8AC3E}">
-        <p14:creationId xmlns:p14="http://schemas.microsoft.com/office/powerpoint/2010/main" val="794243776"/>
+        <p14:creationId xmlns:p14="http://schemas.microsoft.com/office/powerpoint/2010/main" val="4166559495"/>
       </p:ext>
     </p:extLst>
   </p:cSld>
   <p:clrMapOvr>
-    <a:masterClrMapping/>
+    <a:overrideClrMapping bg1="dk1" tx1="lt1" bg2="dk2" tx2="lt2" accent1="accent1" accent2="accent2" accent3="accent3" accent4="accent4" accent5="accent5" accent6="accent6" hlink="hlink" folHlink="folHlink"/>
   </p:clrMapOvr>
 </p:sld>
 </file>
 
-<file path=ppt/slides/slide3.xml><?xml version="1.0" encoding="utf-8"?>
+<file path=ppt/slides/slide4.xml><?xml version="1.0" encoding="utf-8"?>
 <p:sld xmlns:a="http://schemas.openxmlformats.org/drawingml/2006/main" xmlns:r="http://schemas.openxmlformats.org/officeDocument/2006/relationships" xmlns:p="http://schemas.openxmlformats.org/presentationml/2006/main">
   <p:cSld>
     <p:bg>
@@ -14784,10 +17019,1724 @@
   <p:clrMapOvr>
     <a:masterClrMapping/>
   </p:clrMapOvr>
+  <p:timing>
+    <p:tnLst>
+      <p:par>
+        <p:cTn id="1" dur="indefinite" restart="never" nodeType="tmRoot">
+          <p:childTnLst>
+            <p:seq concurrent="1" nextAc="seek">
+              <p:cTn id="2" dur="indefinite" nodeType="mainSeq">
+                <p:childTnLst>
+                  <p:par>
+                    <p:cTn id="3" fill="hold">
+                      <p:stCondLst>
+                        <p:cond delay="indefinite"/>
+                      </p:stCondLst>
+                      <p:childTnLst>
+                        <p:par>
+                          <p:cTn id="4" fill="hold">
+                            <p:stCondLst>
+                              <p:cond delay="0"/>
+                            </p:stCondLst>
+                            <p:childTnLst>
+                              <p:par>
+                                <p:cTn id="5" presetID="16" presetClass="entr" presetSubtype="21" fill="hold" grpId="0" nodeType="clickEffect">
+                                  <p:stCondLst>
+                                    <p:cond delay="0"/>
+                                  </p:stCondLst>
+                                  <p:childTnLst>
+                                    <p:set>
+                                      <p:cBhvr>
+                                        <p:cTn id="6" dur="1" fill="hold">
+                                          <p:stCondLst>
+                                            <p:cond delay="0"/>
+                                          </p:stCondLst>
+                                        </p:cTn>
+                                        <p:tgtEl>
+                                          <p:spTgt spid="3"/>
+                                        </p:tgtEl>
+                                        <p:attrNameLst>
+                                          <p:attrName>style.visibility</p:attrName>
+                                        </p:attrNameLst>
+                                      </p:cBhvr>
+                                      <p:to>
+                                        <p:strVal val="visible"/>
+                                      </p:to>
+                                    </p:set>
+                                    <p:animEffect transition="in" filter="barn(inVertical)">
+                                      <p:cBhvr>
+                                        <p:cTn id="7" dur="500"/>
+                                        <p:tgtEl>
+                                          <p:spTgt spid="3"/>
+                                        </p:tgtEl>
+                                      </p:cBhvr>
+                                    </p:animEffect>
+                                  </p:childTnLst>
+                                </p:cTn>
+                              </p:par>
+                            </p:childTnLst>
+                          </p:cTn>
+                        </p:par>
+                      </p:childTnLst>
+                    </p:cTn>
+                  </p:par>
+                  <p:par>
+                    <p:cTn id="8" fill="hold">
+                      <p:stCondLst>
+                        <p:cond delay="indefinite"/>
+                      </p:stCondLst>
+                      <p:childTnLst>
+                        <p:par>
+                          <p:cTn id="9" fill="hold">
+                            <p:stCondLst>
+                              <p:cond delay="0"/>
+                            </p:stCondLst>
+                            <p:childTnLst>
+                              <p:par>
+                                <p:cTn id="10" presetID="42" presetClass="entr" presetSubtype="0" fill="hold" grpId="0" nodeType="clickEffect">
+                                  <p:stCondLst>
+                                    <p:cond delay="0"/>
+                                  </p:stCondLst>
+                                  <p:childTnLst>
+                                    <p:set>
+                                      <p:cBhvr>
+                                        <p:cTn id="11" dur="1" fill="hold">
+                                          <p:stCondLst>
+                                            <p:cond delay="0"/>
+                                          </p:stCondLst>
+                                        </p:cTn>
+                                        <p:tgtEl>
+                                          <p:spTgt spid="4"/>
+                                        </p:tgtEl>
+                                        <p:attrNameLst>
+                                          <p:attrName>style.visibility</p:attrName>
+                                        </p:attrNameLst>
+                                      </p:cBhvr>
+                                      <p:to>
+                                        <p:strVal val="visible"/>
+                                      </p:to>
+                                    </p:set>
+                                    <p:animEffect transition="in" filter="fade">
+                                      <p:cBhvr>
+                                        <p:cTn id="12" dur="1000"/>
+                                        <p:tgtEl>
+                                          <p:spTgt spid="4"/>
+                                        </p:tgtEl>
+                                      </p:cBhvr>
+                                    </p:animEffect>
+                                    <p:anim calcmode="lin" valueType="num">
+                                      <p:cBhvr>
+                                        <p:cTn id="13" dur="1000" fill="hold"/>
+                                        <p:tgtEl>
+                                          <p:spTgt spid="4"/>
+                                        </p:tgtEl>
+                                        <p:attrNameLst>
+                                          <p:attrName>ppt_x</p:attrName>
+                                        </p:attrNameLst>
+                                      </p:cBhvr>
+                                      <p:tavLst>
+                                        <p:tav tm="0">
+                                          <p:val>
+                                            <p:strVal val="#ppt_x"/>
+                                          </p:val>
+                                        </p:tav>
+                                        <p:tav tm="100000">
+                                          <p:val>
+                                            <p:strVal val="#ppt_x"/>
+                                          </p:val>
+                                        </p:tav>
+                                      </p:tavLst>
+                                    </p:anim>
+                                    <p:anim calcmode="lin" valueType="num">
+                                      <p:cBhvr>
+                                        <p:cTn id="14" dur="1000" fill="hold"/>
+                                        <p:tgtEl>
+                                          <p:spTgt spid="4"/>
+                                        </p:tgtEl>
+                                        <p:attrNameLst>
+                                          <p:attrName>ppt_y</p:attrName>
+                                        </p:attrNameLst>
+                                      </p:cBhvr>
+                                      <p:tavLst>
+                                        <p:tav tm="0">
+                                          <p:val>
+                                            <p:strVal val="#ppt_y+.1"/>
+                                          </p:val>
+                                        </p:tav>
+                                        <p:tav tm="100000">
+                                          <p:val>
+                                            <p:strVal val="#ppt_y"/>
+                                          </p:val>
+                                        </p:tav>
+                                      </p:tavLst>
+                                    </p:anim>
+                                  </p:childTnLst>
+                                </p:cTn>
+                              </p:par>
+                            </p:childTnLst>
+                          </p:cTn>
+                        </p:par>
+                      </p:childTnLst>
+                    </p:cTn>
+                  </p:par>
+                  <p:par>
+                    <p:cTn id="15" fill="hold">
+                      <p:stCondLst>
+                        <p:cond delay="indefinite"/>
+                      </p:stCondLst>
+                      <p:childTnLst>
+                        <p:par>
+                          <p:cTn id="16" fill="hold">
+                            <p:stCondLst>
+                              <p:cond delay="0"/>
+                            </p:stCondLst>
+                            <p:childTnLst>
+                              <p:par>
+                                <p:cTn id="17" presetID="2" presetClass="entr" presetSubtype="4" fill="hold" nodeType="clickEffect">
+                                  <p:stCondLst>
+                                    <p:cond delay="0"/>
+                                  </p:stCondLst>
+                                  <p:childTnLst>
+                                    <p:set>
+                                      <p:cBhvr>
+                                        <p:cTn id="18" dur="1" fill="hold">
+                                          <p:stCondLst>
+                                            <p:cond delay="0"/>
+                                          </p:stCondLst>
+                                        </p:cTn>
+                                        <p:tgtEl>
+                                          <p:spTgt spid="1026"/>
+                                        </p:tgtEl>
+                                        <p:attrNameLst>
+                                          <p:attrName>style.visibility</p:attrName>
+                                        </p:attrNameLst>
+                                      </p:cBhvr>
+                                      <p:to>
+                                        <p:strVal val="visible"/>
+                                      </p:to>
+                                    </p:set>
+                                    <p:anim calcmode="lin" valueType="num">
+                                      <p:cBhvr additive="base">
+                                        <p:cTn id="19" dur="500" fill="hold"/>
+                                        <p:tgtEl>
+                                          <p:spTgt spid="1026"/>
+                                        </p:tgtEl>
+                                        <p:attrNameLst>
+                                          <p:attrName>ppt_x</p:attrName>
+                                        </p:attrNameLst>
+                                      </p:cBhvr>
+                                      <p:tavLst>
+                                        <p:tav tm="0">
+                                          <p:val>
+                                            <p:strVal val="#ppt_x"/>
+                                          </p:val>
+                                        </p:tav>
+                                        <p:tav tm="100000">
+                                          <p:val>
+                                            <p:strVal val="#ppt_x"/>
+                                          </p:val>
+                                        </p:tav>
+                                      </p:tavLst>
+                                    </p:anim>
+                                    <p:anim calcmode="lin" valueType="num">
+                                      <p:cBhvr additive="base">
+                                        <p:cTn id="20" dur="500" fill="hold"/>
+                                        <p:tgtEl>
+                                          <p:spTgt spid="1026"/>
+                                        </p:tgtEl>
+                                        <p:attrNameLst>
+                                          <p:attrName>ppt_y</p:attrName>
+                                        </p:attrNameLst>
+                                      </p:cBhvr>
+                                      <p:tavLst>
+                                        <p:tav tm="0">
+                                          <p:val>
+                                            <p:strVal val="1+#ppt_h/2"/>
+                                          </p:val>
+                                        </p:tav>
+                                        <p:tav tm="100000">
+                                          <p:val>
+                                            <p:strVal val="#ppt_y"/>
+                                          </p:val>
+                                        </p:tav>
+                                      </p:tavLst>
+                                    </p:anim>
+                                  </p:childTnLst>
+                                </p:cTn>
+                              </p:par>
+                              <p:par>
+                                <p:cTn id="21" presetID="2" presetClass="entr" presetSubtype="4" fill="hold" grpId="0" nodeType="withEffect">
+                                  <p:stCondLst>
+                                    <p:cond delay="0"/>
+                                  </p:stCondLst>
+                                  <p:childTnLst>
+                                    <p:set>
+                                      <p:cBhvr>
+                                        <p:cTn id="22" dur="1" fill="hold">
+                                          <p:stCondLst>
+                                            <p:cond delay="0"/>
+                                          </p:stCondLst>
+                                        </p:cTn>
+                                        <p:tgtEl>
+                                          <p:spTgt spid="5"/>
+                                        </p:tgtEl>
+                                        <p:attrNameLst>
+                                          <p:attrName>style.visibility</p:attrName>
+                                        </p:attrNameLst>
+                                      </p:cBhvr>
+                                      <p:to>
+                                        <p:strVal val="visible"/>
+                                      </p:to>
+                                    </p:set>
+                                    <p:anim calcmode="lin" valueType="num">
+                                      <p:cBhvr additive="base">
+                                        <p:cTn id="23" dur="500" fill="hold"/>
+                                        <p:tgtEl>
+                                          <p:spTgt spid="5"/>
+                                        </p:tgtEl>
+                                        <p:attrNameLst>
+                                          <p:attrName>ppt_x</p:attrName>
+                                        </p:attrNameLst>
+                                      </p:cBhvr>
+                                      <p:tavLst>
+                                        <p:tav tm="0">
+                                          <p:val>
+                                            <p:strVal val="#ppt_x"/>
+                                          </p:val>
+                                        </p:tav>
+                                        <p:tav tm="100000">
+                                          <p:val>
+                                            <p:strVal val="#ppt_x"/>
+                                          </p:val>
+                                        </p:tav>
+                                      </p:tavLst>
+                                    </p:anim>
+                                    <p:anim calcmode="lin" valueType="num">
+                                      <p:cBhvr additive="base">
+                                        <p:cTn id="24" dur="500" fill="hold"/>
+                                        <p:tgtEl>
+                                          <p:spTgt spid="5"/>
+                                        </p:tgtEl>
+                                        <p:attrNameLst>
+                                          <p:attrName>ppt_y</p:attrName>
+                                        </p:attrNameLst>
+                                      </p:cBhvr>
+                                      <p:tavLst>
+                                        <p:tav tm="0">
+                                          <p:val>
+                                            <p:strVal val="1+#ppt_h/2"/>
+                                          </p:val>
+                                        </p:tav>
+                                        <p:tav tm="100000">
+                                          <p:val>
+                                            <p:strVal val="#ppt_y"/>
+                                          </p:val>
+                                        </p:tav>
+                                      </p:tavLst>
+                                    </p:anim>
+                                  </p:childTnLst>
+                                </p:cTn>
+                              </p:par>
+                            </p:childTnLst>
+                          </p:cTn>
+                        </p:par>
+                      </p:childTnLst>
+                    </p:cTn>
+                  </p:par>
+                </p:childTnLst>
+              </p:cTn>
+              <p:prevCondLst>
+                <p:cond evt="onPrev" delay="0">
+                  <p:tgtEl>
+                    <p:sldTgt/>
+                  </p:tgtEl>
+                </p:cond>
+              </p:prevCondLst>
+              <p:nextCondLst>
+                <p:cond evt="onNext" delay="0">
+                  <p:tgtEl>
+                    <p:sldTgt/>
+                  </p:tgtEl>
+                </p:cond>
+              </p:nextCondLst>
+            </p:seq>
+          </p:childTnLst>
+        </p:cTn>
+      </p:par>
+    </p:tnLst>
+    <p:bldLst>
+      <p:bldP spid="3" grpId="0"/>
+      <p:bldP spid="4" grpId="0"/>
+      <p:bldP spid="5" grpId="0" animBg="1"/>
+    </p:bldLst>
+  </p:timing>
 </p:sld>
 </file>
 
-<file path=ppt/slides/slide4.xml><?xml version="1.0" encoding="utf-8"?>
+<file path=ppt/slides/slide5.xml><?xml version="1.0" encoding="utf-8"?>
+<p:sld xmlns:a="http://schemas.openxmlformats.org/drawingml/2006/main" xmlns:r="http://schemas.openxmlformats.org/officeDocument/2006/relationships" xmlns:p="http://schemas.openxmlformats.org/presentationml/2006/main">
+  <p:cSld>
+    <p:spTree>
+      <p:nvGrpSpPr>
+        <p:cNvPr id="1" name=""/>
+        <p:cNvGrpSpPr/>
+        <p:nvPr/>
+      </p:nvGrpSpPr>
+      <p:grpSpPr>
+        <a:xfrm>
+          <a:off x="0" y="0"/>
+          <a:ext cx="0" cy="0"/>
+          <a:chOff x="0" y="0"/>
+          <a:chExt cx="0" cy="0"/>
+        </a:xfrm>
+      </p:grpSpPr>
+      <p:pic>
+        <p:nvPicPr>
+          <p:cNvPr id="2052" name="Picture 4" descr="Image result for icon desktop">
+            <a:extLst>
+              <a:ext uri="{FF2B5EF4-FFF2-40B4-BE49-F238E27FC236}">
+                <a16:creationId xmlns:a16="http://schemas.microsoft.com/office/drawing/2014/main" id="{4A7FA84B-2BAA-4180-B7C6-B9EC72DEC090}"/>
+              </a:ext>
+            </a:extLst>
+          </p:cNvPr>
+          <p:cNvPicPr>
+            <a:picLocks noChangeAspect="1" noChangeArrowheads="1"/>
+          </p:cNvPicPr>
+          <p:nvPr/>
+        </p:nvPicPr>
+        <p:blipFill rotWithShape="1">
+          <a:blip r:embed="rId2">
+            <a:extLst>
+              <a:ext uri="{28A0092B-C50C-407E-A947-70E740481C1C}">
+                <a14:useLocalDpi xmlns:a14="http://schemas.microsoft.com/office/drawing/2010/main" val="0"/>
+              </a:ext>
+            </a:extLst>
+          </a:blip>
+          <a:srcRect l="70332" t="2837" r="3001" b="70213"/>
+          <a:stretch/>
+        </p:blipFill>
+        <p:spPr bwMode="auto">
+          <a:xfrm>
+            <a:off x="1637001" y="3855496"/>
+            <a:ext cx="2204213" cy="2094002"/>
+          </a:xfrm>
+          <a:prstGeom prst="rect">
+            <a:avLst/>
+          </a:prstGeom>
+          <a:noFill/>
+          <a:extLst>
+            <a:ext uri="{909E8E84-426E-40DD-AFC4-6F175D3DCCD1}">
+              <a14:hiddenFill xmlns:a14="http://schemas.microsoft.com/office/drawing/2010/main">
+                <a:solidFill>
+                  <a:srgbClr val="FFFFFF"/>
+                </a:solidFill>
+              </a14:hiddenFill>
+            </a:ext>
+          </a:extLst>
+        </p:spPr>
+      </p:pic>
+      <p:pic>
+        <p:nvPicPr>
+          <p:cNvPr id="2054" name="Picture 6" descr="Image result for server icons">
+            <a:extLst>
+              <a:ext uri="{FF2B5EF4-FFF2-40B4-BE49-F238E27FC236}">
+                <a16:creationId xmlns:a16="http://schemas.microsoft.com/office/drawing/2014/main" id="{0451A7B0-CC5A-45BB-89D6-0A3DE2D6578C}"/>
+              </a:ext>
+            </a:extLst>
+          </p:cNvPr>
+          <p:cNvPicPr>
+            <a:picLocks noChangeAspect="1" noChangeArrowheads="1"/>
+          </p:cNvPicPr>
+          <p:nvPr/>
+        </p:nvPicPr>
+        <p:blipFill>
+          <a:blip r:embed="rId3">
+            <a:extLst>
+              <a:ext uri="{28A0092B-C50C-407E-A947-70E740481C1C}">
+                <a14:useLocalDpi xmlns:a14="http://schemas.microsoft.com/office/drawing/2010/main" val="0"/>
+              </a:ext>
+            </a:extLst>
+          </a:blip>
+          <a:srcRect/>
+          <a:stretch>
+            <a:fillRect/>
+          </a:stretch>
+        </p:blipFill>
+        <p:spPr bwMode="auto">
+          <a:xfrm>
+            <a:off x="5428443" y="2054553"/>
+            <a:ext cx="2564209" cy="2564209"/>
+          </a:xfrm>
+          <a:prstGeom prst="rect">
+            <a:avLst/>
+          </a:prstGeom>
+          <a:noFill/>
+          <a:extLst>
+            <a:ext uri="{909E8E84-426E-40DD-AFC4-6F175D3DCCD1}">
+              <a14:hiddenFill xmlns:a14="http://schemas.microsoft.com/office/drawing/2010/main">
+                <a:solidFill>
+                  <a:srgbClr val="FFFFFF"/>
+                </a:solidFill>
+              </a14:hiddenFill>
+            </a:ext>
+          </a:extLst>
+        </p:spPr>
+      </p:pic>
+      <p:pic>
+        <p:nvPicPr>
+          <p:cNvPr id="2056" name="Picture 8" descr="Image result for database icons">
+            <a:extLst>
+              <a:ext uri="{FF2B5EF4-FFF2-40B4-BE49-F238E27FC236}">
+                <a16:creationId xmlns:a16="http://schemas.microsoft.com/office/drawing/2014/main" id="{CBABD856-4A8F-462F-A03A-070F1718D857}"/>
+              </a:ext>
+            </a:extLst>
+          </p:cNvPr>
+          <p:cNvPicPr>
+            <a:picLocks noChangeAspect="1" noChangeArrowheads="1"/>
+          </p:cNvPicPr>
+          <p:nvPr/>
+        </p:nvPicPr>
+        <p:blipFill>
+          <a:blip r:embed="rId4">
+            <a:extLst>
+              <a:ext uri="{28A0092B-C50C-407E-A947-70E740481C1C}">
+                <a14:useLocalDpi xmlns:a14="http://schemas.microsoft.com/office/drawing/2010/main" val="0"/>
+              </a:ext>
+            </a:extLst>
+          </a:blip>
+          <a:srcRect/>
+          <a:stretch>
+            <a:fillRect/>
+          </a:stretch>
+        </p:blipFill>
+        <p:spPr bwMode="auto">
+          <a:xfrm>
+            <a:off x="9495227" y="2267199"/>
+            <a:ext cx="1969297" cy="1969297"/>
+          </a:xfrm>
+          <a:prstGeom prst="rect">
+            <a:avLst/>
+          </a:prstGeom>
+          <a:noFill/>
+          <a:extLst>
+            <a:ext uri="{909E8E84-426E-40DD-AFC4-6F175D3DCCD1}">
+              <a14:hiddenFill xmlns:a14="http://schemas.microsoft.com/office/drawing/2010/main">
+                <a:solidFill>
+                  <a:srgbClr val="FFFFFF"/>
+                </a:solidFill>
+              </a14:hiddenFill>
+            </a:ext>
+          </a:extLst>
+        </p:spPr>
+      </p:pic>
+      <p:pic>
+        <p:nvPicPr>
+          <p:cNvPr id="6" name="Picture 2" descr="Image result for fritzing nodemcu dht11">
+            <a:extLst>
+              <a:ext uri="{FF2B5EF4-FFF2-40B4-BE49-F238E27FC236}">
+                <a16:creationId xmlns:a16="http://schemas.microsoft.com/office/drawing/2014/main" id="{7ABFD522-A882-4101-AC86-41480A3D490A}"/>
+              </a:ext>
+            </a:extLst>
+          </p:cNvPr>
+          <p:cNvPicPr>
+            <a:picLocks noChangeAspect="1" noChangeArrowheads="1"/>
+          </p:cNvPicPr>
+          <p:nvPr/>
+        </p:nvPicPr>
+        <p:blipFill rotWithShape="1">
+          <a:blip r:embed="rId5">
+            <a:extLst>
+              <a:ext uri="{28A0092B-C50C-407E-A947-70E740481C1C}">
+                <a14:useLocalDpi xmlns:a14="http://schemas.microsoft.com/office/drawing/2010/main" val="0"/>
+              </a:ext>
+            </a:extLst>
+          </a:blip>
+          <a:srcRect r="53328"/>
+          <a:stretch/>
+        </p:blipFill>
+        <p:spPr bwMode="auto">
+          <a:xfrm rot="5400000">
+            <a:off x="2234977" y="107090"/>
+            <a:ext cx="1028705" cy="2055350"/>
+          </a:xfrm>
+          <a:prstGeom prst="rect">
+            <a:avLst/>
+          </a:prstGeom>
+          <a:noFill/>
+          <a:extLst>
+            <a:ext uri="{909E8E84-426E-40DD-AFC4-6F175D3DCCD1}">
+              <a14:hiddenFill xmlns:a14="http://schemas.microsoft.com/office/drawing/2010/main">
+                <a:solidFill>
+                  <a:srgbClr val="FFFFFF"/>
+                </a:solidFill>
+              </a14:hiddenFill>
+            </a:ext>
+          </a:extLst>
+        </p:spPr>
+      </p:pic>
+      <p:sp>
+        <p:nvSpPr>
+          <p:cNvPr id="9" name="TextBox 8">
+            <a:extLst>
+              <a:ext uri="{FF2B5EF4-FFF2-40B4-BE49-F238E27FC236}">
+                <a16:creationId xmlns:a16="http://schemas.microsoft.com/office/drawing/2014/main" id="{6551AFEA-2AEC-42C9-B863-CC7360D628D9}"/>
+              </a:ext>
+            </a:extLst>
+          </p:cNvPr>
+          <p:cNvSpPr txBox="1"/>
+          <p:nvPr/>
+        </p:nvSpPr>
+        <p:spPr>
+          <a:xfrm>
+            <a:off x="1871562" y="3632780"/>
+            <a:ext cx="1718557" cy="369332"/>
+          </a:xfrm>
+          <a:prstGeom prst="rect">
+            <a:avLst/>
+          </a:prstGeom>
+          <a:noFill/>
+        </p:spPr>
+        <p:txBody>
+          <a:bodyPr wrap="square" rtlCol="0">
+            <a:spAutoFit/>
+          </a:bodyPr>
+          <a:lstStyle/>
+          <a:p>
+            <a:r>
+              <a:rPr lang="en-US" b="1" dirty="0"/>
+              <a:t>WEB BROWSER</a:t>
+            </a:r>
+          </a:p>
+        </p:txBody>
+      </p:sp>
+      <p:sp>
+        <p:nvSpPr>
+          <p:cNvPr id="10" name="TextBox 9">
+            <a:extLst>
+              <a:ext uri="{FF2B5EF4-FFF2-40B4-BE49-F238E27FC236}">
+                <a16:creationId xmlns:a16="http://schemas.microsoft.com/office/drawing/2014/main" id="{881A7E56-21B5-4B6C-A76C-9ECA11BD3615}"/>
+              </a:ext>
+            </a:extLst>
+          </p:cNvPr>
+          <p:cNvSpPr txBox="1"/>
+          <p:nvPr/>
+        </p:nvSpPr>
+        <p:spPr>
+          <a:xfrm>
+            <a:off x="1676561" y="249485"/>
+            <a:ext cx="2204213" cy="369332"/>
+          </a:xfrm>
+          <a:prstGeom prst="rect">
+            <a:avLst/>
+          </a:prstGeom>
+          <a:noFill/>
+        </p:spPr>
+        <p:txBody>
+          <a:bodyPr wrap="square" rtlCol="0">
+            <a:spAutoFit/>
+          </a:bodyPr>
+          <a:lstStyle/>
+          <a:p>
+            <a:pPr algn="ctr"/>
+            <a:r>
+              <a:rPr lang="en-US" b="1" dirty="0"/>
+              <a:t>IOT DEVICE</a:t>
+            </a:r>
+          </a:p>
+        </p:txBody>
+      </p:sp>
+      <p:cxnSp>
+        <p:nvCxnSpPr>
+          <p:cNvPr id="4" name="Straight Connector 3">
+            <a:extLst>
+              <a:ext uri="{FF2B5EF4-FFF2-40B4-BE49-F238E27FC236}">
+                <a16:creationId xmlns:a16="http://schemas.microsoft.com/office/drawing/2014/main" id="{E5E04A51-50C1-4BFA-8DE9-5AF4ABB25EE7}"/>
+              </a:ext>
+            </a:extLst>
+          </p:cNvPr>
+          <p:cNvCxnSpPr>
+            <a:cxnSpLocks/>
+          </p:cNvCxnSpPr>
+          <p:nvPr/>
+        </p:nvCxnSpPr>
+        <p:spPr>
+          <a:xfrm>
+            <a:off x="1352550" y="1134765"/>
+            <a:ext cx="0" cy="3882063"/>
+          </a:xfrm>
+          <a:prstGeom prst="line">
+            <a:avLst/>
+          </a:prstGeom>
+        </p:spPr>
+        <p:style>
+          <a:lnRef idx="3">
+            <a:schemeClr val="dk1"/>
+          </a:lnRef>
+          <a:fillRef idx="0">
+            <a:schemeClr val="dk1"/>
+          </a:fillRef>
+          <a:effectRef idx="2">
+            <a:schemeClr val="dk1"/>
+          </a:effectRef>
+          <a:fontRef idx="minor">
+            <a:schemeClr val="tx1"/>
+          </a:fontRef>
+        </p:style>
+      </p:cxnSp>
+      <p:cxnSp>
+        <p:nvCxnSpPr>
+          <p:cNvPr id="7" name="Straight Connector 6">
+            <a:extLst>
+              <a:ext uri="{FF2B5EF4-FFF2-40B4-BE49-F238E27FC236}">
+                <a16:creationId xmlns:a16="http://schemas.microsoft.com/office/drawing/2014/main" id="{06E081FD-53C8-45D4-9786-1B5687D2629A}"/>
+              </a:ext>
+            </a:extLst>
+          </p:cNvPr>
+          <p:cNvCxnSpPr/>
+          <p:nvPr/>
+        </p:nvCxnSpPr>
+        <p:spPr>
+          <a:xfrm>
+            <a:off x="1352550" y="1134765"/>
+            <a:ext cx="323850" cy="0"/>
+          </a:xfrm>
+          <a:prstGeom prst="line">
+            <a:avLst/>
+          </a:prstGeom>
+        </p:spPr>
+        <p:style>
+          <a:lnRef idx="3">
+            <a:schemeClr val="dk1"/>
+          </a:lnRef>
+          <a:fillRef idx="0">
+            <a:schemeClr val="dk1"/>
+          </a:fillRef>
+          <a:effectRef idx="2">
+            <a:schemeClr val="dk1"/>
+          </a:effectRef>
+          <a:fontRef idx="minor">
+            <a:schemeClr val="tx1"/>
+          </a:fontRef>
+        </p:style>
+      </p:cxnSp>
+      <p:cxnSp>
+        <p:nvCxnSpPr>
+          <p:cNvPr id="15" name="Straight Connector 14">
+            <a:extLst>
+              <a:ext uri="{FF2B5EF4-FFF2-40B4-BE49-F238E27FC236}">
+                <a16:creationId xmlns:a16="http://schemas.microsoft.com/office/drawing/2014/main" id="{EF68DF35-2F5A-4C40-B4CB-A3BF07181F37}"/>
+              </a:ext>
+            </a:extLst>
+          </p:cNvPr>
+          <p:cNvCxnSpPr/>
+          <p:nvPr/>
+        </p:nvCxnSpPr>
+        <p:spPr>
+          <a:xfrm>
+            <a:off x="1352550" y="5016828"/>
+            <a:ext cx="323850" cy="0"/>
+          </a:xfrm>
+          <a:prstGeom prst="line">
+            <a:avLst/>
+          </a:prstGeom>
+        </p:spPr>
+        <p:style>
+          <a:lnRef idx="3">
+            <a:schemeClr val="dk1"/>
+          </a:lnRef>
+          <a:fillRef idx="0">
+            <a:schemeClr val="dk1"/>
+          </a:fillRef>
+          <a:effectRef idx="2">
+            <a:schemeClr val="dk1"/>
+          </a:effectRef>
+          <a:fontRef idx="minor">
+            <a:schemeClr val="tx1"/>
+          </a:fontRef>
+        </p:style>
+      </p:cxnSp>
+      <p:sp>
+        <p:nvSpPr>
+          <p:cNvPr id="11" name="Rectangle: Rounded Corners 10">
+            <a:extLst>
+              <a:ext uri="{FF2B5EF4-FFF2-40B4-BE49-F238E27FC236}">
+                <a16:creationId xmlns:a16="http://schemas.microsoft.com/office/drawing/2014/main" id="{9A5DFAE3-567F-4269-895B-BCBB29ADD13F}"/>
+              </a:ext>
+            </a:extLst>
+          </p:cNvPr>
+          <p:cNvSpPr/>
+          <p:nvPr/>
+        </p:nvSpPr>
+        <p:spPr>
+          <a:xfrm>
+            <a:off x="50886" y="2972445"/>
+            <a:ext cx="1219200" cy="457200"/>
+          </a:xfrm>
+          <a:prstGeom prst="roundRect">
+            <a:avLst/>
+          </a:prstGeom>
+        </p:spPr>
+        <p:style>
+          <a:lnRef idx="2">
+            <a:schemeClr val="accent1">
+              <a:shade val="50000"/>
+            </a:schemeClr>
+          </a:lnRef>
+          <a:fillRef idx="1">
+            <a:schemeClr val="accent1"/>
+          </a:fillRef>
+          <a:effectRef idx="0">
+            <a:schemeClr val="accent1"/>
+          </a:effectRef>
+          <a:fontRef idx="minor">
+            <a:schemeClr val="lt1"/>
+          </a:fontRef>
+        </p:style>
+        <p:txBody>
+          <a:bodyPr rtlCol="0" anchor="ctr"/>
+          <a:lstStyle/>
+          <a:p>
+            <a:pPr algn="ctr"/>
+            <a:r>
+              <a:rPr lang="en-US" b="1" dirty="0"/>
+              <a:t>CLIENT</a:t>
+            </a:r>
+          </a:p>
+        </p:txBody>
+      </p:sp>
+      <p:sp>
+        <p:nvSpPr>
+          <p:cNvPr id="18" name="Rectangle: Rounded Corners 17">
+            <a:extLst>
+              <a:ext uri="{FF2B5EF4-FFF2-40B4-BE49-F238E27FC236}">
+                <a16:creationId xmlns:a16="http://schemas.microsoft.com/office/drawing/2014/main" id="{36ACF432-50BA-438A-93F9-99C624DCA814}"/>
+              </a:ext>
+            </a:extLst>
+          </p:cNvPr>
+          <p:cNvSpPr/>
+          <p:nvPr/>
+        </p:nvSpPr>
+        <p:spPr>
+          <a:xfrm>
+            <a:off x="6352525" y="4618762"/>
+            <a:ext cx="1219200" cy="457200"/>
+          </a:xfrm>
+          <a:prstGeom prst="roundRect">
+            <a:avLst/>
+          </a:prstGeom>
+        </p:spPr>
+        <p:style>
+          <a:lnRef idx="2">
+            <a:schemeClr val="accent1">
+              <a:shade val="50000"/>
+            </a:schemeClr>
+          </a:lnRef>
+          <a:fillRef idx="1">
+            <a:schemeClr val="accent1"/>
+          </a:fillRef>
+          <a:effectRef idx="0">
+            <a:schemeClr val="accent1"/>
+          </a:effectRef>
+          <a:fontRef idx="minor">
+            <a:schemeClr val="lt1"/>
+          </a:fontRef>
+        </p:style>
+        <p:txBody>
+          <a:bodyPr rtlCol="0" anchor="ctr"/>
+          <a:lstStyle/>
+          <a:p>
+            <a:pPr algn="ctr"/>
+            <a:r>
+              <a:rPr lang="en-US" b="1" dirty="0"/>
+              <a:t>SERVER</a:t>
+            </a:r>
+          </a:p>
+        </p:txBody>
+      </p:sp>
+      <p:sp>
+        <p:nvSpPr>
+          <p:cNvPr id="19" name="Rectangle: Rounded Corners 18">
+            <a:extLst>
+              <a:ext uri="{FF2B5EF4-FFF2-40B4-BE49-F238E27FC236}">
+                <a16:creationId xmlns:a16="http://schemas.microsoft.com/office/drawing/2014/main" id="{2CEFD018-8F93-4AB8-882F-E249B50F3B0D}"/>
+              </a:ext>
+            </a:extLst>
+          </p:cNvPr>
+          <p:cNvSpPr/>
+          <p:nvPr/>
+        </p:nvSpPr>
+        <p:spPr>
+          <a:xfrm>
+            <a:off x="9964327" y="4236496"/>
+            <a:ext cx="1219200" cy="457200"/>
+          </a:xfrm>
+          <a:prstGeom prst="roundRect">
+            <a:avLst/>
+          </a:prstGeom>
+        </p:spPr>
+        <p:style>
+          <a:lnRef idx="2">
+            <a:schemeClr val="accent1">
+              <a:shade val="50000"/>
+            </a:schemeClr>
+          </a:lnRef>
+          <a:fillRef idx="1">
+            <a:schemeClr val="accent1"/>
+          </a:fillRef>
+          <a:effectRef idx="0">
+            <a:schemeClr val="accent1"/>
+          </a:effectRef>
+          <a:fontRef idx="minor">
+            <a:schemeClr val="lt1"/>
+          </a:fontRef>
+        </p:style>
+        <p:txBody>
+          <a:bodyPr rtlCol="0" anchor="ctr"/>
+          <a:lstStyle/>
+          <a:p>
+            <a:pPr algn="ctr"/>
+            <a:r>
+              <a:rPr lang="en-US" b="1" dirty="0"/>
+              <a:t>DATABASE</a:t>
+            </a:r>
+          </a:p>
+        </p:txBody>
+      </p:sp>
+      <p:cxnSp>
+        <p:nvCxnSpPr>
+          <p:cNvPr id="13" name="Straight Arrow Connector 12">
+            <a:extLst>
+              <a:ext uri="{FF2B5EF4-FFF2-40B4-BE49-F238E27FC236}">
+                <a16:creationId xmlns:a16="http://schemas.microsoft.com/office/drawing/2014/main" id="{90906A9E-51A8-48F6-B9CB-AED6FDA73540}"/>
+              </a:ext>
+            </a:extLst>
+          </p:cNvPr>
+          <p:cNvCxnSpPr>
+            <a:cxnSpLocks/>
+          </p:cNvCxnSpPr>
+          <p:nvPr/>
+        </p:nvCxnSpPr>
+        <p:spPr>
+          <a:xfrm flipV="1">
+            <a:off x="3780769" y="3951774"/>
+            <a:ext cx="1905656" cy="1001738"/>
+          </a:xfrm>
+          <a:prstGeom prst="straightConnector1">
+            <a:avLst/>
+          </a:prstGeom>
+          <a:ln>
+            <a:tailEnd type="triangle"/>
+          </a:ln>
+        </p:spPr>
+        <p:style>
+          <a:lnRef idx="3">
+            <a:schemeClr val="dk1"/>
+          </a:lnRef>
+          <a:fillRef idx="0">
+            <a:schemeClr val="dk1"/>
+          </a:fillRef>
+          <a:effectRef idx="2">
+            <a:schemeClr val="dk1"/>
+          </a:effectRef>
+          <a:fontRef idx="minor">
+            <a:schemeClr val="tx1"/>
+          </a:fontRef>
+        </p:style>
+      </p:cxnSp>
+      <p:cxnSp>
+        <p:nvCxnSpPr>
+          <p:cNvPr id="22" name="Straight Arrow Connector 21">
+            <a:extLst>
+              <a:ext uri="{FF2B5EF4-FFF2-40B4-BE49-F238E27FC236}">
+                <a16:creationId xmlns:a16="http://schemas.microsoft.com/office/drawing/2014/main" id="{1AF33703-D311-4D30-87FE-8B59530EE56D}"/>
+              </a:ext>
+            </a:extLst>
+          </p:cNvPr>
+          <p:cNvCxnSpPr>
+            <a:cxnSpLocks/>
+          </p:cNvCxnSpPr>
+          <p:nvPr/>
+        </p:nvCxnSpPr>
+        <p:spPr>
+          <a:xfrm flipH="1">
+            <a:off x="3797191" y="4114518"/>
+            <a:ext cx="1997147" cy="1098619"/>
+          </a:xfrm>
+          <a:prstGeom prst="straightConnector1">
+            <a:avLst/>
+          </a:prstGeom>
+          <a:ln>
+            <a:tailEnd type="triangle"/>
+          </a:ln>
+        </p:spPr>
+        <p:style>
+          <a:lnRef idx="3">
+            <a:schemeClr val="dk1"/>
+          </a:lnRef>
+          <a:fillRef idx="0">
+            <a:schemeClr val="dk1"/>
+          </a:fillRef>
+          <a:effectRef idx="2">
+            <a:schemeClr val="dk1"/>
+          </a:effectRef>
+          <a:fontRef idx="minor">
+            <a:schemeClr val="tx1"/>
+          </a:fontRef>
+        </p:style>
+      </p:cxnSp>
+      <p:cxnSp>
+        <p:nvCxnSpPr>
+          <p:cNvPr id="28" name="Straight Arrow Connector 27">
+            <a:extLst>
+              <a:ext uri="{FF2B5EF4-FFF2-40B4-BE49-F238E27FC236}">
+                <a16:creationId xmlns:a16="http://schemas.microsoft.com/office/drawing/2014/main" id="{8C23208F-52FD-4CFD-BA52-DF7D7B85E3DC}"/>
+              </a:ext>
+            </a:extLst>
+          </p:cNvPr>
+          <p:cNvCxnSpPr>
+            <a:endCxn id="2056" idx="1"/>
+          </p:cNvCxnSpPr>
+          <p:nvPr/>
+        </p:nvCxnSpPr>
+        <p:spPr>
+          <a:xfrm flipV="1">
+            <a:off x="7686675" y="3251848"/>
+            <a:ext cx="1808552" cy="25397"/>
+          </a:xfrm>
+          <a:prstGeom prst="straightConnector1">
+            <a:avLst/>
+          </a:prstGeom>
+          <a:ln>
+            <a:tailEnd type="triangle"/>
+          </a:ln>
+        </p:spPr>
+        <p:style>
+          <a:lnRef idx="3">
+            <a:schemeClr val="dk1"/>
+          </a:lnRef>
+          <a:fillRef idx="0">
+            <a:schemeClr val="dk1"/>
+          </a:fillRef>
+          <a:effectRef idx="2">
+            <a:schemeClr val="dk1"/>
+          </a:effectRef>
+          <a:fontRef idx="minor">
+            <a:schemeClr val="tx1"/>
+          </a:fontRef>
+        </p:style>
+      </p:cxnSp>
+      <p:cxnSp>
+        <p:nvCxnSpPr>
+          <p:cNvPr id="33" name="Straight Arrow Connector 32">
+            <a:extLst>
+              <a:ext uri="{FF2B5EF4-FFF2-40B4-BE49-F238E27FC236}">
+                <a16:creationId xmlns:a16="http://schemas.microsoft.com/office/drawing/2014/main" id="{8CFDBCD7-B430-4F7C-9633-12F3323D371A}"/>
+              </a:ext>
+            </a:extLst>
+          </p:cNvPr>
+          <p:cNvCxnSpPr>
+            <a:cxnSpLocks/>
+          </p:cNvCxnSpPr>
+          <p:nvPr/>
+        </p:nvCxnSpPr>
+        <p:spPr>
+          <a:xfrm>
+            <a:off x="3965600" y="1278988"/>
+            <a:ext cx="1808552" cy="1178462"/>
+          </a:xfrm>
+          <a:prstGeom prst="straightConnector1">
+            <a:avLst/>
+          </a:prstGeom>
+          <a:ln>
+            <a:tailEnd type="triangle"/>
+          </a:ln>
+        </p:spPr>
+        <p:style>
+          <a:lnRef idx="3">
+            <a:schemeClr val="dk1"/>
+          </a:lnRef>
+          <a:fillRef idx="0">
+            <a:schemeClr val="dk1"/>
+          </a:fillRef>
+          <a:effectRef idx="2">
+            <a:schemeClr val="dk1"/>
+          </a:effectRef>
+          <a:fontRef idx="minor">
+            <a:schemeClr val="tx1"/>
+          </a:fontRef>
+        </p:style>
+      </p:cxnSp>
+      <p:cxnSp>
+        <p:nvCxnSpPr>
+          <p:cNvPr id="35" name="Straight Arrow Connector 34">
+            <a:extLst>
+              <a:ext uri="{FF2B5EF4-FFF2-40B4-BE49-F238E27FC236}">
+                <a16:creationId xmlns:a16="http://schemas.microsoft.com/office/drawing/2014/main" id="{EDDAB77A-55FB-428F-B0E3-CBB0DCC372BA}"/>
+              </a:ext>
+            </a:extLst>
+          </p:cNvPr>
+          <p:cNvCxnSpPr>
+            <a:cxnSpLocks/>
+          </p:cNvCxnSpPr>
+          <p:nvPr/>
+        </p:nvCxnSpPr>
+        <p:spPr>
+          <a:xfrm flipH="1" flipV="1">
+            <a:off x="3925869" y="1491119"/>
+            <a:ext cx="1689460" cy="1113324"/>
+          </a:xfrm>
+          <a:prstGeom prst="straightConnector1">
+            <a:avLst/>
+          </a:prstGeom>
+          <a:ln>
+            <a:tailEnd type="triangle"/>
+          </a:ln>
+        </p:spPr>
+        <p:style>
+          <a:lnRef idx="3">
+            <a:schemeClr val="dk1"/>
+          </a:lnRef>
+          <a:fillRef idx="0">
+            <a:schemeClr val="dk1"/>
+          </a:fillRef>
+          <a:effectRef idx="2">
+            <a:schemeClr val="dk1"/>
+          </a:effectRef>
+          <a:fontRef idx="minor">
+            <a:schemeClr val="tx1"/>
+          </a:fontRef>
+        </p:style>
+      </p:cxnSp>
+      <p:pic>
+        <p:nvPicPr>
+          <p:cNvPr id="2058" name="Picture 10" descr="Image result for logo chrome">
+            <a:extLst>
+              <a:ext uri="{FF2B5EF4-FFF2-40B4-BE49-F238E27FC236}">
+                <a16:creationId xmlns:a16="http://schemas.microsoft.com/office/drawing/2014/main" id="{4174E24C-5258-41CB-9326-7A9BD91C2704}"/>
+              </a:ext>
+            </a:extLst>
+          </p:cNvPr>
+          <p:cNvPicPr>
+            <a:picLocks noChangeAspect="1" noChangeArrowheads="1"/>
+          </p:cNvPicPr>
+          <p:nvPr/>
+        </p:nvPicPr>
+        <p:blipFill>
+          <a:blip r:embed="rId6">
+            <a:extLst>
+              <a:ext uri="{28A0092B-C50C-407E-A947-70E740481C1C}">
+                <a14:useLocalDpi xmlns:a14="http://schemas.microsoft.com/office/drawing/2010/main" val="0"/>
+              </a:ext>
+            </a:extLst>
+          </a:blip>
+          <a:srcRect/>
+          <a:stretch>
+            <a:fillRect/>
+          </a:stretch>
+        </p:blipFill>
+        <p:spPr bwMode="auto">
+          <a:xfrm>
+            <a:off x="2397890" y="5981263"/>
+            <a:ext cx="665900" cy="665900"/>
+          </a:xfrm>
+          <a:prstGeom prst="rect">
+            <a:avLst/>
+          </a:prstGeom>
+          <a:noFill/>
+          <a:extLst>
+            <a:ext uri="{909E8E84-426E-40DD-AFC4-6F175D3DCCD1}">
+              <a14:hiddenFill xmlns:a14="http://schemas.microsoft.com/office/drawing/2010/main">
+                <a:solidFill>
+                  <a:srgbClr val="FFFFFF"/>
+                </a:solidFill>
+              </a14:hiddenFill>
+            </a:ext>
+          </a:extLst>
+        </p:spPr>
+      </p:pic>
+      <p:pic>
+        <p:nvPicPr>
+          <p:cNvPr id="2060" name="Picture 12" descr="Image result for logo arduino">
+            <a:extLst>
+              <a:ext uri="{FF2B5EF4-FFF2-40B4-BE49-F238E27FC236}">
+                <a16:creationId xmlns:a16="http://schemas.microsoft.com/office/drawing/2014/main" id="{FFC82E51-4AC2-4DDA-8502-AD93D969A8CF}"/>
+              </a:ext>
+            </a:extLst>
+          </p:cNvPr>
+          <p:cNvPicPr>
+            <a:picLocks noChangeAspect="1" noChangeArrowheads="1"/>
+          </p:cNvPicPr>
+          <p:nvPr/>
+        </p:nvPicPr>
+        <p:blipFill>
+          <a:blip r:embed="rId7">
+            <a:extLst>
+              <a:ext uri="{28A0092B-C50C-407E-A947-70E740481C1C}">
+                <a14:useLocalDpi xmlns:a14="http://schemas.microsoft.com/office/drawing/2010/main" val="0"/>
+              </a:ext>
+            </a:extLst>
+          </a:blip>
+          <a:srcRect/>
+          <a:stretch>
+            <a:fillRect/>
+          </a:stretch>
+        </p:blipFill>
+        <p:spPr bwMode="auto">
+          <a:xfrm flipH="1">
+            <a:off x="2438241" y="1743048"/>
+            <a:ext cx="665438" cy="665900"/>
+          </a:xfrm>
+          <a:prstGeom prst="rect">
+            <a:avLst/>
+          </a:prstGeom>
+          <a:noFill/>
+          <a:extLst>
+            <a:ext uri="{909E8E84-426E-40DD-AFC4-6F175D3DCCD1}">
+              <a14:hiddenFill xmlns:a14="http://schemas.microsoft.com/office/drawing/2010/main">
+                <a:solidFill>
+                  <a:srgbClr val="FFFFFF"/>
+                </a:solidFill>
+              </a14:hiddenFill>
+            </a:ext>
+          </a:extLst>
+        </p:spPr>
+      </p:pic>
+      <p:pic>
+        <p:nvPicPr>
+          <p:cNvPr id="2062" name="Picture 14" descr="Image result for php">
+            <a:extLst>
+              <a:ext uri="{FF2B5EF4-FFF2-40B4-BE49-F238E27FC236}">
+                <a16:creationId xmlns:a16="http://schemas.microsoft.com/office/drawing/2014/main" id="{105292ED-55DF-4225-A7E4-75DDBC0F8442}"/>
+              </a:ext>
+            </a:extLst>
+          </p:cNvPr>
+          <p:cNvPicPr>
+            <a:picLocks noChangeAspect="1" noChangeArrowheads="1"/>
+          </p:cNvPicPr>
+          <p:nvPr/>
+        </p:nvPicPr>
+        <p:blipFill>
+          <a:blip r:embed="rId8">
+            <a:extLst>
+              <a:ext uri="{28A0092B-C50C-407E-A947-70E740481C1C}">
+                <a14:useLocalDpi xmlns:a14="http://schemas.microsoft.com/office/drawing/2010/main" val="0"/>
+              </a:ext>
+            </a:extLst>
+          </a:blip>
+          <a:srcRect/>
+          <a:stretch>
+            <a:fillRect/>
+          </a:stretch>
+        </p:blipFill>
+        <p:spPr bwMode="auto">
+          <a:xfrm>
+            <a:off x="6565238" y="5884896"/>
+            <a:ext cx="976417" cy="527265"/>
+          </a:xfrm>
+          <a:prstGeom prst="rect">
+            <a:avLst/>
+          </a:prstGeom>
+          <a:noFill/>
+          <a:extLst>
+            <a:ext uri="{909E8E84-426E-40DD-AFC4-6F175D3DCCD1}">
+              <a14:hiddenFill xmlns:a14="http://schemas.microsoft.com/office/drawing/2010/main">
+                <a:solidFill>
+                  <a:srgbClr val="FFFFFF"/>
+                </a:solidFill>
+              </a14:hiddenFill>
+            </a:ext>
+          </a:extLst>
+        </p:spPr>
+      </p:pic>
+      <p:pic>
+        <p:nvPicPr>
+          <p:cNvPr id="2064" name="Picture 16">
+            <a:extLst>
+              <a:ext uri="{FF2B5EF4-FFF2-40B4-BE49-F238E27FC236}">
+                <a16:creationId xmlns:a16="http://schemas.microsoft.com/office/drawing/2014/main" id="{DE8B4C19-374D-4F39-8E54-9FE581CCCDCD}"/>
+              </a:ext>
+            </a:extLst>
+          </p:cNvPr>
+          <p:cNvPicPr>
+            <a:picLocks noChangeAspect="1" noChangeArrowheads="1"/>
+          </p:cNvPicPr>
+          <p:nvPr/>
+        </p:nvPicPr>
+        <p:blipFill rotWithShape="1">
+          <a:blip r:embed="rId9">
+            <a:extLst>
+              <a:ext uri="{28A0092B-C50C-407E-A947-70E740481C1C}">
+                <a14:useLocalDpi xmlns:a14="http://schemas.microsoft.com/office/drawing/2010/main" val="0"/>
+              </a:ext>
+            </a:extLst>
+          </a:blip>
+          <a:srcRect t="9805" r="7744" b="9119"/>
+          <a:stretch/>
+        </p:blipFill>
+        <p:spPr bwMode="auto">
+          <a:xfrm>
+            <a:off x="6227192" y="5194087"/>
+            <a:ext cx="1385440" cy="608769"/>
+          </a:xfrm>
+          <a:prstGeom prst="rect">
+            <a:avLst/>
+          </a:prstGeom>
+          <a:noFill/>
+          <a:extLst>
+            <a:ext uri="{909E8E84-426E-40DD-AFC4-6F175D3DCCD1}">
+              <a14:hiddenFill xmlns:a14="http://schemas.microsoft.com/office/drawing/2010/main">
+                <a:solidFill>
+                  <a:srgbClr val="FFFFFF"/>
+                </a:solidFill>
+              </a14:hiddenFill>
+            </a:ext>
+          </a:extLst>
+        </p:spPr>
+      </p:pic>
+      <p:pic>
+        <p:nvPicPr>
+          <p:cNvPr id="2066" name="Picture 18" descr="Image result for mysql logo">
+            <a:extLst>
+              <a:ext uri="{FF2B5EF4-FFF2-40B4-BE49-F238E27FC236}">
+                <a16:creationId xmlns:a16="http://schemas.microsoft.com/office/drawing/2014/main" id="{4FCA76BF-8211-4869-9AEC-592561386D05}"/>
+              </a:ext>
+            </a:extLst>
+          </p:cNvPr>
+          <p:cNvPicPr>
+            <a:picLocks noChangeAspect="1" noChangeArrowheads="1"/>
+          </p:cNvPicPr>
+          <p:nvPr/>
+        </p:nvPicPr>
+        <p:blipFill>
+          <a:blip r:embed="rId10">
+            <a:extLst>
+              <a:ext uri="{28A0092B-C50C-407E-A947-70E740481C1C}">
+                <a14:useLocalDpi xmlns:a14="http://schemas.microsoft.com/office/drawing/2010/main" val="0"/>
+              </a:ext>
+            </a:extLst>
+          </a:blip>
+          <a:srcRect/>
+          <a:stretch>
+            <a:fillRect/>
+          </a:stretch>
+        </p:blipFill>
+        <p:spPr bwMode="auto">
+          <a:xfrm>
+            <a:off x="9893649" y="4749626"/>
+            <a:ext cx="1611350" cy="1072280"/>
+          </a:xfrm>
+          <a:prstGeom prst="rect">
+            <a:avLst/>
+          </a:prstGeom>
+          <a:noFill/>
+          <a:extLst>
+            <a:ext uri="{909E8E84-426E-40DD-AFC4-6F175D3DCCD1}">
+              <a14:hiddenFill xmlns:a14="http://schemas.microsoft.com/office/drawing/2010/main">
+                <a:solidFill>
+                  <a:srgbClr val="FFFFFF"/>
+                </a:solidFill>
+              </a14:hiddenFill>
+            </a:ext>
+          </a:extLst>
+        </p:spPr>
+      </p:pic>
+      <p:sp>
+        <p:nvSpPr>
+          <p:cNvPr id="36" name="TextBox 35">
+            <a:extLst>
+              <a:ext uri="{FF2B5EF4-FFF2-40B4-BE49-F238E27FC236}">
+                <a16:creationId xmlns:a16="http://schemas.microsoft.com/office/drawing/2014/main" id="{729FE942-9945-4440-A396-7A742666F444}"/>
+              </a:ext>
+            </a:extLst>
+          </p:cNvPr>
+          <p:cNvSpPr txBox="1"/>
+          <p:nvPr/>
+        </p:nvSpPr>
+        <p:spPr>
+          <a:xfrm>
+            <a:off x="7028493" y="100052"/>
+            <a:ext cx="5163507" cy="1015663"/>
+          </a:xfrm>
+          <a:prstGeom prst="rect">
+            <a:avLst/>
+          </a:prstGeom>
+          <a:noFill/>
+        </p:spPr>
+        <p:txBody>
+          <a:bodyPr wrap="square" rtlCol="0">
+            <a:spAutoFit/>
+          </a:bodyPr>
+          <a:lstStyle/>
+          <a:p>
+            <a:r>
+              <a:rPr lang="en-US" sz="3000" dirty="0">
+                <a:latin typeface="Arial" panose="020B0604020202020204" pitchFamily="34" charset="0"/>
+                <a:cs typeface="Arial" panose="020B0604020202020204" pitchFamily="34" charset="0"/>
+              </a:rPr>
+              <a:t>TOPOLOGY IOT</a:t>
+            </a:r>
+          </a:p>
+          <a:p>
+            <a:r>
+              <a:rPr lang="en-US" sz="3000" dirty="0">
+                <a:latin typeface="Arial" panose="020B0604020202020204" pitchFamily="34" charset="0"/>
+                <a:cs typeface="Arial" panose="020B0604020202020204" pitchFamily="34" charset="0"/>
+              </a:rPr>
+              <a:t>USING HTTP PROTOCOL</a:t>
+            </a:r>
+          </a:p>
+        </p:txBody>
+      </p:sp>
+      <p:sp>
+        <p:nvSpPr>
+          <p:cNvPr id="46" name="TextBox 45">
+            <a:extLst>
+              <a:ext uri="{FF2B5EF4-FFF2-40B4-BE49-F238E27FC236}">
+                <a16:creationId xmlns:a16="http://schemas.microsoft.com/office/drawing/2014/main" id="{F89BDBCF-E33D-460C-B388-E0163F8490F4}"/>
+              </a:ext>
+            </a:extLst>
+          </p:cNvPr>
+          <p:cNvSpPr txBox="1"/>
+          <p:nvPr/>
+        </p:nvSpPr>
+        <p:spPr>
+          <a:xfrm>
+            <a:off x="4699293" y="1069910"/>
+            <a:ext cx="1718557" cy="323165"/>
+          </a:xfrm>
+          <a:prstGeom prst="rect">
+            <a:avLst/>
+          </a:prstGeom>
+          <a:noFill/>
+        </p:spPr>
+        <p:txBody>
+          <a:bodyPr wrap="square" rtlCol="0">
+            <a:spAutoFit/>
+          </a:bodyPr>
+          <a:lstStyle/>
+          <a:p>
+            <a:r>
+              <a:rPr lang="en-US" sz="1500" dirty="0"/>
+              <a:t>HTTP GET/POST</a:t>
+            </a:r>
+          </a:p>
+        </p:txBody>
+      </p:sp>
+      <p:sp>
+        <p:nvSpPr>
+          <p:cNvPr id="49" name="TextBox 48">
+            <a:extLst>
+              <a:ext uri="{FF2B5EF4-FFF2-40B4-BE49-F238E27FC236}">
+                <a16:creationId xmlns:a16="http://schemas.microsoft.com/office/drawing/2014/main" id="{9E0774D3-5AF0-48DB-8E1E-796C0D8AD220}"/>
+              </a:ext>
+            </a:extLst>
+          </p:cNvPr>
+          <p:cNvSpPr txBox="1"/>
+          <p:nvPr/>
+        </p:nvSpPr>
+        <p:spPr>
+          <a:xfrm rot="2042357">
+            <a:off x="4523529" y="1603085"/>
+            <a:ext cx="923742" cy="276999"/>
+          </a:xfrm>
+          <a:prstGeom prst="rect">
+            <a:avLst/>
+          </a:prstGeom>
+          <a:noFill/>
+        </p:spPr>
+        <p:txBody>
+          <a:bodyPr wrap="square" rtlCol="0">
+            <a:spAutoFit/>
+          </a:bodyPr>
+          <a:lstStyle/>
+          <a:p>
+            <a:pPr algn="ctr"/>
+            <a:r>
+              <a:rPr lang="en-US" sz="1200" b="1" dirty="0">
+                <a:solidFill>
+                  <a:srgbClr val="FF0000"/>
+                </a:solidFill>
+              </a:rPr>
+              <a:t>REQUEST</a:t>
+            </a:r>
+          </a:p>
+        </p:txBody>
+      </p:sp>
+      <p:sp>
+        <p:nvSpPr>
+          <p:cNvPr id="50" name="TextBox 49">
+            <a:extLst>
+              <a:ext uri="{FF2B5EF4-FFF2-40B4-BE49-F238E27FC236}">
+                <a16:creationId xmlns:a16="http://schemas.microsoft.com/office/drawing/2014/main" id="{7815FCBE-21ED-462C-9562-6400A434587C}"/>
+              </a:ext>
+            </a:extLst>
+          </p:cNvPr>
+          <p:cNvSpPr txBox="1"/>
+          <p:nvPr/>
+        </p:nvSpPr>
+        <p:spPr>
+          <a:xfrm rot="2093234">
+            <a:off x="4158347" y="2040754"/>
+            <a:ext cx="1027948" cy="276999"/>
+          </a:xfrm>
+          <a:prstGeom prst="rect">
+            <a:avLst/>
+          </a:prstGeom>
+          <a:noFill/>
+        </p:spPr>
+        <p:txBody>
+          <a:bodyPr wrap="square" rtlCol="0">
+            <a:spAutoFit/>
+          </a:bodyPr>
+          <a:lstStyle/>
+          <a:p>
+            <a:pPr algn="ctr"/>
+            <a:r>
+              <a:rPr lang="en-US" sz="1200" b="1" dirty="0">
+                <a:solidFill>
+                  <a:srgbClr val="00B050"/>
+                </a:solidFill>
+              </a:rPr>
+              <a:t>RESPONSE</a:t>
+            </a:r>
+          </a:p>
+        </p:txBody>
+      </p:sp>
+      <p:sp>
+        <p:nvSpPr>
+          <p:cNvPr id="52" name="TextBox 51">
+            <a:extLst>
+              <a:ext uri="{FF2B5EF4-FFF2-40B4-BE49-F238E27FC236}">
+                <a16:creationId xmlns:a16="http://schemas.microsoft.com/office/drawing/2014/main" id="{E14389C3-0FC4-4600-A91E-0AE37E4ECB18}"/>
+              </a:ext>
+            </a:extLst>
+          </p:cNvPr>
+          <p:cNvSpPr txBox="1"/>
+          <p:nvPr/>
+        </p:nvSpPr>
+        <p:spPr>
+          <a:xfrm rot="19896941">
+            <a:off x="4188325" y="4199012"/>
+            <a:ext cx="923742" cy="276999"/>
+          </a:xfrm>
+          <a:prstGeom prst="rect">
+            <a:avLst/>
+          </a:prstGeom>
+          <a:noFill/>
+        </p:spPr>
+        <p:txBody>
+          <a:bodyPr wrap="square" rtlCol="0">
+            <a:spAutoFit/>
+          </a:bodyPr>
+          <a:lstStyle/>
+          <a:p>
+            <a:pPr algn="ctr"/>
+            <a:r>
+              <a:rPr lang="en-US" sz="1200" b="1" dirty="0">
+                <a:solidFill>
+                  <a:srgbClr val="FF0000"/>
+                </a:solidFill>
+              </a:rPr>
+              <a:t>REQUEST</a:t>
+            </a:r>
+          </a:p>
+        </p:txBody>
+      </p:sp>
+      <p:sp>
+        <p:nvSpPr>
+          <p:cNvPr id="53" name="TextBox 52">
+            <a:extLst>
+              <a:ext uri="{FF2B5EF4-FFF2-40B4-BE49-F238E27FC236}">
+                <a16:creationId xmlns:a16="http://schemas.microsoft.com/office/drawing/2014/main" id="{BA4795FB-464A-4E66-BEB0-D702E05AB18D}"/>
+              </a:ext>
+            </a:extLst>
+          </p:cNvPr>
+          <p:cNvSpPr txBox="1"/>
+          <p:nvPr/>
+        </p:nvSpPr>
+        <p:spPr>
+          <a:xfrm rot="19806813">
+            <a:off x="4400062" y="4656569"/>
+            <a:ext cx="1027948" cy="276999"/>
+          </a:xfrm>
+          <a:prstGeom prst="rect">
+            <a:avLst/>
+          </a:prstGeom>
+          <a:noFill/>
+        </p:spPr>
+        <p:txBody>
+          <a:bodyPr wrap="square" rtlCol="0">
+            <a:spAutoFit/>
+          </a:bodyPr>
+          <a:lstStyle/>
+          <a:p>
+            <a:pPr algn="ctr"/>
+            <a:r>
+              <a:rPr lang="en-US" sz="1200" b="1" dirty="0">
+                <a:solidFill>
+                  <a:srgbClr val="00B050"/>
+                </a:solidFill>
+              </a:rPr>
+              <a:t>RESPONSE</a:t>
+            </a:r>
+          </a:p>
+        </p:txBody>
+      </p:sp>
+      <p:pic>
+        <p:nvPicPr>
+          <p:cNvPr id="2068" name="Picture 20" descr="Image result for HTML CSS JS">
+            <a:extLst>
+              <a:ext uri="{FF2B5EF4-FFF2-40B4-BE49-F238E27FC236}">
+                <a16:creationId xmlns:a16="http://schemas.microsoft.com/office/drawing/2014/main" id="{75660C31-F87F-4BFE-9E33-FA46D21BD46A}"/>
+              </a:ext>
+            </a:extLst>
+          </p:cNvPr>
+          <p:cNvPicPr>
+            <a:picLocks noChangeAspect="1" noChangeArrowheads="1"/>
+          </p:cNvPicPr>
+          <p:nvPr/>
+        </p:nvPicPr>
+        <p:blipFill>
+          <a:blip r:embed="rId11">
+            <a:extLst>
+              <a:ext uri="{28A0092B-C50C-407E-A947-70E740481C1C}">
+                <a14:useLocalDpi xmlns:a14="http://schemas.microsoft.com/office/drawing/2010/main" val="0"/>
+              </a:ext>
+            </a:extLst>
+          </a:blip>
+          <a:srcRect/>
+          <a:stretch>
+            <a:fillRect/>
+          </a:stretch>
+        </p:blipFill>
+        <p:spPr bwMode="auto">
+          <a:xfrm>
+            <a:off x="3908009" y="5213137"/>
+            <a:ext cx="1432649" cy="794673"/>
+          </a:xfrm>
+          <a:prstGeom prst="rect">
+            <a:avLst/>
+          </a:prstGeom>
+          <a:noFill/>
+          <a:extLst>
+            <a:ext uri="{909E8E84-426E-40DD-AFC4-6F175D3DCCD1}">
+              <a14:hiddenFill xmlns:a14="http://schemas.microsoft.com/office/drawing/2010/main">
+                <a:solidFill>
+                  <a:srgbClr val="FFFFFF"/>
+                </a:solidFill>
+              </a14:hiddenFill>
+            </a:ext>
+          </a:extLst>
+        </p:spPr>
+      </p:pic>
+      <p:pic>
+        <p:nvPicPr>
+          <p:cNvPr id="2070" name="Picture 22" descr="Image result for JSON LOGO">
+            <a:extLst>
+              <a:ext uri="{FF2B5EF4-FFF2-40B4-BE49-F238E27FC236}">
+                <a16:creationId xmlns:a16="http://schemas.microsoft.com/office/drawing/2014/main" id="{A3A3541F-59BF-4920-871E-2A303B249B14}"/>
+              </a:ext>
+            </a:extLst>
+          </p:cNvPr>
+          <p:cNvPicPr>
+            <a:picLocks noChangeAspect="1" noChangeArrowheads="1"/>
+          </p:cNvPicPr>
+          <p:nvPr/>
+        </p:nvPicPr>
+        <p:blipFill>
+          <a:blip r:embed="rId12">
+            <a:extLst>
+              <a:ext uri="{28A0092B-C50C-407E-A947-70E740481C1C}">
+                <a14:useLocalDpi xmlns:a14="http://schemas.microsoft.com/office/drawing/2010/main" val="0"/>
+              </a:ext>
+            </a:extLst>
+          </a:blip>
+          <a:srcRect/>
+          <a:stretch>
+            <a:fillRect/>
+          </a:stretch>
+        </p:blipFill>
+        <p:spPr bwMode="auto">
+          <a:xfrm>
+            <a:off x="3719349" y="2244554"/>
+            <a:ext cx="871209" cy="478311"/>
+          </a:xfrm>
+          <a:prstGeom prst="rect">
+            <a:avLst/>
+          </a:prstGeom>
+          <a:noFill/>
+          <a:extLst>
+            <a:ext uri="{909E8E84-426E-40DD-AFC4-6F175D3DCCD1}">
+              <a14:hiddenFill xmlns:a14="http://schemas.microsoft.com/office/drawing/2010/main">
+                <a:solidFill>
+                  <a:srgbClr val="FFFFFF"/>
+                </a:solidFill>
+              </a14:hiddenFill>
+            </a:ext>
+          </a:extLst>
+        </p:spPr>
+      </p:pic>
+      <p:pic>
+        <p:nvPicPr>
+          <p:cNvPr id="2072" name="Picture 24" descr="Image result for SQL logo">
+            <a:extLst>
+              <a:ext uri="{FF2B5EF4-FFF2-40B4-BE49-F238E27FC236}">
+                <a16:creationId xmlns:a16="http://schemas.microsoft.com/office/drawing/2014/main" id="{DC8DFDD6-2DF0-4218-8629-3B92816FB4BB}"/>
+              </a:ext>
+            </a:extLst>
+          </p:cNvPr>
+          <p:cNvPicPr>
+            <a:picLocks noChangeAspect="1" noChangeArrowheads="1"/>
+          </p:cNvPicPr>
+          <p:nvPr/>
+        </p:nvPicPr>
+        <p:blipFill>
+          <a:blip r:embed="rId13">
+            <a:extLst>
+              <a:ext uri="{28A0092B-C50C-407E-A947-70E740481C1C}">
+                <a14:useLocalDpi xmlns:a14="http://schemas.microsoft.com/office/drawing/2010/main" val="0"/>
+              </a:ext>
+            </a:extLst>
+          </a:blip>
+          <a:srcRect/>
+          <a:stretch>
+            <a:fillRect/>
+          </a:stretch>
+        </p:blipFill>
+        <p:spPr bwMode="auto">
+          <a:xfrm>
+            <a:off x="8188647" y="2537016"/>
+            <a:ext cx="840310" cy="630761"/>
+          </a:xfrm>
+          <a:prstGeom prst="rect">
+            <a:avLst/>
+          </a:prstGeom>
+          <a:noFill/>
+          <a:extLst>
+            <a:ext uri="{909E8E84-426E-40DD-AFC4-6F175D3DCCD1}">
+              <a14:hiddenFill xmlns:a14="http://schemas.microsoft.com/office/drawing/2010/main">
+                <a:solidFill>
+                  <a:srgbClr val="FFFFFF"/>
+                </a:solidFill>
+              </a14:hiddenFill>
+            </a:ext>
+          </a:extLst>
+        </p:spPr>
+      </p:pic>
+    </p:spTree>
+    <p:extLst>
+      <p:ext uri="{BB962C8B-B14F-4D97-AF65-F5344CB8AC3E}">
+        <p14:creationId xmlns:p14="http://schemas.microsoft.com/office/powerpoint/2010/main" val="794243776"/>
+      </p:ext>
+    </p:extLst>
+  </p:cSld>
+  <p:clrMapOvr>
+    <a:masterClrMapping/>
+  </p:clrMapOvr>
+</p:sld>
+</file>
+
+<file path=ppt/slides/slide6.xml><?xml version="1.0" encoding="utf-8"?>
 <p:sld xmlns:a="http://schemas.openxmlformats.org/drawingml/2006/main" xmlns:r="http://schemas.openxmlformats.org/officeDocument/2006/relationships" xmlns:p="http://schemas.openxmlformats.org/presentationml/2006/main">
   <p:cSld>
     <p:bg>
@@ -15415,7 +19364,7 @@
 </p:sld>
 </file>
 
-<file path=ppt/slides/slide5.xml><?xml version="1.0" encoding="utf-8"?>
+<file path=ppt/slides/slide7.xml><?xml version="1.0" encoding="utf-8"?>
 <p:sld xmlns:a="http://schemas.openxmlformats.org/drawingml/2006/main" xmlns:r="http://schemas.openxmlformats.org/officeDocument/2006/relationships" xmlns:p="http://schemas.openxmlformats.org/presentationml/2006/main">
   <p:cSld>
     <p:bg>
@@ -16043,7 +19992,7 @@
 </p:sld>
 </file>
 
-<file path=ppt/slides/slide6.xml><?xml version="1.0" encoding="utf-8"?>
+<file path=ppt/slides/slide8.xml><?xml version="1.0" encoding="utf-8"?>
 <p:sld xmlns:a="http://schemas.openxmlformats.org/drawingml/2006/main" xmlns:r="http://schemas.openxmlformats.org/officeDocument/2006/relationships" xmlns:p="http://schemas.openxmlformats.org/presentationml/2006/main">
   <p:cSld>
     <p:bg>
@@ -16671,7 +20620,7 @@
 </p:sld>
 </file>
 
-<file path=ppt/slides/slide7.xml><?xml version="1.0" encoding="utf-8"?>
+<file path=ppt/slides/slide9.xml><?xml version="1.0" encoding="utf-8"?>
 <p:sld xmlns:a="http://schemas.openxmlformats.org/drawingml/2006/main" xmlns:r="http://schemas.openxmlformats.org/officeDocument/2006/relationships" xmlns:p="http://schemas.openxmlformats.org/presentationml/2006/main">
   <p:cSld>
     <p:bg>
@@ -17291,1264 +21240,6 @@
     <p:extLst>
       <p:ext uri="{BB962C8B-B14F-4D97-AF65-F5344CB8AC3E}">
         <p14:creationId xmlns:p14="http://schemas.microsoft.com/office/powerpoint/2010/main" val="2270699071"/>
-      </p:ext>
-    </p:extLst>
-  </p:cSld>
-  <p:clrMapOvr>
-    <a:masterClrMapping/>
-  </p:clrMapOvr>
-</p:sld>
-</file>
-
-<file path=ppt/slides/slide8.xml><?xml version="1.0" encoding="utf-8"?>
-<p:sld xmlns:a="http://schemas.openxmlformats.org/drawingml/2006/main" xmlns:r="http://schemas.openxmlformats.org/officeDocument/2006/relationships" xmlns:p="http://schemas.openxmlformats.org/presentationml/2006/main">
-  <p:cSld>
-    <p:bg>
-      <p:bgPr>
-        <a:solidFill>
-          <a:schemeClr val="bg1"/>
-        </a:solidFill>
-        <a:effectLst/>
-      </p:bgPr>
-    </p:bg>
-    <p:spTree>
-      <p:nvGrpSpPr>
-        <p:cNvPr id="1" name=""/>
-        <p:cNvGrpSpPr/>
-        <p:nvPr/>
-      </p:nvGrpSpPr>
-      <p:grpSpPr>
-        <a:xfrm>
-          <a:off x="0" y="0"/>
-          <a:ext cx="0" cy="0"/>
-          <a:chOff x="0" y="0"/>
-          <a:chExt cx="0" cy="0"/>
-        </a:xfrm>
-      </p:grpSpPr>
-      <p:sp>
-        <p:nvSpPr>
-          <p:cNvPr id="7" name="Rectangle 6">
-            <a:extLst>
-              <a:ext uri="{FF2B5EF4-FFF2-40B4-BE49-F238E27FC236}">
-                <a16:creationId xmlns:a16="http://schemas.microsoft.com/office/drawing/2014/main" id="{F3060C83-F051-4F0E-ABAD-AA0DFC48B218}"/>
-              </a:ext>
-              <a:ext uri="{C183D7F6-B498-43B3-948B-1728B52AA6E4}">
-                <adec:decorative xmlns:adec="http://schemas.microsoft.com/office/drawing/2017/decorative" val="1"/>
-              </a:ext>
-            </a:extLst>
-          </p:cNvPr>
-          <p:cNvSpPr>
-            <a:spLocks noGrp="1" noRot="1" noChangeAspect="1" noMove="1" noResize="1" noEditPoints="1" noAdjustHandles="1" noChangeArrowheads="1" noChangeShapeType="1" noTextEdit="1"/>
-          </p:cNvSpPr>
-          <p:nvPr>
-            <p:extLst>
-              <p:ext uri="{386F3935-93C4-4BCD-93E2-E3B085C9AB24}">
-                <p16:designElem xmlns:p16="http://schemas.microsoft.com/office/powerpoint/2015/main" val="1"/>
-              </p:ext>
-            </p:extLst>
-          </p:nvPr>
-        </p:nvSpPr>
-        <p:spPr>
-          <a:xfrm>
-            <a:off x="0" y="0"/>
-            <a:ext cx="12192000" cy="6858000"/>
-          </a:xfrm>
-          <a:prstGeom prst="rect">
-            <a:avLst/>
-          </a:prstGeom>
-          <a:solidFill>
-            <a:schemeClr val="bg1"/>
-          </a:solidFill>
-          <a:ln>
-            <a:noFill/>
-          </a:ln>
-        </p:spPr>
-        <p:style>
-          <a:lnRef idx="2">
-            <a:schemeClr val="accent1">
-              <a:shade val="50000"/>
-            </a:schemeClr>
-          </a:lnRef>
-          <a:fillRef idx="1">
-            <a:schemeClr val="accent1"/>
-          </a:fillRef>
-          <a:effectRef idx="0">
-            <a:schemeClr val="accent1"/>
-          </a:effectRef>
-          <a:fontRef idx="minor">
-            <a:schemeClr val="lt1"/>
-          </a:fontRef>
-        </p:style>
-        <p:txBody>
-          <a:bodyPr rtlCol="0" anchor="ctr"/>
-          <a:lstStyle/>
-          <a:p>
-            <a:pPr algn="ctr"/>
-            <a:endParaRPr lang="en-US" dirty="0"/>
-          </a:p>
-        </p:txBody>
-      </p:sp>
-      <p:sp>
-        <p:nvSpPr>
-          <p:cNvPr id="9" name="Freeform: Shape 8">
-            <a:extLst>
-              <a:ext uri="{FF2B5EF4-FFF2-40B4-BE49-F238E27FC236}">
-                <a16:creationId xmlns:a16="http://schemas.microsoft.com/office/drawing/2014/main" id="{83C98ABE-055B-441F-B07E-44F97F083C39}"/>
-              </a:ext>
-              <a:ext uri="{C183D7F6-B498-43B3-948B-1728B52AA6E4}">
-                <adec:decorative xmlns:adec="http://schemas.microsoft.com/office/drawing/2017/decorative" val="1"/>
-              </a:ext>
-            </a:extLst>
-          </p:cNvPr>
-          <p:cNvSpPr>
-            <a:spLocks noGrp="1" noRot="1" noChangeAspect="1" noMove="1" noResize="1" noEditPoints="1" noAdjustHandles="1" noChangeArrowheads="1" noChangeShapeType="1" noTextEdit="1"/>
-          </p:cNvSpPr>
-          <p:nvPr>
-            <p:extLst>
-              <p:ext uri="{386F3935-93C4-4BCD-93E2-E3B085C9AB24}">
-                <p16:designElem xmlns:p16="http://schemas.microsoft.com/office/powerpoint/2015/main" val="1"/>
-              </p:ext>
-            </p:extLst>
-          </p:nvPr>
-        </p:nvSpPr>
-        <p:spPr>
-          <a:xfrm rot="18900000" flipH="1">
-            <a:off x="-376156" y="-253670"/>
-            <a:ext cx="1827638" cy="1376989"/>
-          </a:xfrm>
-          <a:custGeom>
-            <a:avLst/>
-            <a:gdLst>
-              <a:gd name="connsiteX0" fmla="*/ 0 w 1827638"/>
-              <a:gd name="connsiteY0" fmla="*/ 987379 h 1376989"/>
-              <a:gd name="connsiteX1" fmla="*/ 987379 w 1827638"/>
-              <a:gd name="connsiteY1" fmla="*/ 0 h 1376989"/>
-              <a:gd name="connsiteX2" fmla="*/ 1827638 w 1827638"/>
-              <a:gd name="connsiteY2" fmla="*/ 840260 h 1376989"/>
-              <a:gd name="connsiteX3" fmla="*/ 1827638 w 1827638"/>
-              <a:gd name="connsiteY3" fmla="*/ 1376989 h 1376989"/>
-              <a:gd name="connsiteX4" fmla="*/ 0 w 1827638"/>
-              <a:gd name="connsiteY4" fmla="*/ 1376989 h 1376989"/>
-            </a:gdLst>
-            <a:ahLst/>
-            <a:cxnLst>
-              <a:cxn ang="0">
-                <a:pos x="connsiteX0" y="connsiteY0"/>
-              </a:cxn>
-              <a:cxn ang="0">
-                <a:pos x="connsiteX1" y="connsiteY1"/>
-              </a:cxn>
-              <a:cxn ang="0">
-                <a:pos x="connsiteX2" y="connsiteY2"/>
-              </a:cxn>
-              <a:cxn ang="0">
-                <a:pos x="connsiteX3" y="connsiteY3"/>
-              </a:cxn>
-              <a:cxn ang="0">
-                <a:pos x="connsiteX4" y="connsiteY4"/>
-              </a:cxn>
-            </a:cxnLst>
-            <a:rect l="l" t="t" r="r" b="b"/>
-            <a:pathLst>
-              <a:path w="1827638" h="1376989">
-                <a:moveTo>
-                  <a:pt x="0" y="987379"/>
-                </a:moveTo>
-                <a:lnTo>
-                  <a:pt x="987379" y="0"/>
-                </a:lnTo>
-                <a:lnTo>
-                  <a:pt x="1827638" y="840260"/>
-                </a:lnTo>
-                <a:lnTo>
-                  <a:pt x="1827638" y="1376989"/>
-                </a:lnTo>
-                <a:lnTo>
-                  <a:pt x="0" y="1376989"/>
-                </a:lnTo>
-                <a:close/>
-              </a:path>
-            </a:pathLst>
-          </a:custGeom>
-          <a:solidFill>
-            <a:schemeClr val="accent1">
-              <a:alpha val="30000"/>
-            </a:schemeClr>
-          </a:solidFill>
-          <a:ln>
-            <a:noFill/>
-          </a:ln>
-        </p:spPr>
-        <p:style>
-          <a:lnRef idx="2">
-            <a:schemeClr val="accent1">
-              <a:shade val="50000"/>
-            </a:schemeClr>
-          </a:lnRef>
-          <a:fillRef idx="1">
-            <a:schemeClr val="accent1"/>
-          </a:fillRef>
-          <a:effectRef idx="0">
-            <a:schemeClr val="accent1"/>
-          </a:effectRef>
-          <a:fontRef idx="minor">
-            <a:schemeClr val="lt1"/>
-          </a:fontRef>
-        </p:style>
-        <p:txBody>
-          <a:bodyPr rtlCol="0" anchor="ctr"/>
-          <a:lstStyle/>
-          <a:p>
-            <a:pPr algn="ctr"/>
-            <a:endParaRPr lang="en-US" dirty="0"/>
-          </a:p>
-        </p:txBody>
-      </p:sp>
-      <p:sp>
-        <p:nvSpPr>
-          <p:cNvPr id="11" name="Rectangle 10">
-            <a:extLst>
-              <a:ext uri="{FF2B5EF4-FFF2-40B4-BE49-F238E27FC236}">
-                <a16:creationId xmlns:a16="http://schemas.microsoft.com/office/drawing/2014/main" id="{29FDB030-9B49-4CED-8CCD-4D99382388AC}"/>
-              </a:ext>
-              <a:ext uri="{C183D7F6-B498-43B3-948B-1728B52AA6E4}">
-                <adec:decorative xmlns:adec="http://schemas.microsoft.com/office/drawing/2017/decorative" val="1"/>
-              </a:ext>
-            </a:extLst>
-          </p:cNvPr>
-          <p:cNvSpPr>
-            <a:spLocks noGrp="1" noRot="1" noChangeAspect="1" noMove="1" noResize="1" noEditPoints="1" noAdjustHandles="1" noChangeArrowheads="1" noChangeShapeType="1" noTextEdit="1"/>
-          </p:cNvSpPr>
-          <p:nvPr>
-            <p:extLst>
-              <p:ext uri="{386F3935-93C4-4BCD-93E2-E3B085C9AB24}">
-                <p16:designElem xmlns:p16="http://schemas.microsoft.com/office/powerpoint/2015/main" val="1"/>
-              </p:ext>
-            </p:extLst>
-          </p:nvPr>
-        </p:nvSpPr>
-        <p:spPr>
-          <a:xfrm rot="18900000" flipH="1">
-            <a:off x="891641" y="422146"/>
-            <a:ext cx="645368" cy="645368"/>
-          </a:xfrm>
-          <a:prstGeom prst="rect">
-            <a:avLst/>
-          </a:prstGeom>
-          <a:solidFill>
-            <a:schemeClr val="accent1">
-              <a:alpha val="30000"/>
-            </a:schemeClr>
-          </a:solidFill>
-          <a:ln>
-            <a:noFill/>
-          </a:ln>
-        </p:spPr>
-        <p:style>
-          <a:lnRef idx="2">
-            <a:schemeClr val="accent1">
-              <a:shade val="50000"/>
-            </a:schemeClr>
-          </a:lnRef>
-          <a:fillRef idx="1">
-            <a:schemeClr val="accent1"/>
-          </a:fillRef>
-          <a:effectRef idx="0">
-            <a:schemeClr val="accent1"/>
-          </a:effectRef>
-          <a:fontRef idx="minor">
-            <a:schemeClr val="lt1"/>
-          </a:fontRef>
-        </p:style>
-        <p:txBody>
-          <a:bodyPr rtlCol="0" anchor="ctr"/>
-          <a:lstStyle/>
-          <a:p>
-            <a:pPr algn="ctr"/>
-            <a:endParaRPr lang="en-US"/>
-          </a:p>
-        </p:txBody>
-      </p:sp>
-      <p:sp>
-        <p:nvSpPr>
-          <p:cNvPr id="13" name="Rectangle 12">
-            <a:extLst>
-              <a:ext uri="{FF2B5EF4-FFF2-40B4-BE49-F238E27FC236}">
-                <a16:creationId xmlns:a16="http://schemas.microsoft.com/office/drawing/2014/main" id="{3783CA14-24A1-485C-8B30-D6A5D87987AD}"/>
-              </a:ext>
-              <a:ext uri="{C183D7F6-B498-43B3-948B-1728B52AA6E4}">
-                <adec:decorative xmlns:adec="http://schemas.microsoft.com/office/drawing/2017/decorative" val="1"/>
-              </a:ext>
-            </a:extLst>
-          </p:cNvPr>
-          <p:cNvSpPr>
-            <a:spLocks noGrp="1" noRot="1" noChangeAspect="1" noMove="1" noResize="1" noEditPoints="1" noAdjustHandles="1" noChangeArrowheads="1" noChangeShapeType="1" noTextEdit="1"/>
-          </p:cNvSpPr>
-          <p:nvPr>
-            <p:extLst>
-              <p:ext uri="{386F3935-93C4-4BCD-93E2-E3B085C9AB24}">
-                <p16:designElem xmlns:p16="http://schemas.microsoft.com/office/powerpoint/2015/main" val="1"/>
-              </p:ext>
-            </p:extLst>
-          </p:nvPr>
-        </p:nvSpPr>
-        <p:spPr>
-          <a:xfrm rot="18900000" flipH="1">
-            <a:off x="10043482" y="655140"/>
-            <a:ext cx="687472" cy="687472"/>
-          </a:xfrm>
-          <a:prstGeom prst="rect">
-            <a:avLst/>
-          </a:prstGeom>
-          <a:solidFill>
-            <a:schemeClr val="accent4">
-              <a:alpha val="30000"/>
-            </a:schemeClr>
-          </a:solidFill>
-          <a:ln>
-            <a:noFill/>
-          </a:ln>
-        </p:spPr>
-        <p:style>
-          <a:lnRef idx="2">
-            <a:schemeClr val="accent1">
-              <a:shade val="50000"/>
-            </a:schemeClr>
-          </a:lnRef>
-          <a:fillRef idx="1">
-            <a:schemeClr val="accent1"/>
-          </a:fillRef>
-          <a:effectRef idx="0">
-            <a:schemeClr val="accent1"/>
-          </a:effectRef>
-          <a:fontRef idx="minor">
-            <a:schemeClr val="lt1"/>
-          </a:fontRef>
-        </p:style>
-        <p:txBody>
-          <a:bodyPr rtlCol="0" anchor="ctr"/>
-          <a:lstStyle/>
-          <a:p>
-            <a:pPr algn="ctr"/>
-            <a:endParaRPr lang="en-US"/>
-          </a:p>
-        </p:txBody>
-      </p:sp>
-      <p:sp>
-        <p:nvSpPr>
-          <p:cNvPr id="15" name="Freeform: Shape 14">
-            <a:extLst>
-              <a:ext uri="{FF2B5EF4-FFF2-40B4-BE49-F238E27FC236}">
-                <a16:creationId xmlns:a16="http://schemas.microsoft.com/office/drawing/2014/main" id="{9A97C86A-04D6-40F7-AE84-31AB43E6A846}"/>
-              </a:ext>
-              <a:ext uri="{C183D7F6-B498-43B3-948B-1728B52AA6E4}">
-                <adec:decorative xmlns:adec="http://schemas.microsoft.com/office/drawing/2017/decorative" val="1"/>
-              </a:ext>
-            </a:extLst>
-          </p:cNvPr>
-          <p:cNvSpPr>
-            <a:spLocks noGrp="1" noRot="1" noChangeAspect="1" noMove="1" noResize="1" noEditPoints="1" noAdjustHandles="1" noChangeArrowheads="1" noChangeShapeType="1" noTextEdit="1"/>
-          </p:cNvSpPr>
-          <p:nvPr>
-            <p:extLst>
-              <p:ext uri="{386F3935-93C4-4BCD-93E2-E3B085C9AB24}">
-                <p16:designElem xmlns:p16="http://schemas.microsoft.com/office/powerpoint/2015/main" val="1"/>
-              </p:ext>
-            </p:extLst>
-          </p:nvPr>
-        </p:nvSpPr>
-        <p:spPr>
-          <a:xfrm rot="10800000" flipH="1">
-            <a:off x="9356643" y="0"/>
-            <a:ext cx="2835357" cy="1480837"/>
-          </a:xfrm>
-          <a:custGeom>
-            <a:avLst/>
-            <a:gdLst>
-              <a:gd name="connsiteX0" fmla="*/ 2835357 w 2835357"/>
-              <a:gd name="connsiteY0" fmla="*/ 1480837 h 1480837"/>
-              <a:gd name="connsiteX1" fmla="*/ 0 w 2835357"/>
-              <a:gd name="connsiteY1" fmla="*/ 1480837 h 1480837"/>
-              <a:gd name="connsiteX2" fmla="*/ 1552727 w 2835357"/>
-              <a:gd name="connsiteY2" fmla="*/ 0 h 1480837"/>
-              <a:gd name="connsiteX3" fmla="*/ 2835357 w 2835357"/>
-              <a:gd name="connsiteY3" fmla="*/ 1223245 h 1480837"/>
-            </a:gdLst>
-            <a:ahLst/>
-            <a:cxnLst>
-              <a:cxn ang="0">
-                <a:pos x="connsiteX0" y="connsiteY0"/>
-              </a:cxn>
-              <a:cxn ang="0">
-                <a:pos x="connsiteX1" y="connsiteY1"/>
-              </a:cxn>
-              <a:cxn ang="0">
-                <a:pos x="connsiteX2" y="connsiteY2"/>
-              </a:cxn>
-              <a:cxn ang="0">
-                <a:pos x="connsiteX3" y="connsiteY3"/>
-              </a:cxn>
-            </a:cxnLst>
-            <a:rect l="l" t="t" r="r" b="b"/>
-            <a:pathLst>
-              <a:path w="2835357" h="1480837">
-                <a:moveTo>
-                  <a:pt x="2835357" y="1480837"/>
-                </a:moveTo>
-                <a:lnTo>
-                  <a:pt x="0" y="1480837"/>
-                </a:lnTo>
-                <a:lnTo>
-                  <a:pt x="1552727" y="0"/>
-                </a:lnTo>
-                <a:lnTo>
-                  <a:pt x="2835357" y="1223245"/>
-                </a:lnTo>
-                <a:close/>
-              </a:path>
-            </a:pathLst>
-          </a:custGeom>
-          <a:solidFill>
-            <a:schemeClr val="accent4">
-              <a:alpha val="30000"/>
-            </a:schemeClr>
-          </a:solidFill>
-          <a:ln>
-            <a:noFill/>
-          </a:ln>
-        </p:spPr>
-        <p:style>
-          <a:lnRef idx="2">
-            <a:schemeClr val="accent1">
-              <a:shade val="50000"/>
-            </a:schemeClr>
-          </a:lnRef>
-          <a:fillRef idx="1">
-            <a:schemeClr val="accent1"/>
-          </a:fillRef>
-          <a:effectRef idx="0">
-            <a:schemeClr val="accent1"/>
-          </a:effectRef>
-          <a:fontRef idx="minor">
-            <a:schemeClr val="lt1"/>
-          </a:fontRef>
-        </p:style>
-        <p:txBody>
-          <a:bodyPr wrap="square" rtlCol="0" anchor="ctr">
-            <a:noAutofit/>
-          </a:bodyPr>
-          <a:lstStyle/>
-          <a:p>
-            <a:pPr algn="ctr"/>
-            <a:endParaRPr lang="en-US" dirty="0"/>
-          </a:p>
-        </p:txBody>
-      </p:sp>
-      <p:sp>
-        <p:nvSpPr>
-          <p:cNvPr id="17" name="Isosceles Triangle 16">
-            <a:extLst>
-              <a:ext uri="{FF2B5EF4-FFF2-40B4-BE49-F238E27FC236}">
-                <a16:creationId xmlns:a16="http://schemas.microsoft.com/office/drawing/2014/main" id="{FF9F2414-84E8-453E-B1F3-389FDE8192D9}"/>
-              </a:ext>
-              <a:ext uri="{C183D7F6-B498-43B3-948B-1728B52AA6E4}">
-                <adec:decorative xmlns:adec="http://schemas.microsoft.com/office/drawing/2017/decorative" val="1"/>
-              </a:ext>
-            </a:extLst>
-          </p:cNvPr>
-          <p:cNvSpPr>
-            <a:spLocks noGrp="1" noRot="1" noChangeAspect="1" noMove="1" noResize="1" noEditPoints="1" noAdjustHandles="1" noChangeArrowheads="1" noChangeShapeType="1" noTextEdit="1"/>
-          </p:cNvSpPr>
-          <p:nvPr>
-            <p:extLst>
-              <p:ext uri="{386F3935-93C4-4BCD-93E2-E3B085C9AB24}">
-                <p16:designElem xmlns:p16="http://schemas.microsoft.com/office/powerpoint/2015/main" val="1"/>
-              </p:ext>
-            </p:extLst>
-          </p:nvPr>
-        </p:nvSpPr>
-        <p:spPr>
-          <a:xfrm flipH="1">
-            <a:off x="7976344" y="6115501"/>
-            <a:ext cx="1494513" cy="742499"/>
-          </a:xfrm>
-          <a:prstGeom prst="triangle">
-            <a:avLst/>
-          </a:prstGeom>
-          <a:solidFill>
-            <a:schemeClr val="accent1">
-              <a:alpha val="30000"/>
-            </a:schemeClr>
-          </a:solidFill>
-          <a:ln>
-            <a:noFill/>
-          </a:ln>
-        </p:spPr>
-        <p:style>
-          <a:lnRef idx="2">
-            <a:schemeClr val="accent1">
-              <a:shade val="50000"/>
-            </a:schemeClr>
-          </a:lnRef>
-          <a:fillRef idx="1">
-            <a:schemeClr val="accent1"/>
-          </a:fillRef>
-          <a:effectRef idx="0">
-            <a:schemeClr val="accent1"/>
-          </a:effectRef>
-          <a:fontRef idx="minor">
-            <a:schemeClr val="lt1"/>
-          </a:fontRef>
-        </p:style>
-        <p:txBody>
-          <a:bodyPr rtlCol="0" anchor="ctr"/>
-          <a:lstStyle/>
-          <a:p>
-            <a:pPr algn="ctr"/>
-            <a:endParaRPr lang="en-US"/>
-          </a:p>
-        </p:txBody>
-      </p:sp>
-      <p:pic>
-        <p:nvPicPr>
-          <p:cNvPr id="2" name="Picture 1" descr="Image result for choose install location xampp">
-            <a:extLst>
-              <a:ext uri="{FF2B5EF4-FFF2-40B4-BE49-F238E27FC236}">
-                <a16:creationId xmlns:a16="http://schemas.microsoft.com/office/drawing/2014/main" id="{13E8435B-774E-4DD5-B196-E330CCC9BA8F}"/>
-              </a:ext>
-            </a:extLst>
-          </p:cNvPr>
-          <p:cNvPicPr/>
-          <p:nvPr/>
-        </p:nvPicPr>
-        <p:blipFill rotWithShape="1">
-          <a:blip r:embed="rId2">
-            <a:extLst>
-              <a:ext uri="{28A0092B-C50C-407E-A947-70E740481C1C}">
-                <a14:useLocalDpi xmlns:a14="http://schemas.microsoft.com/office/drawing/2010/main" val="0"/>
-              </a:ext>
-            </a:extLst>
-          </a:blip>
-          <a:srcRect l="3074" t="3591" r="3688" b="4870"/>
-          <a:stretch/>
-        </p:blipFill>
-        <p:spPr bwMode="auto">
-          <a:xfrm>
-            <a:off x="2070968" y="305944"/>
-            <a:ext cx="7974294" cy="6468533"/>
-          </a:xfrm>
-          <a:prstGeom prst="rect">
-            <a:avLst/>
-          </a:prstGeom>
-          <a:noFill/>
-          <a:ln>
-            <a:noFill/>
-          </a:ln>
-          <a:extLst>
-            <a:ext uri="{53640926-AAD7-44D8-BBD7-CCE9431645EC}">
-              <a14:shadowObscured xmlns:a14="http://schemas.microsoft.com/office/drawing/2010/main"/>
-            </a:ext>
-          </a:extLst>
-        </p:spPr>
-      </p:pic>
-      <p:sp>
-        <p:nvSpPr>
-          <p:cNvPr id="19" name="Isosceles Triangle 18">
-            <a:extLst>
-              <a:ext uri="{FF2B5EF4-FFF2-40B4-BE49-F238E27FC236}">
-                <a16:creationId xmlns:a16="http://schemas.microsoft.com/office/drawing/2014/main" id="{3ECA69A1-7536-43AC-85EF-C7106179F5ED}"/>
-              </a:ext>
-              <a:ext uri="{C183D7F6-B498-43B3-948B-1728B52AA6E4}">
-                <adec:decorative xmlns:adec="http://schemas.microsoft.com/office/drawing/2017/decorative" val="1"/>
-              </a:ext>
-            </a:extLst>
-          </p:cNvPr>
-          <p:cNvSpPr>
-            <a:spLocks noGrp="1" noRot="1" noChangeAspect="1" noMove="1" noResize="1" noEditPoints="1" noAdjustHandles="1" noChangeArrowheads="1" noChangeShapeType="1" noTextEdit="1"/>
-          </p:cNvSpPr>
-          <p:nvPr>
-            <p:extLst>
-              <p:ext uri="{386F3935-93C4-4BCD-93E2-E3B085C9AB24}">
-                <p16:designElem xmlns:p16="http://schemas.microsoft.com/office/powerpoint/2015/main" val="1"/>
-              </p:ext>
-            </p:extLst>
-          </p:nvPr>
-        </p:nvSpPr>
-        <p:spPr>
-          <a:xfrm flipH="1">
-            <a:off x="7604080" y="6453143"/>
-            <a:ext cx="814903" cy="404857"/>
-          </a:xfrm>
-          <a:prstGeom prst="triangle">
-            <a:avLst/>
-          </a:prstGeom>
-          <a:solidFill>
-            <a:schemeClr val="accent1">
-              <a:alpha val="30000"/>
-            </a:schemeClr>
-          </a:solidFill>
-          <a:ln>
-            <a:noFill/>
-          </a:ln>
-        </p:spPr>
-        <p:style>
-          <a:lnRef idx="2">
-            <a:schemeClr val="accent1">
-              <a:shade val="50000"/>
-            </a:schemeClr>
-          </a:lnRef>
-          <a:fillRef idx="1">
-            <a:schemeClr val="accent1"/>
-          </a:fillRef>
-          <a:effectRef idx="0">
-            <a:schemeClr val="accent1"/>
-          </a:effectRef>
-          <a:fontRef idx="minor">
-            <a:schemeClr val="lt1"/>
-          </a:fontRef>
-        </p:style>
-        <p:txBody>
-          <a:bodyPr rtlCol="0" anchor="ctr"/>
-          <a:lstStyle/>
-          <a:p>
-            <a:pPr algn="ctr"/>
-            <a:endParaRPr lang="en-US"/>
-          </a:p>
-        </p:txBody>
-      </p:sp>
-    </p:spTree>
-    <p:extLst>
-      <p:ext uri="{BB962C8B-B14F-4D97-AF65-F5344CB8AC3E}">
-        <p14:creationId xmlns:p14="http://schemas.microsoft.com/office/powerpoint/2010/main" val="1394995814"/>
-      </p:ext>
-    </p:extLst>
-  </p:cSld>
-  <p:clrMapOvr>
-    <a:masterClrMapping/>
-  </p:clrMapOvr>
-</p:sld>
-</file>
-
-<file path=ppt/slides/slide9.xml><?xml version="1.0" encoding="utf-8"?>
-<p:sld xmlns:a="http://schemas.openxmlformats.org/drawingml/2006/main" xmlns:r="http://schemas.openxmlformats.org/officeDocument/2006/relationships" xmlns:p="http://schemas.openxmlformats.org/presentationml/2006/main">
-  <p:cSld>
-    <p:bg>
-      <p:bgPr>
-        <a:solidFill>
-          <a:schemeClr val="bg1"/>
-        </a:solidFill>
-        <a:effectLst/>
-      </p:bgPr>
-    </p:bg>
-    <p:spTree>
-      <p:nvGrpSpPr>
-        <p:cNvPr id="1" name=""/>
-        <p:cNvGrpSpPr/>
-        <p:nvPr/>
-      </p:nvGrpSpPr>
-      <p:grpSpPr>
-        <a:xfrm>
-          <a:off x="0" y="0"/>
-          <a:ext cx="0" cy="0"/>
-          <a:chOff x="0" y="0"/>
-          <a:chExt cx="0" cy="0"/>
-        </a:xfrm>
-      </p:grpSpPr>
-      <p:sp>
-        <p:nvSpPr>
-          <p:cNvPr id="7" name="Rectangle 6">
-            <a:extLst>
-              <a:ext uri="{FF2B5EF4-FFF2-40B4-BE49-F238E27FC236}">
-                <a16:creationId xmlns:a16="http://schemas.microsoft.com/office/drawing/2014/main" id="{F3060C83-F051-4F0E-ABAD-AA0DFC48B218}"/>
-              </a:ext>
-              <a:ext uri="{C183D7F6-B498-43B3-948B-1728B52AA6E4}">
-                <adec:decorative xmlns:adec="http://schemas.microsoft.com/office/drawing/2017/decorative" val="1"/>
-              </a:ext>
-            </a:extLst>
-          </p:cNvPr>
-          <p:cNvSpPr>
-            <a:spLocks noGrp="1" noRot="1" noChangeAspect="1" noMove="1" noResize="1" noEditPoints="1" noAdjustHandles="1" noChangeArrowheads="1" noChangeShapeType="1" noTextEdit="1"/>
-          </p:cNvSpPr>
-          <p:nvPr>
-            <p:extLst>
-              <p:ext uri="{386F3935-93C4-4BCD-93E2-E3B085C9AB24}">
-                <p16:designElem xmlns:p16="http://schemas.microsoft.com/office/powerpoint/2015/main" val="1"/>
-              </p:ext>
-            </p:extLst>
-          </p:nvPr>
-        </p:nvSpPr>
-        <p:spPr>
-          <a:xfrm>
-            <a:off x="0" y="0"/>
-            <a:ext cx="12192000" cy="6858000"/>
-          </a:xfrm>
-          <a:prstGeom prst="rect">
-            <a:avLst/>
-          </a:prstGeom>
-          <a:solidFill>
-            <a:schemeClr val="bg1"/>
-          </a:solidFill>
-          <a:ln>
-            <a:noFill/>
-          </a:ln>
-        </p:spPr>
-        <p:style>
-          <a:lnRef idx="2">
-            <a:schemeClr val="accent1">
-              <a:shade val="50000"/>
-            </a:schemeClr>
-          </a:lnRef>
-          <a:fillRef idx="1">
-            <a:schemeClr val="accent1"/>
-          </a:fillRef>
-          <a:effectRef idx="0">
-            <a:schemeClr val="accent1"/>
-          </a:effectRef>
-          <a:fontRef idx="minor">
-            <a:schemeClr val="lt1"/>
-          </a:fontRef>
-        </p:style>
-        <p:txBody>
-          <a:bodyPr rtlCol="0" anchor="ctr"/>
-          <a:lstStyle/>
-          <a:p>
-            <a:pPr algn="ctr"/>
-            <a:endParaRPr lang="en-US" dirty="0"/>
-          </a:p>
-        </p:txBody>
-      </p:sp>
-      <p:sp>
-        <p:nvSpPr>
-          <p:cNvPr id="9" name="Freeform: Shape 8">
-            <a:extLst>
-              <a:ext uri="{FF2B5EF4-FFF2-40B4-BE49-F238E27FC236}">
-                <a16:creationId xmlns:a16="http://schemas.microsoft.com/office/drawing/2014/main" id="{83C98ABE-055B-441F-B07E-44F97F083C39}"/>
-              </a:ext>
-              <a:ext uri="{C183D7F6-B498-43B3-948B-1728B52AA6E4}">
-                <adec:decorative xmlns:adec="http://schemas.microsoft.com/office/drawing/2017/decorative" val="1"/>
-              </a:ext>
-            </a:extLst>
-          </p:cNvPr>
-          <p:cNvSpPr>
-            <a:spLocks noGrp="1" noRot="1" noChangeAspect="1" noMove="1" noResize="1" noEditPoints="1" noAdjustHandles="1" noChangeArrowheads="1" noChangeShapeType="1" noTextEdit="1"/>
-          </p:cNvSpPr>
-          <p:nvPr>
-            <p:extLst>
-              <p:ext uri="{386F3935-93C4-4BCD-93E2-E3B085C9AB24}">
-                <p16:designElem xmlns:p16="http://schemas.microsoft.com/office/powerpoint/2015/main" val="1"/>
-              </p:ext>
-            </p:extLst>
-          </p:nvPr>
-        </p:nvSpPr>
-        <p:spPr>
-          <a:xfrm rot="18900000" flipH="1">
-            <a:off x="-376156" y="-253670"/>
-            <a:ext cx="1827638" cy="1376989"/>
-          </a:xfrm>
-          <a:custGeom>
-            <a:avLst/>
-            <a:gdLst>
-              <a:gd name="connsiteX0" fmla="*/ 0 w 1827638"/>
-              <a:gd name="connsiteY0" fmla="*/ 987379 h 1376989"/>
-              <a:gd name="connsiteX1" fmla="*/ 987379 w 1827638"/>
-              <a:gd name="connsiteY1" fmla="*/ 0 h 1376989"/>
-              <a:gd name="connsiteX2" fmla="*/ 1827638 w 1827638"/>
-              <a:gd name="connsiteY2" fmla="*/ 840260 h 1376989"/>
-              <a:gd name="connsiteX3" fmla="*/ 1827638 w 1827638"/>
-              <a:gd name="connsiteY3" fmla="*/ 1376989 h 1376989"/>
-              <a:gd name="connsiteX4" fmla="*/ 0 w 1827638"/>
-              <a:gd name="connsiteY4" fmla="*/ 1376989 h 1376989"/>
-            </a:gdLst>
-            <a:ahLst/>
-            <a:cxnLst>
-              <a:cxn ang="0">
-                <a:pos x="connsiteX0" y="connsiteY0"/>
-              </a:cxn>
-              <a:cxn ang="0">
-                <a:pos x="connsiteX1" y="connsiteY1"/>
-              </a:cxn>
-              <a:cxn ang="0">
-                <a:pos x="connsiteX2" y="connsiteY2"/>
-              </a:cxn>
-              <a:cxn ang="0">
-                <a:pos x="connsiteX3" y="connsiteY3"/>
-              </a:cxn>
-              <a:cxn ang="0">
-                <a:pos x="connsiteX4" y="connsiteY4"/>
-              </a:cxn>
-            </a:cxnLst>
-            <a:rect l="l" t="t" r="r" b="b"/>
-            <a:pathLst>
-              <a:path w="1827638" h="1376989">
-                <a:moveTo>
-                  <a:pt x="0" y="987379"/>
-                </a:moveTo>
-                <a:lnTo>
-                  <a:pt x="987379" y="0"/>
-                </a:lnTo>
-                <a:lnTo>
-                  <a:pt x="1827638" y="840260"/>
-                </a:lnTo>
-                <a:lnTo>
-                  <a:pt x="1827638" y="1376989"/>
-                </a:lnTo>
-                <a:lnTo>
-                  <a:pt x="0" y="1376989"/>
-                </a:lnTo>
-                <a:close/>
-              </a:path>
-            </a:pathLst>
-          </a:custGeom>
-          <a:solidFill>
-            <a:schemeClr val="accent1">
-              <a:alpha val="30000"/>
-            </a:schemeClr>
-          </a:solidFill>
-          <a:ln>
-            <a:noFill/>
-          </a:ln>
-        </p:spPr>
-        <p:style>
-          <a:lnRef idx="2">
-            <a:schemeClr val="accent1">
-              <a:shade val="50000"/>
-            </a:schemeClr>
-          </a:lnRef>
-          <a:fillRef idx="1">
-            <a:schemeClr val="accent1"/>
-          </a:fillRef>
-          <a:effectRef idx="0">
-            <a:schemeClr val="accent1"/>
-          </a:effectRef>
-          <a:fontRef idx="minor">
-            <a:schemeClr val="lt1"/>
-          </a:fontRef>
-        </p:style>
-        <p:txBody>
-          <a:bodyPr rtlCol="0" anchor="ctr"/>
-          <a:lstStyle/>
-          <a:p>
-            <a:pPr algn="ctr"/>
-            <a:endParaRPr lang="en-US" dirty="0"/>
-          </a:p>
-        </p:txBody>
-      </p:sp>
-      <p:sp>
-        <p:nvSpPr>
-          <p:cNvPr id="11" name="Rectangle 10">
-            <a:extLst>
-              <a:ext uri="{FF2B5EF4-FFF2-40B4-BE49-F238E27FC236}">
-                <a16:creationId xmlns:a16="http://schemas.microsoft.com/office/drawing/2014/main" id="{29FDB030-9B49-4CED-8CCD-4D99382388AC}"/>
-              </a:ext>
-              <a:ext uri="{C183D7F6-B498-43B3-948B-1728B52AA6E4}">
-                <adec:decorative xmlns:adec="http://schemas.microsoft.com/office/drawing/2017/decorative" val="1"/>
-              </a:ext>
-            </a:extLst>
-          </p:cNvPr>
-          <p:cNvSpPr>
-            <a:spLocks noGrp="1" noRot="1" noChangeAspect="1" noMove="1" noResize="1" noEditPoints="1" noAdjustHandles="1" noChangeArrowheads="1" noChangeShapeType="1" noTextEdit="1"/>
-          </p:cNvSpPr>
-          <p:nvPr>
-            <p:extLst>
-              <p:ext uri="{386F3935-93C4-4BCD-93E2-E3B085C9AB24}">
-                <p16:designElem xmlns:p16="http://schemas.microsoft.com/office/powerpoint/2015/main" val="1"/>
-              </p:ext>
-            </p:extLst>
-          </p:nvPr>
-        </p:nvSpPr>
-        <p:spPr>
-          <a:xfrm rot="18900000" flipH="1">
-            <a:off x="891641" y="422146"/>
-            <a:ext cx="645368" cy="645368"/>
-          </a:xfrm>
-          <a:prstGeom prst="rect">
-            <a:avLst/>
-          </a:prstGeom>
-          <a:solidFill>
-            <a:schemeClr val="accent1">
-              <a:alpha val="30000"/>
-            </a:schemeClr>
-          </a:solidFill>
-          <a:ln>
-            <a:noFill/>
-          </a:ln>
-        </p:spPr>
-        <p:style>
-          <a:lnRef idx="2">
-            <a:schemeClr val="accent1">
-              <a:shade val="50000"/>
-            </a:schemeClr>
-          </a:lnRef>
-          <a:fillRef idx="1">
-            <a:schemeClr val="accent1"/>
-          </a:fillRef>
-          <a:effectRef idx="0">
-            <a:schemeClr val="accent1"/>
-          </a:effectRef>
-          <a:fontRef idx="minor">
-            <a:schemeClr val="lt1"/>
-          </a:fontRef>
-        </p:style>
-        <p:txBody>
-          <a:bodyPr rtlCol="0" anchor="ctr"/>
-          <a:lstStyle/>
-          <a:p>
-            <a:pPr algn="ctr"/>
-            <a:endParaRPr lang="en-US"/>
-          </a:p>
-        </p:txBody>
-      </p:sp>
-      <p:sp>
-        <p:nvSpPr>
-          <p:cNvPr id="13" name="Rectangle 12">
-            <a:extLst>
-              <a:ext uri="{FF2B5EF4-FFF2-40B4-BE49-F238E27FC236}">
-                <a16:creationId xmlns:a16="http://schemas.microsoft.com/office/drawing/2014/main" id="{3783CA14-24A1-485C-8B30-D6A5D87987AD}"/>
-              </a:ext>
-              <a:ext uri="{C183D7F6-B498-43B3-948B-1728B52AA6E4}">
-                <adec:decorative xmlns:adec="http://schemas.microsoft.com/office/drawing/2017/decorative" val="1"/>
-              </a:ext>
-            </a:extLst>
-          </p:cNvPr>
-          <p:cNvSpPr>
-            <a:spLocks noGrp="1" noRot="1" noChangeAspect="1" noMove="1" noResize="1" noEditPoints="1" noAdjustHandles="1" noChangeArrowheads="1" noChangeShapeType="1" noTextEdit="1"/>
-          </p:cNvSpPr>
-          <p:nvPr>
-            <p:extLst>
-              <p:ext uri="{386F3935-93C4-4BCD-93E2-E3B085C9AB24}">
-                <p16:designElem xmlns:p16="http://schemas.microsoft.com/office/powerpoint/2015/main" val="1"/>
-              </p:ext>
-            </p:extLst>
-          </p:nvPr>
-        </p:nvSpPr>
-        <p:spPr>
-          <a:xfrm rot="18900000" flipH="1">
-            <a:off x="10043482" y="655140"/>
-            <a:ext cx="687472" cy="687472"/>
-          </a:xfrm>
-          <a:prstGeom prst="rect">
-            <a:avLst/>
-          </a:prstGeom>
-          <a:solidFill>
-            <a:schemeClr val="accent4">
-              <a:alpha val="30000"/>
-            </a:schemeClr>
-          </a:solidFill>
-          <a:ln>
-            <a:noFill/>
-          </a:ln>
-        </p:spPr>
-        <p:style>
-          <a:lnRef idx="2">
-            <a:schemeClr val="accent1">
-              <a:shade val="50000"/>
-            </a:schemeClr>
-          </a:lnRef>
-          <a:fillRef idx="1">
-            <a:schemeClr val="accent1"/>
-          </a:fillRef>
-          <a:effectRef idx="0">
-            <a:schemeClr val="accent1"/>
-          </a:effectRef>
-          <a:fontRef idx="minor">
-            <a:schemeClr val="lt1"/>
-          </a:fontRef>
-        </p:style>
-        <p:txBody>
-          <a:bodyPr rtlCol="0" anchor="ctr"/>
-          <a:lstStyle/>
-          <a:p>
-            <a:pPr algn="ctr"/>
-            <a:endParaRPr lang="en-US"/>
-          </a:p>
-        </p:txBody>
-      </p:sp>
-      <p:sp>
-        <p:nvSpPr>
-          <p:cNvPr id="15" name="Freeform: Shape 14">
-            <a:extLst>
-              <a:ext uri="{FF2B5EF4-FFF2-40B4-BE49-F238E27FC236}">
-                <a16:creationId xmlns:a16="http://schemas.microsoft.com/office/drawing/2014/main" id="{9A97C86A-04D6-40F7-AE84-31AB43E6A846}"/>
-              </a:ext>
-              <a:ext uri="{C183D7F6-B498-43B3-948B-1728B52AA6E4}">
-                <adec:decorative xmlns:adec="http://schemas.microsoft.com/office/drawing/2017/decorative" val="1"/>
-              </a:ext>
-            </a:extLst>
-          </p:cNvPr>
-          <p:cNvSpPr>
-            <a:spLocks noGrp="1" noRot="1" noChangeAspect="1" noMove="1" noResize="1" noEditPoints="1" noAdjustHandles="1" noChangeArrowheads="1" noChangeShapeType="1" noTextEdit="1"/>
-          </p:cNvSpPr>
-          <p:nvPr>
-            <p:extLst>
-              <p:ext uri="{386F3935-93C4-4BCD-93E2-E3B085C9AB24}">
-                <p16:designElem xmlns:p16="http://schemas.microsoft.com/office/powerpoint/2015/main" val="1"/>
-              </p:ext>
-            </p:extLst>
-          </p:nvPr>
-        </p:nvSpPr>
-        <p:spPr>
-          <a:xfrm rot="10800000" flipH="1">
-            <a:off x="9356643" y="0"/>
-            <a:ext cx="2835357" cy="1480837"/>
-          </a:xfrm>
-          <a:custGeom>
-            <a:avLst/>
-            <a:gdLst>
-              <a:gd name="connsiteX0" fmla="*/ 2835357 w 2835357"/>
-              <a:gd name="connsiteY0" fmla="*/ 1480837 h 1480837"/>
-              <a:gd name="connsiteX1" fmla="*/ 0 w 2835357"/>
-              <a:gd name="connsiteY1" fmla="*/ 1480837 h 1480837"/>
-              <a:gd name="connsiteX2" fmla="*/ 1552727 w 2835357"/>
-              <a:gd name="connsiteY2" fmla="*/ 0 h 1480837"/>
-              <a:gd name="connsiteX3" fmla="*/ 2835357 w 2835357"/>
-              <a:gd name="connsiteY3" fmla="*/ 1223245 h 1480837"/>
-            </a:gdLst>
-            <a:ahLst/>
-            <a:cxnLst>
-              <a:cxn ang="0">
-                <a:pos x="connsiteX0" y="connsiteY0"/>
-              </a:cxn>
-              <a:cxn ang="0">
-                <a:pos x="connsiteX1" y="connsiteY1"/>
-              </a:cxn>
-              <a:cxn ang="0">
-                <a:pos x="connsiteX2" y="connsiteY2"/>
-              </a:cxn>
-              <a:cxn ang="0">
-                <a:pos x="connsiteX3" y="connsiteY3"/>
-              </a:cxn>
-            </a:cxnLst>
-            <a:rect l="l" t="t" r="r" b="b"/>
-            <a:pathLst>
-              <a:path w="2835357" h="1480837">
-                <a:moveTo>
-                  <a:pt x="2835357" y="1480837"/>
-                </a:moveTo>
-                <a:lnTo>
-                  <a:pt x="0" y="1480837"/>
-                </a:lnTo>
-                <a:lnTo>
-                  <a:pt x="1552727" y="0"/>
-                </a:lnTo>
-                <a:lnTo>
-                  <a:pt x="2835357" y="1223245"/>
-                </a:lnTo>
-                <a:close/>
-              </a:path>
-            </a:pathLst>
-          </a:custGeom>
-          <a:solidFill>
-            <a:schemeClr val="accent4">
-              <a:alpha val="30000"/>
-            </a:schemeClr>
-          </a:solidFill>
-          <a:ln>
-            <a:noFill/>
-          </a:ln>
-        </p:spPr>
-        <p:style>
-          <a:lnRef idx="2">
-            <a:schemeClr val="accent1">
-              <a:shade val="50000"/>
-            </a:schemeClr>
-          </a:lnRef>
-          <a:fillRef idx="1">
-            <a:schemeClr val="accent1"/>
-          </a:fillRef>
-          <a:effectRef idx="0">
-            <a:schemeClr val="accent1"/>
-          </a:effectRef>
-          <a:fontRef idx="minor">
-            <a:schemeClr val="lt1"/>
-          </a:fontRef>
-        </p:style>
-        <p:txBody>
-          <a:bodyPr wrap="square" rtlCol="0" anchor="ctr">
-            <a:noAutofit/>
-          </a:bodyPr>
-          <a:lstStyle/>
-          <a:p>
-            <a:pPr algn="ctr"/>
-            <a:endParaRPr lang="en-US" dirty="0"/>
-          </a:p>
-        </p:txBody>
-      </p:sp>
-      <p:sp>
-        <p:nvSpPr>
-          <p:cNvPr id="17" name="Isosceles Triangle 16">
-            <a:extLst>
-              <a:ext uri="{FF2B5EF4-FFF2-40B4-BE49-F238E27FC236}">
-                <a16:creationId xmlns:a16="http://schemas.microsoft.com/office/drawing/2014/main" id="{FF9F2414-84E8-453E-B1F3-389FDE8192D9}"/>
-              </a:ext>
-              <a:ext uri="{C183D7F6-B498-43B3-948B-1728B52AA6E4}">
-                <adec:decorative xmlns:adec="http://schemas.microsoft.com/office/drawing/2017/decorative" val="1"/>
-              </a:ext>
-            </a:extLst>
-          </p:cNvPr>
-          <p:cNvSpPr>
-            <a:spLocks noGrp="1" noRot="1" noChangeAspect="1" noMove="1" noResize="1" noEditPoints="1" noAdjustHandles="1" noChangeArrowheads="1" noChangeShapeType="1" noTextEdit="1"/>
-          </p:cNvSpPr>
-          <p:nvPr>
-            <p:extLst>
-              <p:ext uri="{386F3935-93C4-4BCD-93E2-E3B085C9AB24}">
-                <p16:designElem xmlns:p16="http://schemas.microsoft.com/office/powerpoint/2015/main" val="1"/>
-              </p:ext>
-            </p:extLst>
-          </p:nvPr>
-        </p:nvSpPr>
-        <p:spPr>
-          <a:xfrm flipH="1">
-            <a:off x="7976344" y="6115501"/>
-            <a:ext cx="1494513" cy="742499"/>
-          </a:xfrm>
-          <a:prstGeom prst="triangle">
-            <a:avLst/>
-          </a:prstGeom>
-          <a:solidFill>
-            <a:schemeClr val="accent1">
-              <a:alpha val="30000"/>
-            </a:schemeClr>
-          </a:solidFill>
-          <a:ln>
-            <a:noFill/>
-          </a:ln>
-        </p:spPr>
-        <p:style>
-          <a:lnRef idx="2">
-            <a:schemeClr val="accent1">
-              <a:shade val="50000"/>
-            </a:schemeClr>
-          </a:lnRef>
-          <a:fillRef idx="1">
-            <a:schemeClr val="accent1"/>
-          </a:fillRef>
-          <a:effectRef idx="0">
-            <a:schemeClr val="accent1"/>
-          </a:effectRef>
-          <a:fontRef idx="minor">
-            <a:schemeClr val="lt1"/>
-          </a:fontRef>
-        </p:style>
-        <p:txBody>
-          <a:bodyPr rtlCol="0" anchor="ctr"/>
-          <a:lstStyle/>
-          <a:p>
-            <a:pPr algn="ctr"/>
-            <a:endParaRPr lang="en-US"/>
-          </a:p>
-        </p:txBody>
-      </p:sp>
-      <p:pic>
-        <p:nvPicPr>
-          <p:cNvPr id="2" name="Picture 1" descr="Related image">
-            <a:extLst>
-              <a:ext uri="{FF2B5EF4-FFF2-40B4-BE49-F238E27FC236}">
-                <a16:creationId xmlns:a16="http://schemas.microsoft.com/office/drawing/2014/main" id="{13D958CF-45A9-4CB3-89BA-5CE5C8AB6B62}"/>
-              </a:ext>
-            </a:extLst>
-          </p:cNvPr>
-          <p:cNvPicPr/>
-          <p:nvPr/>
-        </p:nvPicPr>
-        <p:blipFill rotWithShape="1">
-          <a:blip r:embed="rId2">
-            <a:extLst>
-              <a:ext uri="{28A0092B-C50C-407E-A947-70E740481C1C}">
-                <a14:useLocalDpi xmlns:a14="http://schemas.microsoft.com/office/drawing/2010/main" val="0"/>
-              </a:ext>
-            </a:extLst>
-          </a:blip>
-          <a:srcRect l="3950" t="3961" r="3106" b="5611"/>
-          <a:stretch/>
-        </p:blipFill>
-        <p:spPr bwMode="auto">
-          <a:xfrm>
-            <a:off x="2258004" y="321733"/>
-            <a:ext cx="7600221" cy="6214533"/>
-          </a:xfrm>
-          <a:prstGeom prst="rect">
-            <a:avLst/>
-          </a:prstGeom>
-          <a:noFill/>
-          <a:ln>
-            <a:noFill/>
-          </a:ln>
-          <a:extLst>
-            <a:ext uri="{53640926-AAD7-44D8-BBD7-CCE9431645EC}">
-              <a14:shadowObscured xmlns:a14="http://schemas.microsoft.com/office/drawing/2010/main"/>
-            </a:ext>
-          </a:extLst>
-        </p:spPr>
-      </p:pic>
-      <p:sp>
-        <p:nvSpPr>
-          <p:cNvPr id="19" name="Isosceles Triangle 18">
-            <a:extLst>
-              <a:ext uri="{FF2B5EF4-FFF2-40B4-BE49-F238E27FC236}">
-                <a16:creationId xmlns:a16="http://schemas.microsoft.com/office/drawing/2014/main" id="{3ECA69A1-7536-43AC-85EF-C7106179F5ED}"/>
-              </a:ext>
-              <a:ext uri="{C183D7F6-B498-43B3-948B-1728B52AA6E4}">
-                <adec:decorative xmlns:adec="http://schemas.microsoft.com/office/drawing/2017/decorative" val="1"/>
-              </a:ext>
-            </a:extLst>
-          </p:cNvPr>
-          <p:cNvSpPr>
-            <a:spLocks noGrp="1" noRot="1" noChangeAspect="1" noMove="1" noResize="1" noEditPoints="1" noAdjustHandles="1" noChangeArrowheads="1" noChangeShapeType="1" noTextEdit="1"/>
-          </p:cNvSpPr>
-          <p:nvPr>
-            <p:extLst>
-              <p:ext uri="{386F3935-93C4-4BCD-93E2-E3B085C9AB24}">
-                <p16:designElem xmlns:p16="http://schemas.microsoft.com/office/powerpoint/2015/main" val="1"/>
-              </p:ext>
-            </p:extLst>
-          </p:nvPr>
-        </p:nvSpPr>
-        <p:spPr>
-          <a:xfrm flipH="1">
-            <a:off x="7604080" y="6453143"/>
-            <a:ext cx="814903" cy="404857"/>
-          </a:xfrm>
-          <a:prstGeom prst="triangle">
-            <a:avLst/>
-          </a:prstGeom>
-          <a:solidFill>
-            <a:schemeClr val="accent1">
-              <a:alpha val="30000"/>
-            </a:schemeClr>
-          </a:solidFill>
-          <a:ln>
-            <a:noFill/>
-          </a:ln>
-        </p:spPr>
-        <p:style>
-          <a:lnRef idx="2">
-            <a:schemeClr val="accent1">
-              <a:shade val="50000"/>
-            </a:schemeClr>
-          </a:lnRef>
-          <a:fillRef idx="1">
-            <a:schemeClr val="accent1"/>
-          </a:fillRef>
-          <a:effectRef idx="0">
-            <a:schemeClr val="accent1"/>
-          </a:effectRef>
-          <a:fontRef idx="minor">
-            <a:schemeClr val="lt1"/>
-          </a:fontRef>
-        </p:style>
-        <p:txBody>
-          <a:bodyPr rtlCol="0" anchor="ctr"/>
-          <a:lstStyle/>
-          <a:p>
-            <a:pPr algn="ctr"/>
-            <a:endParaRPr lang="en-US"/>
-          </a:p>
-        </p:txBody>
-      </p:sp>
-    </p:spTree>
-    <p:extLst>
-      <p:ext uri="{BB962C8B-B14F-4D97-AF65-F5344CB8AC3E}">
-        <p14:creationId xmlns:p14="http://schemas.microsoft.com/office/powerpoint/2010/main" val="62198395"/>
       </p:ext>
     </p:extLst>
   </p:cSld>
